--- a/slides/01_3_EnvironmentSetup.pptx
+++ b/slides/01_3_EnvironmentSetup.pptx
@@ -1,39 +1,39 @@
 
 <file path=ppt/presentation.xml><?xml version="1.0" encoding="utf-8"?>
-<p:presentation xmlns:a="http://schemas.openxmlformats.org/drawingml/2006/main" xmlns:r="http://schemas.openxmlformats.org/officeDocument/2006/relationships" xmlns:p="http://schemas.openxmlformats.org/presentationml/2006/main" xmlns:m="http://schemas.openxmlformats.org/officeDocument/2006/math" xmlns:a14="http://schemas.microsoft.com/office/drawing/2010/main">
+<p:presentation xmlns:a="http://schemas.openxmlformats.org/drawingml/2006/main" xmlns:r="http://schemas.openxmlformats.org/officeDocument/2006/relationships" xmlns:p="http://schemas.openxmlformats.org/presentationml/2006/main">
   <p:sldMasterIdLst>
-    <p:sldMasterId id="2147483648" r:id="rId5"/>
+    <p:sldMasterId id="2147483648" r:id="rId1"/>
   </p:sldMasterIdLst>
   <p:notesMasterIdLst>
-    <p:notesMasterId r:id="rId7"/>
+    <p:notesMasterId r:id="rId28"/>
   </p:notesMasterIdLst>
   <p:sldIdLst>
-    <p:sldId id="256" r:id="rId8"/>
-    <p:sldId id="257" r:id="rId9"/>
-    <p:sldId id="258" r:id="rId10"/>
-    <p:sldId id="259" r:id="rId11"/>
-    <p:sldId id="260" r:id="rId12"/>
-    <p:sldId id="261" r:id="rId13"/>
-    <p:sldId id="262" r:id="rId14"/>
-    <p:sldId id="263" r:id="rId15"/>
-    <p:sldId id="264" r:id="rId16"/>
-    <p:sldId id="265" r:id="rId17"/>
-    <p:sldId id="266" r:id="rId18"/>
-    <p:sldId id="267" r:id="rId19"/>
-    <p:sldId id="268" r:id="rId20"/>
-    <p:sldId id="269" r:id="rId21"/>
-    <p:sldId id="270" r:id="rId22"/>
-    <p:sldId id="271" r:id="rId23"/>
-    <p:sldId id="272" r:id="rId24"/>
-    <p:sldId id="273" r:id="rId25"/>
-    <p:sldId id="274" r:id="rId26"/>
-    <p:sldId id="275" r:id="rId27"/>
-    <p:sldId id="276" r:id="rId28"/>
-    <p:sldId id="277" r:id="rId29"/>
-    <p:sldId id="278" r:id="rId30"/>
-    <p:sldId id="279" r:id="rId31"/>
-    <p:sldId id="280" r:id="rId32"/>
-    <p:sldId id="281" r:id="rId33"/>
+    <p:sldId id="256" r:id="rId2"/>
+    <p:sldId id="257" r:id="rId3"/>
+    <p:sldId id="258" r:id="rId4"/>
+    <p:sldId id="259" r:id="rId5"/>
+    <p:sldId id="260" r:id="rId6"/>
+    <p:sldId id="261" r:id="rId7"/>
+    <p:sldId id="262" r:id="rId8"/>
+    <p:sldId id="263" r:id="rId9"/>
+    <p:sldId id="264" r:id="rId10"/>
+    <p:sldId id="265" r:id="rId11"/>
+    <p:sldId id="266" r:id="rId12"/>
+    <p:sldId id="267" r:id="rId13"/>
+    <p:sldId id="268" r:id="rId14"/>
+    <p:sldId id="269" r:id="rId15"/>
+    <p:sldId id="270" r:id="rId16"/>
+    <p:sldId id="271" r:id="rId17"/>
+    <p:sldId id="272" r:id="rId18"/>
+    <p:sldId id="273" r:id="rId19"/>
+    <p:sldId id="274" r:id="rId20"/>
+    <p:sldId id="275" r:id="rId21"/>
+    <p:sldId id="276" r:id="rId22"/>
+    <p:sldId id="277" r:id="rId23"/>
+    <p:sldId id="278" r:id="rId24"/>
+    <p:sldId id="279" r:id="rId25"/>
+    <p:sldId id="280" r:id="rId26"/>
+    <p:sldId id="281" r:id="rId27"/>
   </p:sldIdLst>
   <p:sldSz cx="12192000" cy="6858000"/>
   <p:notesSz cx="6858000" cy="9144000"/>
@@ -53,7 +53,7 @@
       <a:buFontTx/>
       <a:buNone/>
       <a:tabLst/>
-      <a:defRPr b="0" baseline="0" cap="none" i="0" spc="0" strike="noStrike" sz="1800" u="none" kumimoji="0" normalizeH="0">
+      <a:defRPr kumimoji="0" sz="1800" b="0" i="0" u="none" strike="noStrike" cap="none" spc="0" normalizeH="0" baseline="0">
         <a:ln>
           <a:noFill/>
         </a:ln>
@@ -79,7 +79,7 @@
       <a:buFontTx/>
       <a:buNone/>
       <a:tabLst/>
-      <a:defRPr b="0" baseline="0" cap="none" i="0" spc="0" strike="noStrike" sz="1800" u="none" kumimoji="0" normalizeH="0">
+      <a:defRPr kumimoji="0" sz="1800" b="0" i="0" u="none" strike="noStrike" cap="none" spc="0" normalizeH="0" baseline="0">
         <a:ln>
           <a:noFill/>
         </a:ln>
@@ -109,7 +109,7 @@
       <a:buFontTx/>
       <a:buNone/>
       <a:tabLst/>
-      <a:defRPr b="0" baseline="0" cap="none" i="0" spc="0" strike="noStrike" sz="1800" u="none" kumimoji="0" normalizeH="0">
+      <a:defRPr kumimoji="0" sz="1800" b="0" i="0" u="none" strike="noStrike" cap="none" spc="0" normalizeH="0" baseline="0">
         <a:ln>
           <a:noFill/>
         </a:ln>
@@ -139,7 +139,7 @@
       <a:buFontTx/>
       <a:buNone/>
       <a:tabLst/>
-      <a:defRPr b="0" baseline="0" cap="none" i="0" spc="0" strike="noStrike" sz="1800" u="none" kumimoji="0" normalizeH="0">
+      <a:defRPr kumimoji="0" sz="1800" b="0" i="0" u="none" strike="noStrike" cap="none" spc="0" normalizeH="0" baseline="0">
         <a:ln>
           <a:noFill/>
         </a:ln>
@@ -169,7 +169,7 @@
       <a:buFontTx/>
       <a:buNone/>
       <a:tabLst/>
-      <a:defRPr b="0" baseline="0" cap="none" i="0" spc="0" strike="noStrike" sz="1800" u="none" kumimoji="0" normalizeH="0">
+      <a:defRPr kumimoji="0" sz="1800" b="0" i="0" u="none" strike="noStrike" cap="none" spc="0" normalizeH="0" baseline="0">
         <a:ln>
           <a:noFill/>
         </a:ln>
@@ -199,7 +199,7 @@
       <a:buFontTx/>
       <a:buNone/>
       <a:tabLst/>
-      <a:defRPr b="0" baseline="0" cap="none" i="0" spc="0" strike="noStrike" sz="1800" u="none" kumimoji="0" normalizeH="0">
+      <a:defRPr kumimoji="0" sz="1800" b="0" i="0" u="none" strike="noStrike" cap="none" spc="0" normalizeH="0" baseline="0">
         <a:ln>
           <a:noFill/>
         </a:ln>
@@ -229,7 +229,7 @@
       <a:buFontTx/>
       <a:buNone/>
       <a:tabLst/>
-      <a:defRPr b="0" baseline="0" cap="none" i="0" spc="0" strike="noStrike" sz="1800" u="none" kumimoji="0" normalizeH="0">
+      <a:defRPr kumimoji="0" sz="1800" b="0" i="0" u="none" strike="noStrike" cap="none" spc="0" normalizeH="0" baseline="0">
         <a:ln>
           <a:noFill/>
         </a:ln>
@@ -259,7 +259,7 @@
       <a:buFontTx/>
       <a:buNone/>
       <a:tabLst/>
-      <a:defRPr b="0" baseline="0" cap="none" i="0" spc="0" strike="noStrike" sz="1800" u="none" kumimoji="0" normalizeH="0">
+      <a:defRPr kumimoji="0" sz="1800" b="0" i="0" u="none" strike="noStrike" cap="none" spc="0" normalizeH="0" baseline="0">
         <a:ln>
           <a:noFill/>
         </a:ln>
@@ -289,7 +289,7 @@
       <a:buFontTx/>
       <a:buNone/>
       <a:tabLst/>
-      <a:defRPr b="0" baseline="0" cap="none" i="0" spc="0" strike="noStrike" sz="1800" u="none" kumimoji="0" normalizeH="0">
+      <a:defRPr kumimoji="0" sz="1800" b="0" i="0" u="none" strike="noStrike" cap="none" spc="0" normalizeH="0" baseline="0">
         <a:ln>
           <a:noFill/>
         </a:ln>
@@ -319,7 +319,7 @@
       <a:buFontTx/>
       <a:buNone/>
       <a:tabLst/>
-      <a:defRPr b="0" baseline="0" cap="none" i="0" spc="0" strike="noStrike" sz="1800" u="none" kumimoji="0" normalizeH="0">
+      <a:defRPr kumimoji="0" sz="1800" b="0" i="0" u="none" strike="noStrike" cap="none" spc="0" normalizeH="0" baseline="0">
         <a:ln>
           <a:noFill/>
         </a:ln>
@@ -338,13 +338,14 @@
 </p:presentation>
 </file>
 
-<file path=ppt/commentAuthors.xml><?xml version="1.0" encoding="utf-8"?>
-<p:cmAuthorLst xmlns:a="http://schemas.openxmlformats.org/drawingml/2006/main" xmlns:r="http://schemas.openxmlformats.org/officeDocument/2006/relationships" xmlns:p="http://schemas.openxmlformats.org/presentationml/2006/main" xmlns:m="http://schemas.openxmlformats.org/officeDocument/2006/math" xmlns:a14="http://schemas.microsoft.com/office/drawing/2010/main"/>
-</file>
-
 <file path=ppt/notesMasters/notesMaster1.xml><?xml version="1.0" encoding="utf-8"?>
-<p:notesMaster xmlns:a="http://schemas.openxmlformats.org/drawingml/2006/main" xmlns:r="http://schemas.openxmlformats.org/officeDocument/2006/relationships" xmlns:p="http://schemas.openxmlformats.org/presentationml/2006/main" xmlns:m="http://schemas.openxmlformats.org/officeDocument/2006/math" xmlns:a14="http://schemas.microsoft.com/office/drawing/2010/main">
+<p:notesMaster xmlns:a="http://schemas.openxmlformats.org/drawingml/2006/main" xmlns:r="http://schemas.openxmlformats.org/officeDocument/2006/relationships" xmlns:p="http://schemas.openxmlformats.org/presentationml/2006/main">
   <p:cSld>
+    <p:bg>
+      <p:bgRef idx="1001">
+        <a:schemeClr val="bg1"/>
+      </p:bgRef>
+    </p:bg>
     <p:spTree>
       <p:nvGrpSpPr>
         <p:cNvPr id="1" name=""/>
@@ -362,7 +363,9 @@
       <p:sp>
         <p:nvSpPr>
           <p:cNvPr id="35" name="Shape 35"/>
-          <p:cNvSpPr/>
+          <p:cNvSpPr>
+            <a:spLocks noGrp="1" noRot="1" noChangeAspect="1"/>
+          </p:cNvSpPr>
           <p:nvPr>
             <p:ph type="sldImg"/>
           </p:nvPr>
@@ -380,14 +383,16 @@
           <a:bodyPr/>
           <a:lstStyle/>
           <a:p>
-            <a:pPr/>
+            <a:endParaRPr/>
           </a:p>
         </p:txBody>
       </p:sp>
       <p:sp>
         <p:nvSpPr>
           <p:cNvPr id="36" name="Shape 36"/>
-          <p:cNvSpPr/>
+          <p:cNvSpPr>
+            <a:spLocks noGrp="1"/>
+          </p:cNvSpPr>
           <p:nvPr>
             <p:ph type="body" sz="quarter" idx="1"/>
           </p:nvPr>
@@ -405,7 +410,7 @@
           <a:bodyPr/>
           <a:lstStyle/>
           <a:p>
-            <a:pPr/>
+            <a:endParaRPr/>
           </a:p>
         </p:txBody>
       </p:sp>
@@ -490,7 +495,7 @@
 </file>
 
 <file path=ppt/notesSlides/notesSlide1.xml><?xml version="1.0" encoding="utf-8"?>
-<p:notes xmlns:a="http://schemas.openxmlformats.org/drawingml/2006/main" xmlns:r="http://schemas.openxmlformats.org/officeDocument/2006/relationships" xmlns:p="http://schemas.openxmlformats.org/presentationml/2006/main" xmlns:m="http://schemas.openxmlformats.org/officeDocument/2006/math" xmlns:a14="http://schemas.microsoft.com/office/drawing/2010/main" showMasterSp="1" showMasterPhAnim="1">
+<p:notes xmlns:a="http://schemas.openxmlformats.org/drawingml/2006/main" xmlns:r="http://schemas.openxmlformats.org/officeDocument/2006/relationships" xmlns:p="http://schemas.openxmlformats.org/presentationml/2006/main">
   <p:cSld>
     <p:spTree>
       <p:nvGrpSpPr>
@@ -509,7 +514,9 @@
       <p:sp>
         <p:nvSpPr>
           <p:cNvPr id="40" name="Shape 40"/>
-          <p:cNvSpPr/>
+          <p:cNvSpPr>
+            <a:spLocks noGrp="1" noRot="1" noChangeAspect="1"/>
+          </p:cNvSpPr>
           <p:nvPr>
             <p:ph type="sldImg"/>
           </p:nvPr>
@@ -523,14 +530,16 @@
           <a:bodyPr/>
           <a:lstStyle/>
           <a:p>
-            <a:pPr/>
+            <a:endParaRPr/>
           </a:p>
         </p:txBody>
       </p:sp>
       <p:sp>
         <p:nvSpPr>
           <p:cNvPr id="41" name="Shape 41"/>
-          <p:cNvSpPr/>
+          <p:cNvSpPr>
+            <a:spLocks noGrp="1"/>
+          </p:cNvSpPr>
           <p:nvPr>
             <p:ph type="body" sz="quarter" idx="1"/>
           </p:nvPr>
@@ -544,27 +553,13 @@
           <a:bodyPr/>
           <a:lstStyle/>
           <a:p>
-            <a:pPr/>
             <a:r>
               <a:t>이번 강의에서는 자바 프로그램을 개발하는데 필요한 소프트웨어 환경을 셋업 합니다.  </a:t>
             </a:r>
           </a:p>
           <a:p>
-            <a:pPr/>
-            <a:r>
-              <a:t>어렵지 않게 설치하고 사용할 수 있으니</a:t>
-            </a:r>
-            <a:r>
-              <a:t>,</a:t>
-            </a:r>
-            <a:r>
-              <a:t> 잘 따라와 주기 바랍니다</a:t>
-            </a:r>
-            <a:r>
-              <a:t>.</a:t>
-            </a:r>
-            <a:r>
-              <a:t> </a:t>
+            <a:r>
+              <a:t>어렵지 않게 설치하고 사용할 수 있으니, 잘 따라와 주기 바랍니다. </a:t>
             </a:r>
           </a:p>
         </p:txBody>
@@ -578,7 +573,7 @@
 </file>
 
 <file path=ppt/notesSlides/notesSlide10.xml><?xml version="1.0" encoding="utf-8"?>
-<p:notes xmlns:a="http://schemas.openxmlformats.org/drawingml/2006/main" xmlns:r="http://schemas.openxmlformats.org/officeDocument/2006/relationships" xmlns:p="http://schemas.openxmlformats.org/presentationml/2006/main" xmlns:m="http://schemas.openxmlformats.org/officeDocument/2006/math" xmlns:a14="http://schemas.microsoft.com/office/drawing/2010/main" showMasterSp="1" showMasterPhAnim="1">
+<p:notes xmlns:a="http://schemas.openxmlformats.org/drawingml/2006/main" xmlns:r="http://schemas.openxmlformats.org/officeDocument/2006/relationships" xmlns:p="http://schemas.openxmlformats.org/presentationml/2006/main">
   <p:cSld>
     <p:spTree>
       <p:nvGrpSpPr>
@@ -597,7 +592,9 @@
       <p:sp>
         <p:nvSpPr>
           <p:cNvPr id="118" name="Shape 118"/>
-          <p:cNvSpPr/>
+          <p:cNvSpPr>
+            <a:spLocks noGrp="1" noRot="1" noChangeAspect="1"/>
+          </p:cNvSpPr>
           <p:nvPr>
             <p:ph type="sldImg"/>
           </p:nvPr>
@@ -611,14 +608,16 @@
           <a:bodyPr/>
           <a:lstStyle/>
           <a:p>
-            <a:pPr/>
+            <a:endParaRPr/>
           </a:p>
         </p:txBody>
       </p:sp>
       <p:sp>
         <p:nvSpPr>
           <p:cNvPr id="119" name="Shape 119"/>
-          <p:cNvSpPr/>
+          <p:cNvSpPr>
+            <a:spLocks noGrp="1"/>
+          </p:cNvSpPr>
           <p:nvPr>
             <p:ph type="body" sz="quarter" idx="1"/>
           </p:nvPr>
@@ -632,19 +631,16 @@
           <a:bodyPr/>
           <a:lstStyle/>
           <a:p>
-            <a:pPr/>
             <a:r>
               <a:t>그 아래에는 class에 속하는 method들이 나열되어 사용법을 볼 수 있습니다. </a:t>
             </a:r>
           </a:p>
           <a:p>
-            <a:pPr/>
             <a:r>
               <a:t>method의 return type, parameter들과 어떤 작업을 하는지를 볼 수 있는데</a:t>
             </a:r>
           </a:p>
           <a:p>
-            <a:pPr/>
             <a:r>
               <a:t>각 method 이름을 click하면 더 자세한 설명을 볼 수 있습니다. </a:t>
             </a:r>
@@ -660,7 +656,7 @@
 </file>
 
 <file path=ppt/notesSlides/notesSlide11.xml><?xml version="1.0" encoding="utf-8"?>
-<p:notes xmlns:a="http://schemas.openxmlformats.org/drawingml/2006/main" xmlns:r="http://schemas.openxmlformats.org/officeDocument/2006/relationships" xmlns:p="http://schemas.openxmlformats.org/presentationml/2006/main" xmlns:m="http://schemas.openxmlformats.org/officeDocument/2006/math" xmlns:a14="http://schemas.microsoft.com/office/drawing/2010/main" showMasterSp="1" showMasterPhAnim="1">
+<p:notes xmlns:a="http://schemas.openxmlformats.org/drawingml/2006/main" xmlns:r="http://schemas.openxmlformats.org/officeDocument/2006/relationships" xmlns:p="http://schemas.openxmlformats.org/presentationml/2006/main">
   <p:cSld>
     <p:spTree>
       <p:nvGrpSpPr>
@@ -679,7 +675,9 @@
       <p:sp>
         <p:nvSpPr>
           <p:cNvPr id="125" name="Shape 125"/>
-          <p:cNvSpPr/>
+          <p:cNvSpPr>
+            <a:spLocks noGrp="1" noRot="1" noChangeAspect="1"/>
+          </p:cNvSpPr>
           <p:nvPr>
             <p:ph type="sldImg"/>
           </p:nvPr>
@@ -693,14 +691,16 @@
           <a:bodyPr/>
           <a:lstStyle/>
           <a:p>
-            <a:pPr/>
+            <a:endParaRPr/>
           </a:p>
         </p:txBody>
       </p:sp>
       <p:sp>
         <p:nvSpPr>
           <p:cNvPr id="126" name="Shape 126"/>
-          <p:cNvSpPr/>
+          <p:cNvSpPr>
+            <a:spLocks noGrp="1"/>
+          </p:cNvSpPr>
           <p:nvPr>
             <p:ph type="body" sz="quarter" idx="1"/>
           </p:nvPr>
@@ -714,31 +714,26 @@
           <a:bodyPr/>
           <a:lstStyle/>
           <a:p>
-            <a:pPr/>
             <a:r>
               <a:t>뒤에 설치할 IDE, 즉, Integrated Development Environment 를 사용해 보기 전에 </a:t>
             </a:r>
           </a:p>
           <a:p>
-            <a:pPr/>
             <a:r>
               <a:t>Console window에서 Java source program을 compile하고 실행하는 과정을 살펴 보겠습니다. </a:t>
             </a:r>
           </a:p>
           <a:p>
-            <a:pPr/>
             <a:r>
               <a:t>적당한 text editor로 java 프로그램의 source code를 작성합니다. </a:t>
             </a:r>
           </a:p>
           <a:p>
-            <a:pPr/>
             <a:r>
               <a:t>이 예제에서는 FirstProgram.java 라는 class source 파일을 작성하였습니다. </a:t>
             </a:r>
           </a:p>
           <a:p>
-            <a:pPr/>
             <a:r>
               <a:t>class의 이름과 source file의 이름이 일치해야 합니다. </a:t>
             </a:r>
@@ -754,7 +749,7 @@
 </file>
 
 <file path=ppt/notesSlides/notesSlide12.xml><?xml version="1.0" encoding="utf-8"?>
-<p:notes xmlns:a="http://schemas.openxmlformats.org/drawingml/2006/main" xmlns:r="http://schemas.openxmlformats.org/officeDocument/2006/relationships" xmlns:p="http://schemas.openxmlformats.org/presentationml/2006/main" xmlns:m="http://schemas.openxmlformats.org/officeDocument/2006/math" xmlns:a14="http://schemas.microsoft.com/office/drawing/2010/main" showMasterSp="1" showMasterPhAnim="1">
+<p:notes xmlns:a="http://schemas.openxmlformats.org/drawingml/2006/main" xmlns:r="http://schemas.openxmlformats.org/officeDocument/2006/relationships" xmlns:p="http://schemas.openxmlformats.org/presentationml/2006/main">
   <p:cSld>
     <p:spTree>
       <p:nvGrpSpPr>
@@ -773,7 +768,9 @@
       <p:sp>
         <p:nvSpPr>
           <p:cNvPr id="133" name="Shape 133"/>
-          <p:cNvSpPr/>
+          <p:cNvSpPr>
+            <a:spLocks noGrp="1" noRot="1" noChangeAspect="1"/>
+          </p:cNvSpPr>
           <p:nvPr>
             <p:ph type="sldImg"/>
           </p:nvPr>
@@ -787,14 +784,16 @@
           <a:bodyPr/>
           <a:lstStyle/>
           <a:p>
-            <a:pPr/>
+            <a:endParaRPr/>
           </a:p>
         </p:txBody>
       </p:sp>
       <p:sp>
         <p:nvSpPr>
           <p:cNvPr id="134" name="Shape 134"/>
-          <p:cNvSpPr/>
+          <p:cNvSpPr>
+            <a:spLocks noGrp="1"/>
+          </p:cNvSpPr>
           <p:nvPr>
             <p:ph type="body" sz="quarter" idx="1"/>
           </p:nvPr>
@@ -808,55 +807,46 @@
           <a:bodyPr/>
           <a:lstStyle/>
           <a:p>
-            <a:pPr/>
             <a:r>
               <a:t>Console 에서 source code를 byte code로 compile하기 위해</a:t>
             </a:r>
           </a:p>
           <a:p>
-            <a:pPr/>
             <a:r>
               <a:t>“Javac FirstProgram.java” 명령을 typing하여 실행합니다. </a:t>
             </a:r>
           </a:p>
           <a:p>
-            <a:pPr/>
             <a:r>
               <a:t>Compile에 성공하면 FirstProgram.class 라는 bytecode 프로그램이 생성된 것을 확인할 수 있습니다. </a:t>
             </a:r>
           </a:p>
           <a:p>
-            <a:pPr/>
             <a:r>
               <a:t>현재 폴더 안의 파일 리스트를 확인하기 위해 Windows에서는 “dir”, macOS에서는 “ls” 명령을 사용할 수 있습니다. </a:t>
             </a:r>
           </a:p>
           <a:p>
-            <a:pPr/>
             <a:r>
               <a:t>이제 Byte code 프로그램을 실행하기 위해 </a:t>
             </a:r>
           </a:p>
           <a:p>
-            <a:pPr/>
             <a:r>
               <a:t>JVM interpreter “java FirstProgram” 명령을 실행합니다. </a:t>
             </a:r>
           </a:p>
           <a:p>
-            <a:pPr/>
             <a:r>
               <a:t>Byte code 프로그램 파일 이름인 FirstProgram.class 에서 extension인 .class는 제외하고 명령을 typing해야 합니다. </a:t>
             </a:r>
           </a:p>
           <a:p>
-            <a:pPr/>
             <a:r>
               <a:t>JVM 이 실행되면서 “Hello World!” 라는 output이 console에 출력되는 것을 볼 수 있습니다. </a:t>
             </a:r>
           </a:p>
           <a:p>
-            <a:pPr/>
             <a:r>
               <a:t> </a:t>
             </a:r>
@@ -872,7 +862,7 @@
 </file>
 
 <file path=ppt/notesSlides/notesSlide13.xml><?xml version="1.0" encoding="utf-8"?>
-<p:notes xmlns:a="http://schemas.openxmlformats.org/drawingml/2006/main" xmlns:r="http://schemas.openxmlformats.org/officeDocument/2006/relationships" xmlns:p="http://schemas.openxmlformats.org/presentationml/2006/main" xmlns:m="http://schemas.openxmlformats.org/officeDocument/2006/math" xmlns:a14="http://schemas.microsoft.com/office/drawing/2010/main" showMasterSp="1" showMasterPhAnim="1">
+<p:notes xmlns:a="http://schemas.openxmlformats.org/drawingml/2006/main" xmlns:r="http://schemas.openxmlformats.org/officeDocument/2006/relationships" xmlns:p="http://schemas.openxmlformats.org/presentationml/2006/main">
   <p:cSld>
     <p:spTree>
       <p:nvGrpSpPr>
@@ -891,7 +881,9 @@
       <p:sp>
         <p:nvSpPr>
           <p:cNvPr id="140" name="Shape 140"/>
-          <p:cNvSpPr/>
+          <p:cNvSpPr>
+            <a:spLocks noGrp="1" noRot="1" noChangeAspect="1"/>
+          </p:cNvSpPr>
           <p:nvPr>
             <p:ph type="sldImg"/>
           </p:nvPr>
@@ -905,14 +897,16 @@
           <a:bodyPr/>
           <a:lstStyle/>
           <a:p>
-            <a:pPr/>
+            <a:endParaRPr/>
           </a:p>
         </p:txBody>
       </p:sp>
       <p:sp>
         <p:nvSpPr>
           <p:cNvPr id="141" name="Shape 141"/>
-          <p:cNvSpPr/>
+          <p:cNvSpPr>
+            <a:spLocks noGrp="1"/>
+          </p:cNvSpPr>
           <p:nvPr>
             <p:ph type="body" sz="quarter" idx="1"/>
           </p:nvPr>
@@ -926,19 +920,16 @@
           <a:bodyPr/>
           <a:lstStyle/>
           <a:p>
-            <a:pPr/>
             <a:r>
               <a:t>이제 IDE, 즉, Integrated Development Environment 인 IntelliJ IDEA를 설치해 보겠습니다. </a:t>
             </a:r>
           </a:p>
           <a:p>
-            <a:pPr/>
             <a:r>
               <a:t>jetbrains사의 홈페이지에서 IntelliJ IDEA의 “community edition” 을 다운 받아 설치하십시오. </a:t>
             </a:r>
           </a:p>
           <a:p>
-            <a:pPr/>
             <a:r>
               <a:t>Community version은 무료 버전으로 본 코스 정도의 학습에는 충분한 기능을 갖추고 있습니다. </a:t>
             </a:r>
@@ -954,7 +945,7 @@
 </file>
 
 <file path=ppt/notesSlides/notesSlide14.xml><?xml version="1.0" encoding="utf-8"?>
-<p:notes xmlns:a="http://schemas.openxmlformats.org/drawingml/2006/main" xmlns:r="http://schemas.openxmlformats.org/officeDocument/2006/relationships" xmlns:p="http://schemas.openxmlformats.org/presentationml/2006/main" xmlns:m="http://schemas.openxmlformats.org/officeDocument/2006/math" xmlns:a14="http://schemas.microsoft.com/office/drawing/2010/main" showMasterSp="1" showMasterPhAnim="1">
+<p:notes xmlns:a="http://schemas.openxmlformats.org/drawingml/2006/main" xmlns:r="http://schemas.openxmlformats.org/officeDocument/2006/relationships" xmlns:p="http://schemas.openxmlformats.org/presentationml/2006/main">
   <p:cSld>
     <p:spTree>
       <p:nvGrpSpPr>
@@ -973,7 +964,9 @@
       <p:sp>
         <p:nvSpPr>
           <p:cNvPr id="147" name="Shape 147"/>
-          <p:cNvSpPr/>
+          <p:cNvSpPr>
+            <a:spLocks noGrp="1" noRot="1" noChangeAspect="1"/>
+          </p:cNvSpPr>
           <p:nvPr>
             <p:ph type="sldImg"/>
           </p:nvPr>
@@ -987,14 +980,16 @@
           <a:bodyPr/>
           <a:lstStyle/>
           <a:p>
-            <a:pPr/>
+            <a:endParaRPr/>
           </a:p>
         </p:txBody>
       </p:sp>
       <p:sp>
         <p:nvSpPr>
           <p:cNvPr id="148" name="Shape 148"/>
-          <p:cNvSpPr/>
+          <p:cNvSpPr>
+            <a:spLocks noGrp="1"/>
+          </p:cNvSpPr>
           <p:nvPr>
             <p:ph type="body" sz="quarter" idx="1"/>
           </p:nvPr>
@@ -1008,7 +1003,6 @@
           <a:bodyPr/>
           <a:lstStyle/>
           <a:p>
-            <a:pPr/>
             <a:r>
               <a:t>IntelliJ IDEA를 설치한 후 실행하여 New Project 버튼을 click합니다. </a:t>
             </a:r>
@@ -1024,7 +1018,7 @@
 </file>
 
 <file path=ppt/notesSlides/notesSlide15.xml><?xml version="1.0" encoding="utf-8"?>
-<p:notes xmlns:a="http://schemas.openxmlformats.org/drawingml/2006/main" xmlns:r="http://schemas.openxmlformats.org/officeDocument/2006/relationships" xmlns:p="http://schemas.openxmlformats.org/presentationml/2006/main" xmlns:m="http://schemas.openxmlformats.org/officeDocument/2006/math" xmlns:a14="http://schemas.microsoft.com/office/drawing/2010/main" showMasterSp="1" showMasterPhAnim="1">
+<p:notes xmlns:a="http://schemas.openxmlformats.org/drawingml/2006/main" xmlns:r="http://schemas.openxmlformats.org/officeDocument/2006/relationships" xmlns:p="http://schemas.openxmlformats.org/presentationml/2006/main">
   <p:cSld>
     <p:spTree>
       <p:nvGrpSpPr>
@@ -1043,7 +1037,9 @@
       <p:sp>
         <p:nvSpPr>
           <p:cNvPr id="159" name="Shape 159"/>
-          <p:cNvSpPr/>
+          <p:cNvSpPr>
+            <a:spLocks noGrp="1" noRot="1" noChangeAspect="1"/>
+          </p:cNvSpPr>
           <p:nvPr>
             <p:ph type="sldImg"/>
           </p:nvPr>
@@ -1057,14 +1053,16 @@
           <a:bodyPr/>
           <a:lstStyle/>
           <a:p>
-            <a:pPr/>
+            <a:endParaRPr/>
           </a:p>
         </p:txBody>
       </p:sp>
       <p:sp>
         <p:nvSpPr>
           <p:cNvPr id="160" name="Shape 160"/>
-          <p:cNvSpPr/>
+          <p:cNvSpPr>
+            <a:spLocks noGrp="1"/>
+          </p:cNvSpPr>
           <p:nvPr>
             <p:ph type="body" sz="quarter" idx="1"/>
           </p:nvPr>
@@ -1078,55 +1076,46 @@
           <a:bodyPr/>
           <a:lstStyle/>
           <a:p>
-            <a:pPr/>
             <a:r>
               <a:t>프로젝트의 이름을 입력하고</a:t>
             </a:r>
           </a:p>
           <a:p>
-            <a:pPr/>
             <a:r>
               <a:t>프로젝트 파일들을 저장할 폴더 위치를 선택합니다. </a:t>
             </a:r>
           </a:p>
           <a:p>
-            <a:pPr/>
             <a:r>
               <a:t>Git을 사용한다면 “Create Git repository” 를 check하여 완성된 source code들을 github에 자동으로 upload할 수 있습니다. </a:t>
             </a:r>
           </a:p>
           <a:p>
-            <a:pPr/>
             <a:r>
               <a:t>여기서는 이 옵션을 선택하지는 않도록 하겠습니다. </a:t>
             </a:r>
           </a:p>
           <a:p>
-            <a:pPr/>
             <a:r>
               <a:t>여러 개의 JDK version들이 설치되어 있다면 그 중에 원하는 JDK를 선택할 수 있습니다. </a:t>
             </a:r>
           </a:p>
           <a:p>
-            <a:pPr/>
             <a:r>
               <a:t>보통 가장 최신에 설치한 최신 버전의 JDK를 선택하면 됩니다. </a:t>
             </a:r>
           </a:p>
           <a:p>
-            <a:pPr/>
             <a:r>
               <a:t>“Add sample code” option은 IntelliJ IDEA가 자동으로 sample code를 생성해 주는 기능입니다만 </a:t>
             </a:r>
           </a:p>
           <a:p>
-            <a:pPr/>
             <a:r>
               <a:t>여기에서는 이 옵션을 선택하지 않도록 하겠습니다. </a:t>
             </a:r>
           </a:p>
           <a:p>
-            <a:pPr/>
             <a:r>
               <a:t>모든 입력이 끝나면 왼쪽 맨 아래 “Create” button을 눌러 project를 생성합니다. </a:t>
             </a:r>
@@ -1142,7 +1131,7 @@
 </file>
 
 <file path=ppt/notesSlides/notesSlide16.xml><?xml version="1.0" encoding="utf-8"?>
-<p:notes xmlns:a="http://schemas.openxmlformats.org/drawingml/2006/main" xmlns:r="http://schemas.openxmlformats.org/officeDocument/2006/relationships" xmlns:p="http://schemas.openxmlformats.org/presentationml/2006/main" xmlns:m="http://schemas.openxmlformats.org/officeDocument/2006/math" xmlns:a14="http://schemas.microsoft.com/office/drawing/2010/main" showMasterSp="1" showMasterPhAnim="1">
+<p:notes xmlns:a="http://schemas.openxmlformats.org/drawingml/2006/main" xmlns:r="http://schemas.openxmlformats.org/officeDocument/2006/relationships" xmlns:p="http://schemas.openxmlformats.org/presentationml/2006/main">
   <p:cSld>
     <p:spTree>
       <p:nvGrpSpPr>
@@ -1161,7 +1150,9 @@
       <p:sp>
         <p:nvSpPr>
           <p:cNvPr id="165" name="Shape 165"/>
-          <p:cNvSpPr/>
+          <p:cNvSpPr>
+            <a:spLocks noGrp="1" noRot="1" noChangeAspect="1"/>
+          </p:cNvSpPr>
           <p:nvPr>
             <p:ph type="sldImg"/>
           </p:nvPr>
@@ -1175,14 +1166,16 @@
           <a:bodyPr/>
           <a:lstStyle/>
           <a:p>
-            <a:pPr/>
+            <a:endParaRPr/>
           </a:p>
         </p:txBody>
       </p:sp>
       <p:sp>
         <p:nvSpPr>
           <p:cNvPr id="166" name="Shape 166"/>
-          <p:cNvSpPr/>
+          <p:cNvSpPr>
+            <a:spLocks noGrp="1"/>
+          </p:cNvSpPr>
           <p:nvPr>
             <p:ph type="body" sz="quarter" idx="1"/>
           </p:nvPr>
@@ -1196,13 +1189,11 @@
           <a:bodyPr/>
           <a:lstStyle/>
           <a:p>
-            <a:pPr/>
             <a:r>
               <a:t>이제 방금 생성한 프로젝트 화면으로 전환됩니다. </a:t>
             </a:r>
           </a:p>
           <a:p>
-            <a:pPr/>
             <a:r>
               <a:t>아직 아무런 source code를 생성하지 않았기 때문에 src 폴더는 비어있습니다. </a:t>
             </a:r>
@@ -1218,7 +1209,7 @@
 </file>
 
 <file path=ppt/notesSlides/notesSlide17.xml><?xml version="1.0" encoding="utf-8"?>
-<p:notes xmlns:a="http://schemas.openxmlformats.org/drawingml/2006/main" xmlns:r="http://schemas.openxmlformats.org/officeDocument/2006/relationships" xmlns:p="http://schemas.openxmlformats.org/presentationml/2006/main" xmlns:m="http://schemas.openxmlformats.org/officeDocument/2006/math" xmlns:a14="http://schemas.microsoft.com/office/drawing/2010/main" showMasterSp="1" showMasterPhAnim="1">
+<p:notes xmlns:a="http://schemas.openxmlformats.org/drawingml/2006/main" xmlns:r="http://schemas.openxmlformats.org/officeDocument/2006/relationships" xmlns:p="http://schemas.openxmlformats.org/presentationml/2006/main">
   <p:cSld>
     <p:spTree>
       <p:nvGrpSpPr>
@@ -1237,7 +1228,9 @@
       <p:sp>
         <p:nvSpPr>
           <p:cNvPr id="177" name="Shape 177"/>
-          <p:cNvSpPr/>
+          <p:cNvSpPr>
+            <a:spLocks noGrp="1" noRot="1" noChangeAspect="1"/>
+          </p:cNvSpPr>
           <p:nvPr>
             <p:ph type="sldImg"/>
           </p:nvPr>
@@ -1251,14 +1244,16 @@
           <a:bodyPr/>
           <a:lstStyle/>
           <a:p>
-            <a:pPr/>
+            <a:endParaRPr/>
           </a:p>
         </p:txBody>
       </p:sp>
       <p:sp>
         <p:nvSpPr>
           <p:cNvPr id="178" name="Shape 178"/>
-          <p:cNvSpPr/>
+          <p:cNvSpPr>
+            <a:spLocks noGrp="1"/>
+          </p:cNvSpPr>
           <p:nvPr>
             <p:ph type="body" sz="quarter" idx="1"/>
           </p:nvPr>
@@ -1272,19 +1267,16 @@
           <a:bodyPr/>
           <a:lstStyle/>
           <a:p>
-            <a:pPr/>
             <a:r>
               <a:t>Src 폴더 위에 mouse pointer를 위치시키고 right mouse button을 눌러 popup 메뉴가 나오게 합니다. </a:t>
             </a:r>
           </a:p>
           <a:p>
-            <a:pPr/>
             <a:r>
               <a:t>메뉴에서 New 를 선택한 후</a:t>
             </a:r>
           </a:p>
           <a:p>
-            <a:pPr/>
             <a:r>
               <a:t>보여지는 sub menu에서 Java Class를 선택합니다. </a:t>
             </a:r>
@@ -1300,7 +1292,7 @@
 </file>
 
 <file path=ppt/notesSlides/notesSlide18.xml><?xml version="1.0" encoding="utf-8"?>
-<p:notes xmlns:a="http://schemas.openxmlformats.org/drawingml/2006/main" xmlns:r="http://schemas.openxmlformats.org/officeDocument/2006/relationships" xmlns:p="http://schemas.openxmlformats.org/presentationml/2006/main" xmlns:m="http://schemas.openxmlformats.org/officeDocument/2006/math" xmlns:a14="http://schemas.microsoft.com/office/drawing/2010/main" showMasterSp="1" showMasterPhAnim="1">
+<p:notes xmlns:a="http://schemas.openxmlformats.org/drawingml/2006/main" xmlns:r="http://schemas.openxmlformats.org/officeDocument/2006/relationships" xmlns:p="http://schemas.openxmlformats.org/presentationml/2006/main">
   <p:cSld>
     <p:spTree>
       <p:nvGrpSpPr>
@@ -1319,7 +1311,9 @@
       <p:sp>
         <p:nvSpPr>
           <p:cNvPr id="186" name="Shape 186"/>
-          <p:cNvSpPr/>
+          <p:cNvSpPr>
+            <a:spLocks noGrp="1" noRot="1" noChangeAspect="1"/>
+          </p:cNvSpPr>
           <p:nvPr>
             <p:ph type="sldImg"/>
           </p:nvPr>
@@ -1333,14 +1327,16 @@
           <a:bodyPr/>
           <a:lstStyle/>
           <a:p>
-            <a:pPr/>
+            <a:endParaRPr/>
           </a:p>
         </p:txBody>
       </p:sp>
       <p:sp>
         <p:nvSpPr>
           <p:cNvPr id="187" name="Shape 187"/>
-          <p:cNvSpPr/>
+          <p:cNvSpPr>
+            <a:spLocks noGrp="1"/>
+          </p:cNvSpPr>
           <p:nvPr>
             <p:ph type="body" sz="quarter" idx="1"/>
           </p:nvPr>
@@ -1354,13 +1350,11 @@
           <a:bodyPr/>
           <a:lstStyle/>
           <a:p>
-            <a:pPr/>
             <a:r>
               <a:t>New Java Class 창이 나오면 맨 위에 생성할 class 이름을 typing하고 enter를 누릅니다. </a:t>
             </a:r>
           </a:p>
           <a:p>
-            <a:pPr/>
             <a:r>
               <a:t>여기서는 “TestClass” 라는 class 이름을 입력하였습니다. </a:t>
             </a:r>
@@ -1376,7 +1370,7 @@
 </file>
 
 <file path=ppt/notesSlides/notesSlide19.xml><?xml version="1.0" encoding="utf-8"?>
-<p:notes xmlns:a="http://schemas.openxmlformats.org/drawingml/2006/main" xmlns:r="http://schemas.openxmlformats.org/officeDocument/2006/relationships" xmlns:p="http://schemas.openxmlformats.org/presentationml/2006/main" xmlns:m="http://schemas.openxmlformats.org/officeDocument/2006/math" xmlns:a14="http://schemas.microsoft.com/office/drawing/2010/main" showMasterSp="1" showMasterPhAnim="1">
+<p:notes xmlns:a="http://schemas.openxmlformats.org/drawingml/2006/main" xmlns:r="http://schemas.openxmlformats.org/officeDocument/2006/relationships" xmlns:p="http://schemas.openxmlformats.org/presentationml/2006/main">
   <p:cSld>
     <p:spTree>
       <p:nvGrpSpPr>
@@ -1395,7 +1389,9 @@
       <p:sp>
         <p:nvSpPr>
           <p:cNvPr id="201" name="Shape 201"/>
-          <p:cNvSpPr/>
+          <p:cNvSpPr>
+            <a:spLocks noGrp="1" noRot="1" noChangeAspect="1"/>
+          </p:cNvSpPr>
           <p:nvPr>
             <p:ph type="sldImg"/>
           </p:nvPr>
@@ -1409,14 +1405,16 @@
           <a:bodyPr/>
           <a:lstStyle/>
           <a:p>
-            <a:pPr/>
+            <a:endParaRPr/>
           </a:p>
         </p:txBody>
       </p:sp>
       <p:sp>
         <p:nvSpPr>
           <p:cNvPr id="202" name="Shape 202"/>
-          <p:cNvSpPr/>
+          <p:cNvSpPr>
+            <a:spLocks noGrp="1"/>
+          </p:cNvSpPr>
           <p:nvPr>
             <p:ph type="body" sz="quarter" idx="1"/>
           </p:nvPr>
@@ -1430,19 +1428,16 @@
           <a:bodyPr/>
           <a:lstStyle/>
           <a:p>
-            <a:pPr/>
             <a:r>
               <a:t>이제 “TestClass.java” source file이 생성됩니다. </a:t>
             </a:r>
           </a:p>
           <a:p>
-            <a:pPr/>
             <a:r>
               <a:t>Class name과 source file의 이름이 반드시 같아야 한다는 점을 다시한번 강조합니다. </a:t>
             </a:r>
           </a:p>
           <a:p>
-            <a:pPr/>
             <a:r>
               <a:t>이제 source 입력 창에 프로그램 source를 typing하면 됩니다. </a:t>
             </a:r>
@@ -1458,7 +1453,7 @@
 </file>
 
 <file path=ppt/notesSlides/notesSlide2.xml><?xml version="1.0" encoding="utf-8"?>
-<p:notes xmlns:a="http://schemas.openxmlformats.org/drawingml/2006/main" xmlns:r="http://schemas.openxmlformats.org/officeDocument/2006/relationships" xmlns:p="http://schemas.openxmlformats.org/presentationml/2006/main" xmlns:m="http://schemas.openxmlformats.org/officeDocument/2006/math" xmlns:a14="http://schemas.microsoft.com/office/drawing/2010/main" showMasterSp="1" showMasterPhAnim="1">
+<p:notes xmlns:a="http://schemas.openxmlformats.org/drawingml/2006/main" xmlns:r="http://schemas.openxmlformats.org/officeDocument/2006/relationships" xmlns:p="http://schemas.openxmlformats.org/presentationml/2006/main">
   <p:cSld>
     <p:spTree>
       <p:nvGrpSpPr>
@@ -1477,7 +1472,9 @@
       <p:sp>
         <p:nvSpPr>
           <p:cNvPr id="50" name="Shape 50"/>
-          <p:cNvSpPr/>
+          <p:cNvSpPr>
+            <a:spLocks noGrp="1" noRot="1" noChangeAspect="1"/>
+          </p:cNvSpPr>
           <p:nvPr>
             <p:ph type="sldImg"/>
           </p:nvPr>
@@ -1491,14 +1488,16 @@
           <a:bodyPr/>
           <a:lstStyle/>
           <a:p>
-            <a:pPr/>
+            <a:endParaRPr/>
           </a:p>
         </p:txBody>
       </p:sp>
       <p:sp>
         <p:nvSpPr>
           <p:cNvPr id="51" name="Shape 51"/>
-          <p:cNvSpPr/>
+          <p:cNvSpPr>
+            <a:spLocks noGrp="1"/>
+          </p:cNvSpPr>
           <p:nvPr>
             <p:ph type="body" sz="quarter" idx="1"/>
           </p:nvPr>
@@ -1512,246 +1511,38 @@
           <a:bodyPr/>
           <a:lstStyle/>
           <a:p>
-            <a:pPr/>
-            <a:r>
-              <a:t>Java Development Kit (JDK) </a:t>
-            </a:r>
-            <a:r>
-              <a:t>는</a:t>
-            </a:r>
-            <a:r>
-              <a:t> JVM </a:t>
-            </a:r>
-            <a:r>
-              <a:t>뿐아니라 자바 프로그램 개발자를 위한 여러가지 </a:t>
-            </a:r>
-            <a:r>
-              <a:t>tool</a:t>
-            </a:r>
-            <a:r>
-              <a:t>들을 포함하고 있는데</a:t>
-            </a:r>
-            <a:r>
-              <a:t>,</a:t>
-            </a:r>
-            <a:r>
-              <a:t> </a:t>
-            </a:r>
-          </a:p>
-          <a:p>
-            <a:pPr/>
-            <a:r>
-              <a:t>예를 들면</a:t>
-            </a:r>
-            <a:r>
-              <a:t>,</a:t>
-            </a:r>
-            <a:r>
-              <a:t> </a:t>
-            </a:r>
-            <a:r>
-              <a:t>javac, </a:t>
-            </a:r>
-            <a:r>
-              <a:t>즉</a:t>
-            </a:r>
-            <a:r>
-              <a:t>,</a:t>
-            </a:r>
-            <a:r>
-              <a:t> </a:t>
-            </a:r>
-            <a:r>
-              <a:t>Java compiler,</a:t>
-            </a:r>
-          </a:p>
-          <a:p>
-            <a:pPr/>
-            <a:r>
-              <a:t>java, </a:t>
-            </a:r>
-            <a:r>
-              <a:t>즉</a:t>
-            </a:r>
-            <a:r>
-              <a:t>,</a:t>
-            </a:r>
-            <a:r>
-              <a:t> </a:t>
-            </a:r>
-            <a:r>
-              <a:t>byte code interpreter </a:t>
-            </a:r>
-            <a:r>
-              <a:t>등입니다</a:t>
-            </a:r>
-            <a:r>
-              <a:t>.</a:t>
-            </a:r>
-            <a:r>
-              <a:t> </a:t>
-            </a:r>
-          </a:p>
-          <a:p>
-            <a:pPr/>
-            <a:r>
-              <a:t>JDK</a:t>
-            </a:r>
-            <a:r>
-              <a:t> 중에서 개발자가 아닌 프로그램 사용자만을 위한 </a:t>
-            </a:r>
-            <a:r>
-              <a:t>Subset</a:t>
-            </a:r>
-            <a:r>
-              <a:t>을 추린 것을 </a:t>
-            </a:r>
-            <a:r>
-              <a:t>Java Runtime Environment (JRE) </a:t>
-            </a:r>
-            <a:r>
-              <a:t>라고 합니다</a:t>
-            </a:r>
-            <a:r>
-              <a:t>.</a:t>
-            </a:r>
-            <a:r>
-              <a:t> </a:t>
-            </a:r>
-          </a:p>
-          <a:p>
-            <a:pPr/>
-            <a:r>
-              <a:t>즉</a:t>
-            </a:r>
-            <a:r>
-              <a:t>,</a:t>
-            </a:r>
-            <a:r>
-              <a:t> 사용자는 프로그램을 개발하는 사람은 아니기 때문에 개발에만 사용되는 </a:t>
-            </a:r>
-            <a:r>
-              <a:t>tool</a:t>
-            </a:r>
-            <a:r>
-              <a:t>들을 </a:t>
-            </a:r>
-            <a:r>
-              <a:t>JDK</a:t>
-            </a:r>
-            <a:r>
-              <a:t>로 부터 제외한 것이 </a:t>
-            </a:r>
-            <a:r>
-              <a:t>JRE</a:t>
-            </a:r>
-            <a:r>
-              <a:t>라고 볼 수 있습니다</a:t>
-            </a:r>
-            <a:r>
-              <a:t>.</a:t>
-            </a:r>
-            <a:r>
-              <a:t> </a:t>
-            </a:r>
-          </a:p>
-          <a:p>
-            <a:pPr/>
-            <a:r>
-              <a:t>간혹 </a:t>
-            </a:r>
-            <a:r>
-              <a:t>Java</a:t>
-            </a:r>
-            <a:r>
-              <a:t>로 개발된 프로그램을 </a:t>
-            </a:r>
-            <a:r>
-              <a:t>Install</a:t>
-            </a:r>
-            <a:r>
-              <a:t>하여 실행시키려 할 떄</a:t>
-            </a:r>
-            <a:r>
-              <a:t>,</a:t>
-            </a:r>
-            <a:r>
-              <a:t> </a:t>
-            </a:r>
-            <a:r>
-              <a:t>JRE</a:t>
-            </a:r>
-            <a:r>
-              <a:t>가 없으면 다운로드를 받으라는 안내가 나오는데</a:t>
-            </a:r>
-            <a:r>
-              <a:t>,</a:t>
-            </a:r>
-            <a:r>
-              <a:t> </a:t>
-            </a:r>
-            <a:r>
-              <a:t>Java</a:t>
-            </a:r>
-            <a:r>
-              <a:t>로 만들어진 프로그램의 실행에 있어서</a:t>
-            </a:r>
-            <a:r>
-              <a:t>,</a:t>
-            </a:r>
-            <a:r>
-              <a:t> </a:t>
-            </a:r>
-            <a:r>
-              <a:t>JRE</a:t>
-            </a:r>
-            <a:r>
-              <a:t>는 필수이기 때문입니다</a:t>
-            </a:r>
-            <a:r>
-              <a:t>.</a:t>
-            </a:r>
-            <a:r>
-              <a:t> </a:t>
-            </a:r>
-          </a:p>
-          <a:p>
-            <a:pPr/>
-            <a:r>
-              <a:t>JDK</a:t>
-            </a:r>
-            <a:r>
-              <a:t>와 </a:t>
-            </a:r>
-            <a:r>
-              <a:t>JRE</a:t>
-            </a:r>
-            <a:r>
-              <a:t>는 </a:t>
-            </a:r>
-            <a:r>
-              <a:t>Java</a:t>
-            </a:r>
-            <a:r>
-              <a:t>의 소유사인 </a:t>
-            </a:r>
-            <a:r>
-              <a:t>Oracle</a:t>
-            </a:r>
-            <a:r>
-              <a:t>의 </a:t>
-            </a:r>
-            <a:r>
-              <a:t>Java Technology Site</a:t>
-            </a:r>
-            <a:r>
-              <a:t>에 가면 다운로드 받을 수 있습니다</a:t>
-            </a:r>
-            <a:r>
-              <a:t>.</a:t>
-            </a:r>
-            <a:r>
-              <a:t> </a:t>
+            <a:r>
+              <a:t>Java Development Kit (JDK) 는 JVM 뿐아니라 자바 프로그램 개발자를 위한 여러가지 tool들을 포함하고 있는데, </a:t>
+            </a:r>
+          </a:p>
+          <a:p>
+            <a:r>
+              <a:t>예를 들면, javac, 즉, Java compiler,</a:t>
+            </a:r>
+          </a:p>
+          <a:p>
+            <a:r>
+              <a:t>java, 즉, byte code interpreter 등입니다. </a:t>
+            </a:r>
+          </a:p>
+          <a:p>
+            <a:r>
+              <a:t>JDK 중에서 개발자가 아닌 프로그램 사용자만을 위한 Subset을 추린 것을 Java Runtime Environment (JRE) 라고 합니다. </a:t>
+            </a:r>
+          </a:p>
+          <a:p>
+            <a:r>
+              <a:t>즉, 사용자는 프로그램을 개발하는 사람은 아니기 때문에 개발에만 사용되는 tool들을 JDK로 부터 제외한 것이 JRE라고 볼 수 있습니다. </a:t>
+            </a:r>
+          </a:p>
+          <a:p>
+            <a:r>
+              <a:t>간혹 Java로 개발된 프로그램을 Install하여 실행시키려 할 떄, JRE가 없으면 다운로드를 받으라는 안내가 나오는데, Java로 만들어진 프로그램의 실행에 있어서, JRE는 필수이기 때문입니다. </a:t>
+            </a:r>
+          </a:p>
+          <a:p>
+            <a:r>
+              <a:t>JDK와 JRE는 Java의 소유사인 Oracle의 Java Technology Site에 가면 다운로드 받을 수 있습니다. </a:t>
             </a:r>
           </a:p>
         </p:txBody>
@@ -1765,7 +1556,7 @@
 </file>
 
 <file path=ppt/notesSlides/notesSlide20.xml><?xml version="1.0" encoding="utf-8"?>
-<p:notes xmlns:a="http://schemas.openxmlformats.org/drawingml/2006/main" xmlns:r="http://schemas.openxmlformats.org/officeDocument/2006/relationships" xmlns:p="http://schemas.openxmlformats.org/presentationml/2006/main" xmlns:m="http://schemas.openxmlformats.org/officeDocument/2006/math" xmlns:a14="http://schemas.microsoft.com/office/drawing/2010/main" showMasterSp="1" showMasterPhAnim="1">
+<p:notes xmlns:a="http://schemas.openxmlformats.org/drawingml/2006/main" xmlns:r="http://schemas.openxmlformats.org/officeDocument/2006/relationships" xmlns:p="http://schemas.openxmlformats.org/presentationml/2006/main">
   <p:cSld>
     <p:spTree>
       <p:nvGrpSpPr>
@@ -1784,7 +1575,9 @@
       <p:sp>
         <p:nvSpPr>
           <p:cNvPr id="207" name="Shape 207"/>
-          <p:cNvSpPr/>
+          <p:cNvSpPr>
+            <a:spLocks noGrp="1" noRot="1" noChangeAspect="1"/>
+          </p:cNvSpPr>
           <p:nvPr>
             <p:ph type="sldImg"/>
           </p:nvPr>
@@ -1798,14 +1591,16 @@
           <a:bodyPr/>
           <a:lstStyle/>
           <a:p>
-            <a:pPr/>
+            <a:endParaRPr/>
           </a:p>
         </p:txBody>
       </p:sp>
       <p:sp>
         <p:nvSpPr>
           <p:cNvPr id="208" name="Shape 208"/>
-          <p:cNvSpPr/>
+          <p:cNvSpPr>
+            <a:spLocks noGrp="1"/>
+          </p:cNvSpPr>
           <p:nvPr>
             <p:ph type="body" sz="quarter" idx="1"/>
           </p:nvPr>
@@ -1819,19 +1614,16 @@
           <a:bodyPr/>
           <a:lstStyle/>
           <a:p>
-            <a:pPr/>
             <a:r>
               <a:t>이제 source file을 bytecode로 compile하기 위해 </a:t>
             </a:r>
           </a:p>
           <a:p>
-            <a:pPr/>
             <a:r>
               <a:t>Build menu에서 Build Project를 선택합니다. </a:t>
             </a:r>
           </a:p>
           <a:p>
-            <a:pPr/>
             <a:r>
               <a:t>단축키는 Windows에서 Ctrl + F9, macOS에서는 Command + fn + F9 입니다. </a:t>
             </a:r>
@@ -1847,7 +1639,7 @@
 </file>
 
 <file path=ppt/notesSlides/notesSlide21.xml><?xml version="1.0" encoding="utf-8"?>
-<p:notes xmlns:a="http://schemas.openxmlformats.org/drawingml/2006/main" xmlns:r="http://schemas.openxmlformats.org/officeDocument/2006/relationships" xmlns:p="http://schemas.openxmlformats.org/presentationml/2006/main" xmlns:m="http://schemas.openxmlformats.org/officeDocument/2006/math" xmlns:a14="http://schemas.microsoft.com/office/drawing/2010/main" showMasterSp="1" showMasterPhAnim="1">
+<p:notes xmlns:a="http://schemas.openxmlformats.org/drawingml/2006/main" xmlns:r="http://schemas.openxmlformats.org/officeDocument/2006/relationships" xmlns:p="http://schemas.openxmlformats.org/presentationml/2006/main">
   <p:cSld>
     <p:spTree>
       <p:nvGrpSpPr>
@@ -1866,7 +1658,9 @@
       <p:sp>
         <p:nvSpPr>
           <p:cNvPr id="216" name="Shape 216"/>
-          <p:cNvSpPr/>
+          <p:cNvSpPr>
+            <a:spLocks noGrp="1" noRot="1" noChangeAspect="1"/>
+          </p:cNvSpPr>
           <p:nvPr>
             <p:ph type="sldImg"/>
           </p:nvPr>
@@ -1880,14 +1674,16 @@
           <a:bodyPr/>
           <a:lstStyle/>
           <a:p>
-            <a:pPr/>
+            <a:endParaRPr/>
           </a:p>
         </p:txBody>
       </p:sp>
       <p:sp>
         <p:nvSpPr>
           <p:cNvPr id="217" name="Shape 217"/>
-          <p:cNvSpPr/>
+          <p:cNvSpPr>
+            <a:spLocks noGrp="1"/>
+          </p:cNvSpPr>
           <p:nvPr>
             <p:ph type="body" sz="quarter" idx="1"/>
           </p:nvPr>
@@ -1901,25 +1697,21 @@
           <a:bodyPr/>
           <a:lstStyle/>
           <a:p>
-            <a:pPr/>
             <a:r>
               <a:t>이제 왼쪽의 file navigator에 “out” folder가 생성된 것을 확인할 수 있습니다. </a:t>
             </a:r>
           </a:p>
           <a:p>
-            <a:pPr/>
             <a:r>
               <a:t>Out folder 아래 “TestClass” 가 생성되었는데, 이것이 bytecode file인 TestClass.class 파일을 나타냅니다. </a:t>
             </a:r>
           </a:p>
           <a:p>
-            <a:pPr/>
             <a:r>
               <a:t>실제로 bytecode파일이 생성되었는지 확인하기 위해 explorer (Windows) 또는 finder (macOS) 에서</a:t>
             </a:r>
           </a:p>
           <a:p>
-            <a:pPr/>
             <a:r>
               <a:t>TestProject 폴더 아래 out 폴더 아래 TestClass.class 파일이 생성된 것을 확인할 수 있습니다. </a:t>
             </a:r>
@@ -1935,7 +1727,7 @@
 </file>
 
 <file path=ppt/notesSlides/notesSlide22.xml><?xml version="1.0" encoding="utf-8"?>
-<p:notes xmlns:a="http://schemas.openxmlformats.org/drawingml/2006/main" xmlns:r="http://schemas.openxmlformats.org/officeDocument/2006/relationships" xmlns:p="http://schemas.openxmlformats.org/presentationml/2006/main" xmlns:m="http://schemas.openxmlformats.org/officeDocument/2006/math" xmlns:a14="http://schemas.microsoft.com/office/drawing/2010/main" showMasterSp="1" showMasterPhAnim="1">
+<p:notes xmlns:a="http://schemas.openxmlformats.org/drawingml/2006/main" xmlns:r="http://schemas.openxmlformats.org/officeDocument/2006/relationships" xmlns:p="http://schemas.openxmlformats.org/presentationml/2006/main">
   <p:cSld>
     <p:spTree>
       <p:nvGrpSpPr>
@@ -1954,7 +1746,9 @@
       <p:sp>
         <p:nvSpPr>
           <p:cNvPr id="227" name="Shape 227"/>
-          <p:cNvSpPr/>
+          <p:cNvSpPr>
+            <a:spLocks noGrp="1" noRot="1" noChangeAspect="1"/>
+          </p:cNvSpPr>
           <p:nvPr>
             <p:ph type="sldImg"/>
           </p:nvPr>
@@ -1968,14 +1762,16 @@
           <a:bodyPr/>
           <a:lstStyle/>
           <a:p>
-            <a:pPr/>
+            <a:endParaRPr/>
           </a:p>
         </p:txBody>
       </p:sp>
       <p:sp>
         <p:nvSpPr>
           <p:cNvPr id="228" name="Shape 228"/>
-          <p:cNvSpPr/>
+          <p:cNvSpPr>
+            <a:spLocks noGrp="1"/>
+          </p:cNvSpPr>
           <p:nvPr>
             <p:ph type="body" sz="quarter" idx="1"/>
           </p:nvPr>
@@ -1989,25 +1785,21 @@
           <a:bodyPr/>
           <a:lstStyle/>
           <a:p>
-            <a:pPr/>
             <a:r>
               <a:t>JVM interpreter를 실행하여 bytecode 프로그램을 실행하려면 </a:t>
             </a:r>
           </a:p>
           <a:p>
-            <a:pPr/>
             <a:r>
               <a:t>Ctrl + r 을 선택하던지</a:t>
             </a:r>
           </a:p>
           <a:p>
-            <a:pPr/>
             <a:r>
               <a:t>Run button (play 삼각형 모양) 을 click 합니다. </a:t>
             </a:r>
           </a:p>
           <a:p>
-            <a:pPr/>
             <a:r>
               <a:t>program의 output이 IntelliJ 하단의 terminal window에 출력되는 것을 확인할 수 있습니다. </a:t>
             </a:r>
@@ -2023,7 +1815,7 @@
 </file>
 
 <file path=ppt/notesSlides/notesSlide23.xml><?xml version="1.0" encoding="utf-8"?>
-<p:notes xmlns:a="http://schemas.openxmlformats.org/drawingml/2006/main" xmlns:r="http://schemas.openxmlformats.org/officeDocument/2006/relationships" xmlns:p="http://schemas.openxmlformats.org/presentationml/2006/main" xmlns:m="http://schemas.openxmlformats.org/officeDocument/2006/math" xmlns:a14="http://schemas.microsoft.com/office/drawing/2010/main" showMasterSp="1" showMasterPhAnim="1">
+<p:notes xmlns:a="http://schemas.openxmlformats.org/drawingml/2006/main" xmlns:r="http://schemas.openxmlformats.org/officeDocument/2006/relationships" xmlns:p="http://schemas.openxmlformats.org/presentationml/2006/main">
   <p:cSld>
     <p:spTree>
       <p:nvGrpSpPr>
@@ -2042,7 +1834,9 @@
       <p:sp>
         <p:nvSpPr>
           <p:cNvPr id="234" name="Shape 234"/>
-          <p:cNvSpPr/>
+          <p:cNvSpPr>
+            <a:spLocks noGrp="1" noRot="1" noChangeAspect="1"/>
+          </p:cNvSpPr>
           <p:nvPr>
             <p:ph type="sldImg"/>
           </p:nvPr>
@@ -2056,14 +1850,16 @@
           <a:bodyPr/>
           <a:lstStyle/>
           <a:p>
-            <a:pPr/>
+            <a:endParaRPr/>
           </a:p>
         </p:txBody>
       </p:sp>
       <p:sp>
         <p:nvSpPr>
           <p:cNvPr id="235" name="Shape 235"/>
-          <p:cNvSpPr/>
+          <p:cNvSpPr>
+            <a:spLocks noGrp="1"/>
+          </p:cNvSpPr>
           <p:nvPr>
             <p:ph type="body" sz="quarter" idx="1"/>
           </p:nvPr>
@@ -2077,13 +1873,11 @@
           <a:bodyPr/>
           <a:lstStyle/>
           <a:p>
-            <a:pPr/>
             <a:r>
               <a:t>작업을 마친 후에는 “File &gt; Close Project” menu를 선택하여 project를 닫을 수 있습니다. </a:t>
             </a:r>
           </a:p>
           <a:p>
-            <a:pPr/>
             <a:r>
               <a:t>Project를 close한 후에는 작성한 모든 project들의 list를 볼 수 있으며 각 프로젝트를 마우스로 선택하여 project로 진입할 수 있습니다. </a:t>
             </a:r>
@@ -2099,7 +1893,7 @@
 </file>
 
 <file path=ppt/notesSlides/notesSlide24.xml><?xml version="1.0" encoding="utf-8"?>
-<p:notes xmlns:a="http://schemas.openxmlformats.org/drawingml/2006/main" xmlns:r="http://schemas.openxmlformats.org/officeDocument/2006/relationships" xmlns:p="http://schemas.openxmlformats.org/presentationml/2006/main" xmlns:m="http://schemas.openxmlformats.org/officeDocument/2006/math" xmlns:a14="http://schemas.microsoft.com/office/drawing/2010/main" showMasterSp="1" showMasterPhAnim="1">
+<p:notes xmlns:a="http://schemas.openxmlformats.org/drawingml/2006/main" xmlns:r="http://schemas.openxmlformats.org/officeDocument/2006/relationships" xmlns:p="http://schemas.openxmlformats.org/presentationml/2006/main">
   <p:cSld>
     <p:spTree>
       <p:nvGrpSpPr>
@@ -2118,12 +1912,18 @@
       <p:sp>
         <p:nvSpPr>
           <p:cNvPr id="250" name="Shape 250"/>
-          <p:cNvSpPr/>
+          <p:cNvSpPr>
+            <a:spLocks noGrp="1" noRot="1" noChangeAspect="1"/>
+          </p:cNvSpPr>
           <p:nvPr>
             <p:ph type="sldImg"/>
           </p:nvPr>
         </p:nvSpPr>
         <p:spPr>
+          <a:xfrm>
+            <a:off x="381000" y="685800"/>
+            <a:ext cx="6096000" cy="3429000"/>
+          </a:xfrm>
           <a:prstGeom prst="rect">
             <a:avLst/>
           </a:prstGeom>
@@ -2132,14 +1932,16 @@
           <a:bodyPr/>
           <a:lstStyle/>
           <a:p>
-            <a:pPr/>
+            <a:endParaRPr/>
           </a:p>
         </p:txBody>
       </p:sp>
       <p:sp>
         <p:nvSpPr>
           <p:cNvPr id="251" name="Shape 251"/>
-          <p:cNvSpPr/>
+          <p:cNvSpPr>
+            <a:spLocks noGrp="1"/>
+          </p:cNvSpPr>
           <p:nvPr>
             <p:ph type="body" sz="quarter" idx="1"/>
           </p:nvPr>
@@ -2153,13 +1955,11 @@
           <a:bodyPr/>
           <a:lstStyle/>
           <a:p>
-            <a:pPr/>
             <a:r>
               <a:t>이번에는 이미 작성된 source file들을 IntelliJ에 불러들이는 방법에 대해 알아보겠습니다. </a:t>
             </a:r>
           </a:p>
           <a:p>
-            <a:pPr/>
             <a:r>
               <a:t>Source file들은 프로젝트 이름을 가진 폴더 아래 src 폴더 아래 java source file들을 가지고 있는 형식이어야 합니다. </a:t>
             </a:r>
@@ -2175,7 +1975,7 @@
 </file>
 
 <file path=ppt/notesSlides/notesSlide25.xml><?xml version="1.0" encoding="utf-8"?>
-<p:notes xmlns:a="http://schemas.openxmlformats.org/drawingml/2006/main" xmlns:r="http://schemas.openxmlformats.org/officeDocument/2006/relationships" xmlns:p="http://schemas.openxmlformats.org/presentationml/2006/main" xmlns:m="http://schemas.openxmlformats.org/officeDocument/2006/math" xmlns:a14="http://schemas.microsoft.com/office/drawing/2010/main" showMasterSp="1" showMasterPhAnim="1">
+<p:notes xmlns:a="http://schemas.openxmlformats.org/drawingml/2006/main" xmlns:r="http://schemas.openxmlformats.org/officeDocument/2006/relationships" xmlns:p="http://schemas.openxmlformats.org/presentationml/2006/main">
   <p:cSld>
     <p:spTree>
       <p:nvGrpSpPr>
@@ -2194,12 +1994,18 @@
       <p:sp>
         <p:nvSpPr>
           <p:cNvPr id="261" name="Shape 261"/>
-          <p:cNvSpPr/>
+          <p:cNvSpPr>
+            <a:spLocks noGrp="1" noRot="1" noChangeAspect="1"/>
+          </p:cNvSpPr>
           <p:nvPr>
             <p:ph type="sldImg"/>
           </p:nvPr>
         </p:nvSpPr>
         <p:spPr>
+          <a:xfrm>
+            <a:off x="381000" y="685800"/>
+            <a:ext cx="6096000" cy="3429000"/>
+          </a:xfrm>
           <a:prstGeom prst="rect">
             <a:avLst/>
           </a:prstGeom>
@@ -2208,14 +2014,16 @@
           <a:bodyPr/>
           <a:lstStyle/>
           <a:p>
-            <a:pPr/>
+            <a:endParaRPr/>
           </a:p>
         </p:txBody>
       </p:sp>
       <p:sp>
         <p:nvSpPr>
           <p:cNvPr id="262" name="Shape 262"/>
-          <p:cNvSpPr/>
+          <p:cNvSpPr>
+            <a:spLocks noGrp="1"/>
+          </p:cNvSpPr>
           <p:nvPr>
             <p:ph type="body" sz="quarter" idx="1"/>
           </p:nvPr>
@@ -2229,13 +2037,11 @@
           <a:bodyPr/>
           <a:lstStyle/>
           <a:p>
-            <a:pPr/>
             <a:r>
               <a:t>Main menu에서 File &gt; Open 메뉴를 선택하고</a:t>
             </a:r>
           </a:p>
           <a:p>
-            <a:pPr/>
             <a:r>
               <a:t>미리 준비된 project 폴더를 선택합니다. </a:t>
             </a:r>
@@ -2251,7 +2057,7 @@
 </file>
 
 <file path=ppt/notesSlides/notesSlide26.xml><?xml version="1.0" encoding="utf-8"?>
-<p:notes xmlns:a="http://schemas.openxmlformats.org/drawingml/2006/main" xmlns:r="http://schemas.openxmlformats.org/officeDocument/2006/relationships" xmlns:p="http://schemas.openxmlformats.org/presentationml/2006/main" xmlns:m="http://schemas.openxmlformats.org/officeDocument/2006/math" xmlns:a14="http://schemas.microsoft.com/office/drawing/2010/main" showMasterSp="1" showMasterPhAnim="1">
+<p:notes xmlns:a="http://schemas.openxmlformats.org/drawingml/2006/main" xmlns:r="http://schemas.openxmlformats.org/officeDocument/2006/relationships" xmlns:p="http://schemas.openxmlformats.org/presentationml/2006/main">
   <p:cSld>
     <p:spTree>
       <p:nvGrpSpPr>
@@ -2270,7 +2076,9 @@
       <p:sp>
         <p:nvSpPr>
           <p:cNvPr id="267" name="Shape 267"/>
-          <p:cNvSpPr/>
+          <p:cNvSpPr>
+            <a:spLocks noGrp="1" noRot="1" noChangeAspect="1"/>
+          </p:cNvSpPr>
           <p:nvPr>
             <p:ph type="sldImg"/>
           </p:nvPr>
@@ -2284,14 +2092,16 @@
           <a:bodyPr/>
           <a:lstStyle/>
           <a:p>
-            <a:pPr/>
+            <a:endParaRPr/>
           </a:p>
         </p:txBody>
       </p:sp>
       <p:sp>
         <p:nvSpPr>
           <p:cNvPr id="268" name="Shape 268"/>
-          <p:cNvSpPr/>
+          <p:cNvSpPr>
+            <a:spLocks noGrp="1"/>
+          </p:cNvSpPr>
           <p:nvPr>
             <p:ph type="body" sz="quarter" idx="1"/>
           </p:nvPr>
@@ -2305,13 +2115,11 @@
           <a:bodyPr/>
           <a:lstStyle/>
           <a:p>
-            <a:pPr/>
             <a:r>
               <a:t>프로젝트가 IntelliJ로 읽어져 만들어지면서 </a:t>
             </a:r>
           </a:p>
           <a:p>
-            <a:pPr/>
             <a:r>
               <a:t>Src 폴더 아래 source file들이 자리잡게 됩니다. </a:t>
             </a:r>
@@ -2327,7 +2135,7 @@
 </file>
 
 <file path=ppt/notesSlides/notesSlide3.xml><?xml version="1.0" encoding="utf-8"?>
-<p:notes xmlns:a="http://schemas.openxmlformats.org/drawingml/2006/main" xmlns:r="http://schemas.openxmlformats.org/officeDocument/2006/relationships" xmlns:p="http://schemas.openxmlformats.org/presentationml/2006/main" xmlns:m="http://schemas.openxmlformats.org/officeDocument/2006/math" xmlns:a14="http://schemas.microsoft.com/office/drawing/2010/main" showMasterSp="1" showMasterPhAnim="1">
+<p:notes xmlns:a="http://schemas.openxmlformats.org/drawingml/2006/main" xmlns:r="http://schemas.openxmlformats.org/officeDocument/2006/relationships" xmlns:p="http://schemas.openxmlformats.org/presentationml/2006/main">
   <p:cSld>
     <p:spTree>
       <p:nvGrpSpPr>
@@ -2346,7 +2154,9 @@
       <p:sp>
         <p:nvSpPr>
           <p:cNvPr id="60" name="Shape 60"/>
-          <p:cNvSpPr/>
+          <p:cNvSpPr>
+            <a:spLocks noGrp="1" noRot="1" noChangeAspect="1"/>
+          </p:cNvSpPr>
           <p:nvPr>
             <p:ph type="sldImg"/>
           </p:nvPr>
@@ -2360,14 +2170,16 @@
           <a:bodyPr/>
           <a:lstStyle/>
           <a:p>
-            <a:pPr/>
+            <a:endParaRPr/>
           </a:p>
         </p:txBody>
       </p:sp>
       <p:sp>
         <p:nvSpPr>
           <p:cNvPr id="61" name="Shape 61"/>
-          <p:cNvSpPr/>
+          <p:cNvSpPr>
+            <a:spLocks noGrp="1"/>
+          </p:cNvSpPr>
           <p:nvPr>
             <p:ph type="body" sz="quarter" idx="1"/>
           </p:nvPr>
@@ -2381,30 +2193,8 @@
           <a:bodyPr/>
           <a:lstStyle/>
           <a:p>
-            <a:pPr/>
-            <a:r>
-              <a:t>JDK를 다운 받기 위해, Oracle Technology </a:t>
-            </a:r>
-            <a:r>
-              <a:t>사이트에 가서 </a:t>
-            </a:r>
-            <a:r>
-              <a:t>JavaSE</a:t>
-            </a:r>
-            <a:r>
-              <a:t>의 최신 버전을 </a:t>
-            </a:r>
-            <a:r>
-              <a:t>click</a:t>
-            </a:r>
-            <a:r>
-              <a:t> 합니다</a:t>
-            </a:r>
-            <a:r>
-              <a:t>.</a:t>
-            </a:r>
-            <a:r>
-              <a:t> </a:t>
+            <a:r>
+              <a:t>JDK를 다운 받기 위해, Oracle Technology 사이트에 가서 JavaSE의 최신 버전을 click 합니다. </a:t>
             </a:r>
           </a:p>
         </p:txBody>
@@ -2418,7 +2208,7 @@
 </file>
 
 <file path=ppt/notesSlides/notesSlide4.xml><?xml version="1.0" encoding="utf-8"?>
-<p:notes xmlns:a="http://schemas.openxmlformats.org/drawingml/2006/main" xmlns:r="http://schemas.openxmlformats.org/officeDocument/2006/relationships" xmlns:p="http://schemas.openxmlformats.org/presentationml/2006/main" xmlns:m="http://schemas.openxmlformats.org/officeDocument/2006/math" xmlns:a14="http://schemas.microsoft.com/office/drawing/2010/main" showMasterSp="1" showMasterPhAnim="1">
+<p:notes xmlns:a="http://schemas.openxmlformats.org/drawingml/2006/main" xmlns:r="http://schemas.openxmlformats.org/officeDocument/2006/relationships" xmlns:p="http://schemas.openxmlformats.org/presentationml/2006/main">
   <p:cSld>
     <p:spTree>
       <p:nvGrpSpPr>
@@ -2437,7 +2227,9 @@
       <p:sp>
         <p:nvSpPr>
           <p:cNvPr id="66" name="Shape 66"/>
-          <p:cNvSpPr/>
+          <p:cNvSpPr>
+            <a:spLocks noGrp="1" noRot="1" noChangeAspect="1"/>
+          </p:cNvSpPr>
           <p:nvPr>
             <p:ph type="sldImg"/>
           </p:nvPr>
@@ -2451,14 +2243,16 @@
           <a:bodyPr/>
           <a:lstStyle/>
           <a:p>
-            <a:pPr/>
+            <a:endParaRPr/>
           </a:p>
         </p:txBody>
       </p:sp>
       <p:sp>
         <p:nvSpPr>
           <p:cNvPr id="67" name="Shape 67"/>
-          <p:cNvSpPr/>
+          <p:cNvSpPr>
+            <a:spLocks noGrp="1"/>
+          </p:cNvSpPr>
           <p:nvPr>
             <p:ph type="body" sz="quarter" idx="1"/>
           </p:nvPr>
@@ -2472,7 +2266,6 @@
           <a:bodyPr/>
           <a:lstStyle/>
           <a:p>
-            <a:pPr/>
             <a:r>
               <a:t>사용자의 OS가 Windows, macOS M Chips, macOS intel chips인지에 따라 적절한 JDK를 다운받아 설치합니다. </a:t>
             </a:r>
@@ -2488,7 +2281,7 @@
 </file>
 
 <file path=ppt/notesSlides/notesSlide5.xml><?xml version="1.0" encoding="utf-8"?>
-<p:notes xmlns:a="http://schemas.openxmlformats.org/drawingml/2006/main" xmlns:r="http://schemas.openxmlformats.org/officeDocument/2006/relationships" xmlns:p="http://schemas.openxmlformats.org/presentationml/2006/main" xmlns:m="http://schemas.openxmlformats.org/officeDocument/2006/math" xmlns:a14="http://schemas.microsoft.com/office/drawing/2010/main" showMasterSp="1" showMasterPhAnim="1">
+<p:notes xmlns:a="http://schemas.openxmlformats.org/drawingml/2006/main" xmlns:r="http://schemas.openxmlformats.org/officeDocument/2006/relationships" xmlns:p="http://schemas.openxmlformats.org/presentationml/2006/main">
   <p:cSld>
     <p:spTree>
       <p:nvGrpSpPr>
@@ -2507,7 +2300,9 @@
       <p:sp>
         <p:nvSpPr>
           <p:cNvPr id="73" name="Shape 73"/>
-          <p:cNvSpPr/>
+          <p:cNvSpPr>
+            <a:spLocks noGrp="1" noRot="1" noChangeAspect="1"/>
+          </p:cNvSpPr>
           <p:nvPr>
             <p:ph type="sldImg"/>
           </p:nvPr>
@@ -2521,14 +2316,16 @@
           <a:bodyPr/>
           <a:lstStyle/>
           <a:p>
-            <a:pPr/>
+            <a:endParaRPr/>
           </a:p>
         </p:txBody>
       </p:sp>
       <p:sp>
         <p:nvSpPr>
           <p:cNvPr id="74" name="Shape 74"/>
-          <p:cNvSpPr/>
+          <p:cNvSpPr>
+            <a:spLocks noGrp="1"/>
+          </p:cNvSpPr>
           <p:nvPr>
             <p:ph type="body" sz="quarter" idx="1"/>
           </p:nvPr>
@@ -2542,13 +2339,11 @@
           <a:bodyPr/>
           <a:lstStyle/>
           <a:p>
-            <a:pPr/>
             <a:r>
               <a:t>JDK가 제대로 설치되었는지 check하기 위해 console window를 띄우고 거기에서 java -version 이라는 명령어를 실행합니다. </a:t>
             </a:r>
           </a:p>
           <a:p>
-            <a:pPr/>
             <a:r>
               <a:t>Java version이 표시되면 JDK가 정확히 설치된 것입니다. </a:t>
             </a:r>
@@ -2564,7 +2359,7 @@
 </file>
 
 <file path=ppt/notesSlides/notesSlide6.xml><?xml version="1.0" encoding="utf-8"?>
-<p:notes xmlns:a="http://schemas.openxmlformats.org/drawingml/2006/main" xmlns:r="http://schemas.openxmlformats.org/officeDocument/2006/relationships" xmlns:p="http://schemas.openxmlformats.org/presentationml/2006/main" xmlns:m="http://schemas.openxmlformats.org/officeDocument/2006/math" xmlns:a14="http://schemas.microsoft.com/office/drawing/2010/main" showMasterSp="1" showMasterPhAnim="1">
+<p:notes xmlns:a="http://schemas.openxmlformats.org/drawingml/2006/main" xmlns:r="http://schemas.openxmlformats.org/officeDocument/2006/relationships" xmlns:p="http://schemas.openxmlformats.org/presentationml/2006/main">
   <p:cSld>
     <p:spTree>
       <p:nvGrpSpPr>
@@ -2583,7 +2378,9 @@
       <p:sp>
         <p:nvSpPr>
           <p:cNvPr id="81" name="Shape 81"/>
-          <p:cNvSpPr/>
+          <p:cNvSpPr>
+            <a:spLocks noGrp="1" noRot="1" noChangeAspect="1"/>
+          </p:cNvSpPr>
           <p:nvPr>
             <p:ph type="sldImg"/>
           </p:nvPr>
@@ -2597,14 +2394,16 @@
           <a:bodyPr/>
           <a:lstStyle/>
           <a:p>
-            <a:pPr/>
+            <a:endParaRPr/>
           </a:p>
         </p:txBody>
       </p:sp>
       <p:sp>
         <p:nvSpPr>
           <p:cNvPr id="82" name="Shape 82"/>
-          <p:cNvSpPr/>
+          <p:cNvSpPr>
+            <a:spLocks noGrp="1"/>
+          </p:cNvSpPr>
           <p:nvPr>
             <p:ph type="body" sz="quarter" idx="1"/>
           </p:nvPr>
@@ -2618,13 +2417,11 @@
           <a:bodyPr/>
           <a:lstStyle/>
           <a:p>
-            <a:pPr/>
             <a:r>
               <a:t>JDK에 포함된 API들의 documentation은 Oracle에서 online으로 제공하고 있습니다. </a:t>
             </a:r>
           </a:p>
           <a:p>
-            <a:pPr/>
             <a:r>
               <a:rPr u="sng">
                 <a:solidFill>
@@ -2635,7 +2432,7 @@
                     <a:srgbClr val="80878B"/>
                   </a:solidFill>
                 </a:uFill>
-                <a:hlinkClick r:id="rId3" invalidUrl="" action="" tgtFrame="" tooltip="" history="1" highlightClick="0" endSnd="0"/>
+                <a:hlinkClick r:id="rId3"/>
               </a:rPr>
               <a:t>docs.oracle.com/en/java/javase</a:t>
             </a:r>
@@ -2654,7 +2451,7 @@
 </file>
 
 <file path=ppt/notesSlides/notesSlide7.xml><?xml version="1.0" encoding="utf-8"?>
-<p:notes xmlns:a="http://schemas.openxmlformats.org/drawingml/2006/main" xmlns:r="http://schemas.openxmlformats.org/officeDocument/2006/relationships" xmlns:p="http://schemas.openxmlformats.org/presentationml/2006/main" xmlns:m="http://schemas.openxmlformats.org/officeDocument/2006/math" xmlns:a14="http://schemas.microsoft.com/office/drawing/2010/main" showMasterSp="1" showMasterPhAnim="1">
+<p:notes xmlns:a="http://schemas.openxmlformats.org/drawingml/2006/main" xmlns:r="http://schemas.openxmlformats.org/officeDocument/2006/relationships" xmlns:p="http://schemas.openxmlformats.org/presentationml/2006/main">
   <p:cSld>
     <p:spTree>
       <p:nvGrpSpPr>
@@ -2673,7 +2470,9 @@
       <p:sp>
         <p:nvSpPr>
           <p:cNvPr id="91" name="Shape 91"/>
-          <p:cNvSpPr/>
+          <p:cNvSpPr>
+            <a:spLocks noGrp="1" noRot="1" noChangeAspect="1"/>
+          </p:cNvSpPr>
           <p:nvPr>
             <p:ph type="sldImg"/>
           </p:nvPr>
@@ -2687,14 +2486,16 @@
           <a:bodyPr/>
           <a:lstStyle/>
           <a:p>
-            <a:pPr/>
+            <a:endParaRPr/>
           </a:p>
         </p:txBody>
       </p:sp>
       <p:sp>
         <p:nvSpPr>
           <p:cNvPr id="92" name="Shape 92"/>
-          <p:cNvSpPr/>
+          <p:cNvSpPr>
+            <a:spLocks noGrp="1"/>
+          </p:cNvSpPr>
           <p:nvPr>
             <p:ph type="body" sz="quarter" idx="1"/>
           </p:nvPr>
@@ -2708,7 +2509,6 @@
           <a:bodyPr/>
           <a:lstStyle/>
           <a:p>
-            <a:pPr/>
             <a:r>
               <a:t>왼쪽 메뉴 영역에서 API Documentation을 선택합니다. </a:t>
             </a:r>
@@ -2724,7 +2524,7 @@
 </file>
 
 <file path=ppt/notesSlides/notesSlide8.xml><?xml version="1.0" encoding="utf-8"?>
-<p:notes xmlns:a="http://schemas.openxmlformats.org/drawingml/2006/main" xmlns:r="http://schemas.openxmlformats.org/officeDocument/2006/relationships" xmlns:p="http://schemas.openxmlformats.org/presentationml/2006/main" xmlns:m="http://schemas.openxmlformats.org/officeDocument/2006/math" xmlns:a14="http://schemas.microsoft.com/office/drawing/2010/main" showMasterSp="1" showMasterPhAnim="1">
+<p:notes xmlns:a="http://schemas.openxmlformats.org/drawingml/2006/main" xmlns:r="http://schemas.openxmlformats.org/officeDocument/2006/relationships" xmlns:p="http://schemas.openxmlformats.org/presentationml/2006/main">
   <p:cSld>
     <p:spTree>
       <p:nvGrpSpPr>
@@ -2743,7 +2543,9 @@
       <p:sp>
         <p:nvSpPr>
           <p:cNvPr id="99" name="Shape 99"/>
-          <p:cNvSpPr/>
+          <p:cNvSpPr>
+            <a:spLocks noGrp="1" noRot="1" noChangeAspect="1"/>
+          </p:cNvSpPr>
           <p:nvPr>
             <p:ph type="sldImg"/>
           </p:nvPr>
@@ -2757,14 +2559,16 @@
           <a:bodyPr/>
           <a:lstStyle/>
           <a:p>
-            <a:pPr/>
+            <a:endParaRPr/>
           </a:p>
         </p:txBody>
       </p:sp>
       <p:sp>
         <p:nvSpPr>
           <p:cNvPr id="100" name="Shape 100"/>
-          <p:cNvSpPr/>
+          <p:cNvSpPr>
+            <a:spLocks noGrp="1"/>
+          </p:cNvSpPr>
           <p:nvPr>
             <p:ph type="body" sz="quarter" idx="1"/>
           </p:nvPr>
@@ -2778,13 +2582,11 @@
           <a:bodyPr/>
           <a:lstStyle/>
           <a:p>
-            <a:pPr/>
             <a:r>
               <a:t>API Documentation page에서 search 창에 원하는 class의 이름을 typing하여 search 합니다. </a:t>
             </a:r>
           </a:p>
           <a:p>
-            <a:pPr/>
             <a:r>
               <a:t>예를 들면 ‘System’ 이라는 class를 search 해 볼 수 있습니다. </a:t>
             </a:r>
@@ -2800,7 +2602,7 @@
 </file>
 
 <file path=ppt/notesSlides/notesSlide9.xml><?xml version="1.0" encoding="utf-8"?>
-<p:notes xmlns:a="http://schemas.openxmlformats.org/drawingml/2006/main" xmlns:r="http://schemas.openxmlformats.org/officeDocument/2006/relationships" xmlns:p="http://schemas.openxmlformats.org/presentationml/2006/main" xmlns:m="http://schemas.openxmlformats.org/officeDocument/2006/math" xmlns:a14="http://schemas.microsoft.com/office/drawing/2010/main" showMasterSp="1" showMasterPhAnim="1">
+<p:notes xmlns:a="http://schemas.openxmlformats.org/drawingml/2006/main" xmlns:r="http://schemas.openxmlformats.org/officeDocument/2006/relationships" xmlns:p="http://schemas.openxmlformats.org/presentationml/2006/main">
   <p:cSld>
     <p:spTree>
       <p:nvGrpSpPr>
@@ -2819,7 +2621,9 @@
       <p:sp>
         <p:nvSpPr>
           <p:cNvPr id="112" name="Shape 112"/>
-          <p:cNvSpPr/>
+          <p:cNvSpPr>
+            <a:spLocks noGrp="1" noRot="1" noChangeAspect="1"/>
+          </p:cNvSpPr>
           <p:nvPr>
             <p:ph type="sldImg"/>
           </p:nvPr>
@@ -2833,14 +2637,16 @@
           <a:bodyPr/>
           <a:lstStyle/>
           <a:p>
-            <a:pPr/>
+            <a:endParaRPr/>
           </a:p>
         </p:txBody>
       </p:sp>
       <p:sp>
         <p:nvSpPr>
           <p:cNvPr id="113" name="Shape 113"/>
-          <p:cNvSpPr/>
+          <p:cNvSpPr>
+            <a:spLocks noGrp="1"/>
+          </p:cNvSpPr>
           <p:nvPr>
             <p:ph type="body" sz="quarter" idx="1"/>
           </p:nvPr>
@@ -2854,25 +2660,21 @@
           <a:bodyPr/>
           <a:lstStyle/>
           <a:p>
-            <a:pPr/>
             <a:r>
               <a:t>‘System’ class에 대한 documentation이 표시됩니다. </a:t>
             </a:r>
           </a:p>
           <a:p>
-            <a:pPr/>
             <a:r>
               <a:t>Class 이름 위에는 class가 속한 package의 이름이 표시 됩니다. </a:t>
             </a:r>
           </a:p>
           <a:p>
-            <a:pPr/>
             <a:r>
               <a:t>예를 들면 System class는 java.lang package 안에 있습니다. </a:t>
             </a:r>
           </a:p>
           <a:p>
-            <a:pPr/>
             <a:r>
               <a:t>Fields에는 class에 속하는 instance variable이나 constant들에 대한 설명이 있습니다.</a:t>
             </a:r>
@@ -2888,7 +2690,7 @@
 </file>
 
 <file path=ppt/slideLayouts/slideLayout1.xml><?xml version="1.0" encoding="utf-8"?>
-<p:sldLayout xmlns:a="http://schemas.openxmlformats.org/drawingml/2006/main" xmlns:r="http://schemas.openxmlformats.org/officeDocument/2006/relationships" xmlns:p="http://schemas.openxmlformats.org/presentationml/2006/main" xmlns:m="http://schemas.openxmlformats.org/officeDocument/2006/math" xmlns:a14="http://schemas.microsoft.com/office/drawing/2010/main" type="title" showMasterSp="1" showMasterPhAnim="1">
+<p:sldLayout xmlns:a="http://schemas.openxmlformats.org/drawingml/2006/main" xmlns:r="http://schemas.openxmlformats.org/officeDocument/2006/relationships" xmlns:p="http://schemas.openxmlformats.org/presentationml/2006/main" type="title">
   <p:cSld name="제목 슬라이드">
     <p:spTree>
       <p:nvGrpSpPr>
@@ -2907,7 +2709,9 @@
       <p:sp>
         <p:nvSpPr>
           <p:cNvPr id="11" name="제목 텍스트"/>
-          <p:cNvSpPr txBox="1"/>
+          <p:cNvSpPr txBox="1">
+            <a:spLocks noGrp="1"/>
+          </p:cNvSpPr>
           <p:nvPr>
             <p:ph type="title"/>
           </p:nvPr>
@@ -2933,7 +2737,6 @@
             </a:lvl1pPr>
           </a:lstStyle>
           <a:p>
-            <a:pPr/>
             <a:r>
               <a:t>제목 텍스트</a:t>
             </a:r>
@@ -2943,7 +2746,9 @@
       <p:sp>
         <p:nvSpPr>
           <p:cNvPr id="12" name="본문 첫 번째 줄…"/>
-          <p:cNvSpPr txBox="1"/>
+          <p:cNvSpPr txBox="1">
+            <a:spLocks noGrp="1"/>
+          </p:cNvSpPr>
           <p:nvPr>
             <p:ph type="body" sz="quarter" idx="1"/>
           </p:nvPr>
@@ -3027,7 +2832,6 @@
             </a:lvl5pPr>
           </a:lstStyle>
           <a:p>
-            <a:pPr/>
             <a:r>
               <a:t>본문 첫 번째 줄</a:t>
             </a:r>
@@ -3061,7 +2865,9 @@
       <p:sp>
         <p:nvSpPr>
           <p:cNvPr id="13" name="슬라이드 번호"/>
-          <p:cNvSpPr txBox="1"/>
+          <p:cNvSpPr txBox="1">
+            <a:spLocks noGrp="1"/>
+          </p:cNvSpPr>
           <p:nvPr>
             <p:ph type="sldNum" sz="quarter" idx="2"/>
           </p:nvPr>
@@ -3075,8 +2881,10 @@
           <a:bodyPr/>
           <a:lstStyle/>
           <a:p>
-            <a:pPr/>
-            <a:fld id="{86CB4B4D-7CA3-9044-876B-883B54F8677D}" type="slidenum"/>
+            <a:fld id="{86CB4B4D-7CA3-9044-876B-883B54F8677D}" type="slidenum">
+              <a:t>‹#›</a:t>
+            </a:fld>
+            <a:endParaRPr/>
           </a:p>
         </p:txBody>
       </p:sp>
@@ -3085,12 +2893,12 @@
   <p:clrMapOvr>
     <a:masterClrMapping/>
   </p:clrMapOvr>
-  <p:transition xmlns:p14="http://schemas.microsoft.com/office/powerpoint/2010/main" spd="med" advClick="1"/>
+  <p:transition spd="med"/>
 </p:sldLayout>
 </file>
 
 <file path=ppt/slideLayouts/slideLayout2.xml><?xml version="1.0" encoding="utf-8"?>
-<p:sldLayout xmlns:a="http://schemas.openxmlformats.org/drawingml/2006/main" xmlns:r="http://schemas.openxmlformats.org/officeDocument/2006/relationships" xmlns:p="http://schemas.openxmlformats.org/presentationml/2006/main" xmlns:m="http://schemas.openxmlformats.org/officeDocument/2006/math" xmlns:a14="http://schemas.microsoft.com/office/drawing/2010/main" type="tx" showMasterSp="1" showMasterPhAnim="1">
+<p:sldLayout xmlns:a="http://schemas.openxmlformats.org/drawingml/2006/main" xmlns:r="http://schemas.openxmlformats.org/officeDocument/2006/relationships" xmlns:p="http://schemas.openxmlformats.org/presentationml/2006/main" type="tx">
   <p:cSld name="빈 화면">
     <p:spTree>
       <p:nvGrpSpPr>
@@ -3109,7 +2917,9 @@
       <p:sp>
         <p:nvSpPr>
           <p:cNvPr id="20" name="슬라이드 번호"/>
-          <p:cNvSpPr txBox="1"/>
+          <p:cNvSpPr txBox="1">
+            <a:spLocks noGrp="1"/>
+          </p:cNvSpPr>
           <p:nvPr>
             <p:ph type="sldNum" sz="quarter" idx="2"/>
           </p:nvPr>
@@ -3123,8 +2933,10 @@
           <a:bodyPr/>
           <a:lstStyle/>
           <a:p>
-            <a:pPr/>
-            <a:fld id="{86CB4B4D-7CA3-9044-876B-883B54F8677D}" type="slidenum"/>
+            <a:fld id="{86CB4B4D-7CA3-9044-876B-883B54F8677D}" type="slidenum">
+              <a:t>‹#›</a:t>
+            </a:fld>
+            <a:endParaRPr/>
           </a:p>
         </p:txBody>
       </p:sp>
@@ -3133,12 +2945,12 @@
   <p:clrMapOvr>
     <a:masterClrMapping/>
   </p:clrMapOvr>
-  <p:transition xmlns:p14="http://schemas.microsoft.com/office/powerpoint/2010/main" spd="med" advClick="1"/>
+  <p:transition spd="med"/>
 </p:sldLayout>
 </file>
 
 <file path=ppt/slideLayouts/slideLayout3.xml><?xml version="1.0" encoding="utf-8"?>
-<p:sldLayout xmlns:a="http://schemas.openxmlformats.org/drawingml/2006/main" xmlns:r="http://schemas.openxmlformats.org/officeDocument/2006/relationships" xmlns:p="http://schemas.openxmlformats.org/presentationml/2006/main" xmlns:m="http://schemas.openxmlformats.org/officeDocument/2006/math" xmlns:a14="http://schemas.microsoft.com/office/drawing/2010/main" type="tx" showMasterSp="1" showMasterPhAnim="1">
+<p:sldLayout xmlns:a="http://schemas.openxmlformats.org/drawingml/2006/main" xmlns:r="http://schemas.openxmlformats.org/officeDocument/2006/relationships" xmlns:p="http://schemas.openxmlformats.org/presentationml/2006/main" type="tx">
   <p:cSld name="제목 및 내용">
     <p:spTree>
       <p:nvGrpSpPr>
@@ -3157,7 +2969,9 @@
       <p:sp>
         <p:nvSpPr>
           <p:cNvPr id="27" name="제목 텍스트"/>
-          <p:cNvSpPr txBox="1"/>
+          <p:cNvSpPr txBox="1">
+            <a:spLocks noGrp="1"/>
+          </p:cNvSpPr>
           <p:nvPr>
             <p:ph type="title"/>
           </p:nvPr>
@@ -3171,7 +2985,6 @@
           <a:bodyPr/>
           <a:lstStyle/>
           <a:p>
-            <a:pPr/>
             <a:r>
               <a:t>제목 텍스트</a:t>
             </a:r>
@@ -3181,7 +2994,9 @@
       <p:sp>
         <p:nvSpPr>
           <p:cNvPr id="28" name="본문 첫 번째 줄…"/>
-          <p:cNvSpPr txBox="1"/>
+          <p:cNvSpPr txBox="1">
+            <a:spLocks noGrp="1"/>
+          </p:cNvSpPr>
           <p:nvPr>
             <p:ph type="body" idx="1"/>
           </p:nvPr>
@@ -3195,7 +3010,6 @@
           <a:bodyPr/>
           <a:lstStyle/>
           <a:p>
-            <a:pPr/>
             <a:r>
               <a:t>본문 첫 번째 줄</a:t>
             </a:r>
@@ -3229,7 +3043,9 @@
       <p:sp>
         <p:nvSpPr>
           <p:cNvPr id="29" name="슬라이드 번호"/>
-          <p:cNvSpPr txBox="1"/>
+          <p:cNvSpPr txBox="1">
+            <a:spLocks noGrp="1"/>
+          </p:cNvSpPr>
           <p:nvPr>
             <p:ph type="sldNum" sz="quarter" idx="2"/>
           </p:nvPr>
@@ -3243,8 +3059,10 @@
           <a:bodyPr/>
           <a:lstStyle/>
           <a:p>
-            <a:pPr/>
-            <a:fld id="{86CB4B4D-7CA3-9044-876B-883B54F8677D}" type="slidenum"/>
+            <a:fld id="{86CB4B4D-7CA3-9044-876B-883B54F8677D}" type="slidenum">
+              <a:t>‹#›</a:t>
+            </a:fld>
+            <a:endParaRPr/>
           </a:p>
         </p:txBody>
       </p:sp>
@@ -3253,18 +3071,19 @@
   <p:clrMapOvr>
     <a:masterClrMapping/>
   </p:clrMapOvr>
-  <p:transition xmlns:p14="http://schemas.microsoft.com/office/powerpoint/2010/main" spd="med" advClick="1"/>
+  <p:transition spd="med"/>
 </p:sldLayout>
 </file>
 
 <file path=ppt/slideMasters/slideMaster1.xml><?xml version="1.0" encoding="utf-8"?>
-<p:sldMaster xmlns:a="http://schemas.openxmlformats.org/drawingml/2006/main" xmlns:r="http://schemas.openxmlformats.org/officeDocument/2006/relationships" xmlns:p="http://schemas.openxmlformats.org/presentationml/2006/main" xmlns:m="http://schemas.openxmlformats.org/officeDocument/2006/math" xmlns:a14="http://schemas.microsoft.com/office/drawing/2010/main">
+<p:sldMaster xmlns:a="http://schemas.openxmlformats.org/drawingml/2006/main" xmlns:r="http://schemas.openxmlformats.org/officeDocument/2006/relationships" xmlns:p="http://schemas.openxmlformats.org/presentationml/2006/main">
   <p:cSld>
     <p:bg>
       <p:bgPr>
         <a:solidFill>
           <a:srgbClr val="FFFFFF"/>
         </a:solidFill>
+        <a:effectLst/>
       </p:bgPr>
     </p:bg>
     <p:spTree>
@@ -3284,7 +3103,9 @@
       <p:sp>
         <p:nvSpPr>
           <p:cNvPr id="2" name="제목 텍스트"/>
-          <p:cNvSpPr txBox="1"/>
+          <p:cNvSpPr txBox="1">
+            <a:spLocks noGrp="1"/>
+          </p:cNvSpPr>
           <p:nvPr>
             <p:ph type="title"/>
           </p:nvPr>
@@ -3302,17 +3123,16 @@
           </a:ln>
           <a:extLst>
             <a:ext uri="{C572A759-6A51-4108-AA02-DFA0A04FC94B}">
-              <ma14:wrappingTextBoxFlag xmlns:ma14="http://schemas.microsoft.com/office/mac/drawingml/2011/main" val="1"/>
+              <ma14:wrappingTextBoxFlag xmlns:ma14="http://schemas.microsoft.com/office/mac/drawingml/2011/main" xmlns:a14="http://schemas.microsoft.com/office/drawing/2010/main" xmlns:m="http://schemas.openxmlformats.org/officeDocument/2006/math" xmlns="" val="1"/>
             </a:ext>
           </a:extLst>
         </p:spPr>
         <p:txBody>
           <a:bodyPr lIns="45718" tIns="45718" rIns="45718" bIns="45718" anchor="ctr">
-            <a:normAutofit fontScale="100000" lnSpcReduction="0"/>
+            <a:normAutofit/>
           </a:bodyPr>
           <a:lstStyle/>
           <a:p>
-            <a:pPr/>
             <a:r>
               <a:t>제목 텍스트</a:t>
             </a:r>
@@ -3322,7 +3142,9 @@
       <p:sp>
         <p:nvSpPr>
           <p:cNvPr id="3" name="본문 첫 번째 줄…"/>
-          <p:cNvSpPr txBox="1"/>
+          <p:cNvSpPr txBox="1">
+            <a:spLocks noGrp="1"/>
+          </p:cNvSpPr>
           <p:nvPr>
             <p:ph type="body" idx="1"/>
           </p:nvPr>
@@ -3340,17 +3162,16 @@
           </a:ln>
           <a:extLst>
             <a:ext uri="{C572A759-6A51-4108-AA02-DFA0A04FC94B}">
-              <ma14:wrappingTextBoxFlag xmlns:ma14="http://schemas.microsoft.com/office/mac/drawingml/2011/main" val="1"/>
+              <ma14:wrappingTextBoxFlag xmlns:ma14="http://schemas.microsoft.com/office/mac/drawingml/2011/main" xmlns:a14="http://schemas.microsoft.com/office/drawing/2010/main" xmlns:m="http://schemas.openxmlformats.org/officeDocument/2006/math" xmlns="" val="1"/>
             </a:ext>
           </a:extLst>
         </p:spPr>
         <p:txBody>
           <a:bodyPr lIns="45718" tIns="45718" rIns="45718" bIns="45718">
-            <a:normAutofit fontScale="100000" lnSpcReduction="0"/>
+            <a:normAutofit/>
           </a:bodyPr>
           <a:lstStyle/>
           <a:p>
-            <a:pPr/>
             <a:r>
               <a:t>본문 첫 번째 줄</a:t>
             </a:r>
@@ -3384,7 +3205,9 @@
       <p:sp>
         <p:nvSpPr>
           <p:cNvPr id="4" name="슬라이드 번호"/>
-          <p:cNvSpPr txBox="1"/>
+          <p:cNvSpPr txBox="1">
+            <a:spLocks noGrp="1"/>
+          </p:cNvSpPr>
           <p:nvPr>
             <p:ph type="sldNum" sz="quarter" idx="2"/>
           </p:nvPr>
@@ -3419,8 +3242,10 @@
             </a:lvl1pPr>
           </a:lstStyle>
           <a:p>
-            <a:pPr/>
-            <a:fld id="{86CB4B4D-7CA3-9044-876B-883B54F8677D}" type="slidenum"/>
+            <a:fld id="{86CB4B4D-7CA3-9044-876B-883B54F8677D}" type="slidenum">
+              <a:t>‹#›</a:t>
+            </a:fld>
+            <a:endParaRPr/>
           </a:p>
         </p:txBody>
       </p:sp>
@@ -3428,11 +3253,11 @@
   </p:cSld>
   <p:clrMap bg1="lt1" tx1="dk1" bg2="lt2" tx2="dk2" accent1="accent1" accent2="accent2" accent3="accent3" accent4="accent4" accent5="accent5" accent6="accent6" hlink="hlink" folHlink="folHlink"/>
   <p:sldLayoutIdLst>
-    <p:sldLayoutId id="2147483649" r:id="rId2"/>
-    <p:sldLayoutId id="2147483650" r:id="rId3"/>
-    <p:sldLayoutId id="2147483651" r:id="rId4"/>
+    <p:sldLayoutId id="2147483649" r:id="rId1"/>
+    <p:sldLayoutId id="2147483650" r:id="rId2"/>
+    <p:sldLayoutId id="2147483651" r:id="rId3"/>
   </p:sldLayoutIdLst>
-  <p:transition xmlns:p14="http://schemas.microsoft.com/office/powerpoint/2010/main" spd="med" advClick="1"/>
+  <p:transition spd="med"/>
   <p:txStyles>
     <p:titleStyle>
       <a:lvl1pPr marL="0" marR="0" indent="0" algn="l" defTabSz="914400" rtl="0" latinLnBrk="0">
@@ -3450,7 +3275,7 @@
         <a:buFontTx/>
         <a:buNone/>
         <a:tabLst/>
-        <a:defRPr b="1" baseline="0" cap="none" i="0" spc="0" strike="noStrike" sz="3600" u="none">
+        <a:defRPr sz="3600" b="1" i="0" u="none" strike="noStrike" cap="none" spc="0" baseline="0">
           <a:solidFill>
             <a:srgbClr val="484848"/>
           </a:solidFill>
@@ -3476,7 +3301,7 @@
         <a:buFontTx/>
         <a:buNone/>
         <a:tabLst/>
-        <a:defRPr b="1" baseline="0" cap="none" i="0" spc="0" strike="noStrike" sz="3600" u="none">
+        <a:defRPr sz="3600" b="1" i="0" u="none" strike="noStrike" cap="none" spc="0" baseline="0">
           <a:solidFill>
             <a:srgbClr val="484848"/>
           </a:solidFill>
@@ -3502,7 +3327,7 @@
         <a:buFontTx/>
         <a:buNone/>
         <a:tabLst/>
-        <a:defRPr b="1" baseline="0" cap="none" i="0" spc="0" strike="noStrike" sz="3600" u="none">
+        <a:defRPr sz="3600" b="1" i="0" u="none" strike="noStrike" cap="none" spc="0" baseline="0">
           <a:solidFill>
             <a:srgbClr val="484848"/>
           </a:solidFill>
@@ -3528,7 +3353,7 @@
         <a:buFontTx/>
         <a:buNone/>
         <a:tabLst/>
-        <a:defRPr b="1" baseline="0" cap="none" i="0" spc="0" strike="noStrike" sz="3600" u="none">
+        <a:defRPr sz="3600" b="1" i="0" u="none" strike="noStrike" cap="none" spc="0" baseline="0">
           <a:solidFill>
             <a:srgbClr val="484848"/>
           </a:solidFill>
@@ -3554,7 +3379,7 @@
         <a:buFontTx/>
         <a:buNone/>
         <a:tabLst/>
-        <a:defRPr b="1" baseline="0" cap="none" i="0" spc="0" strike="noStrike" sz="3600" u="none">
+        <a:defRPr sz="3600" b="1" i="0" u="none" strike="noStrike" cap="none" spc="0" baseline="0">
           <a:solidFill>
             <a:srgbClr val="484848"/>
           </a:solidFill>
@@ -3580,7 +3405,7 @@
         <a:buFontTx/>
         <a:buNone/>
         <a:tabLst/>
-        <a:defRPr b="1" baseline="0" cap="none" i="0" spc="0" strike="noStrike" sz="3600" u="none">
+        <a:defRPr sz="3600" b="1" i="0" u="none" strike="noStrike" cap="none" spc="0" baseline="0">
           <a:solidFill>
             <a:srgbClr val="484848"/>
           </a:solidFill>
@@ -3606,7 +3431,7 @@
         <a:buFontTx/>
         <a:buNone/>
         <a:tabLst/>
-        <a:defRPr b="1" baseline="0" cap="none" i="0" spc="0" strike="noStrike" sz="3600" u="none">
+        <a:defRPr sz="3600" b="1" i="0" u="none" strike="noStrike" cap="none" spc="0" baseline="0">
           <a:solidFill>
             <a:srgbClr val="484848"/>
           </a:solidFill>
@@ -3632,7 +3457,7 @@
         <a:buFontTx/>
         <a:buNone/>
         <a:tabLst/>
-        <a:defRPr b="1" baseline="0" cap="none" i="0" spc="0" strike="noStrike" sz="3600" u="none">
+        <a:defRPr sz="3600" b="1" i="0" u="none" strike="noStrike" cap="none" spc="0" baseline="0">
           <a:solidFill>
             <a:srgbClr val="484848"/>
           </a:solidFill>
@@ -3658,7 +3483,7 @@
         <a:buFontTx/>
         <a:buNone/>
         <a:tabLst/>
-        <a:defRPr b="1" baseline="0" cap="none" i="0" spc="0" strike="noStrike" sz="3600" u="none">
+        <a:defRPr sz="3600" b="1" i="0" u="none" strike="noStrike" cap="none" spc="0" baseline="0">
           <a:solidFill>
             <a:srgbClr val="484848"/>
           </a:solidFill>
@@ -3686,7 +3511,7 @@
         <a:buFont typeface="Arial"/>
         <a:buChar char="•"/>
         <a:tabLst/>
-        <a:defRPr b="0" baseline="0" cap="none" i="0" spc="0" strike="noStrike" sz="2400" u="none">
+        <a:defRPr sz="2400" b="0" i="0" u="none" strike="noStrike" cap="none" spc="0" baseline="0">
           <a:solidFill>
             <a:srgbClr val="464646"/>
           </a:solidFill>
@@ -3712,7 +3537,7 @@
         <a:buFont typeface="Arial"/>
         <a:buChar char="◦"/>
         <a:tabLst/>
-        <a:defRPr b="0" baseline="0" cap="none" i="0" spc="0" strike="noStrike" sz="2400" u="none">
+        <a:defRPr sz="2400" b="0" i="0" u="none" strike="noStrike" cap="none" spc="0" baseline="0">
           <a:solidFill>
             <a:srgbClr val="464646"/>
           </a:solidFill>
@@ -3738,7 +3563,7 @@
         <a:buFont typeface="Arial"/>
         <a:buChar char="▪"/>
         <a:tabLst/>
-        <a:defRPr b="0" baseline="0" cap="none" i="0" spc="0" strike="noStrike" sz="2400" u="none">
+        <a:defRPr sz="2400" b="0" i="0" u="none" strike="noStrike" cap="none" spc="0" baseline="0">
           <a:solidFill>
             <a:srgbClr val="464646"/>
           </a:solidFill>
@@ -3764,7 +3589,7 @@
         <a:buFont typeface="Arial"/>
         <a:buChar char="–"/>
         <a:tabLst/>
-        <a:defRPr b="0" baseline="0" cap="none" i="0" spc="0" strike="noStrike" sz="2400" u="none">
+        <a:defRPr sz="2400" b="0" i="0" u="none" strike="noStrike" cap="none" spc="0" baseline="0">
           <a:solidFill>
             <a:srgbClr val="464646"/>
           </a:solidFill>
@@ -3790,7 +3615,7 @@
         <a:buFont typeface="Arial"/>
         <a:buChar char="»"/>
         <a:tabLst/>
-        <a:defRPr b="0" baseline="0" cap="none" i="0" spc="0" strike="noStrike" sz="2400" u="none">
+        <a:defRPr sz="2400" b="0" i="0" u="none" strike="noStrike" cap="none" spc="0" baseline="0">
           <a:solidFill>
             <a:srgbClr val="464646"/>
           </a:solidFill>
@@ -3816,7 +3641,7 @@
         <a:buFont typeface="Arial"/>
         <a:buChar char="•"/>
         <a:tabLst/>
-        <a:defRPr b="0" baseline="0" cap="none" i="0" spc="0" strike="noStrike" sz="2400" u="none">
+        <a:defRPr sz="2400" b="0" i="0" u="none" strike="noStrike" cap="none" spc="0" baseline="0">
           <a:solidFill>
             <a:srgbClr val="464646"/>
           </a:solidFill>
@@ -3842,7 +3667,7 @@
         <a:buFont typeface="Arial"/>
         <a:buChar char="•"/>
         <a:tabLst/>
-        <a:defRPr b="0" baseline="0" cap="none" i="0" spc="0" strike="noStrike" sz="2400" u="none">
+        <a:defRPr sz="2400" b="0" i="0" u="none" strike="noStrike" cap="none" spc="0" baseline="0">
           <a:solidFill>
             <a:srgbClr val="464646"/>
           </a:solidFill>
@@ -3868,7 +3693,7 @@
         <a:buFont typeface="Arial"/>
         <a:buChar char="•"/>
         <a:tabLst/>
-        <a:defRPr b="0" baseline="0" cap="none" i="0" spc="0" strike="noStrike" sz="2400" u="none">
+        <a:defRPr sz="2400" b="0" i="0" u="none" strike="noStrike" cap="none" spc="0" baseline="0">
           <a:solidFill>
             <a:srgbClr val="464646"/>
           </a:solidFill>
@@ -3894,7 +3719,7 @@
         <a:buFont typeface="Arial"/>
         <a:buChar char="•"/>
         <a:tabLst/>
-        <a:defRPr b="0" baseline="0" cap="none" i="0" spc="0" strike="noStrike" sz="2400" u="none">
+        <a:defRPr sz="2400" b="0" i="0" u="none" strike="noStrike" cap="none" spc="0" baseline="0">
           <a:solidFill>
             <a:srgbClr val="464646"/>
           </a:solidFill>
@@ -3922,7 +3747,7 @@
         <a:buFontTx/>
         <a:buNone/>
         <a:tabLst/>
-        <a:defRPr b="0" baseline="0" cap="none" i="0" spc="0" strike="noStrike" sz="1200" u="none">
+        <a:defRPr sz="1200" b="0" i="0" u="none" strike="noStrike" cap="none" spc="0" baseline="0">
           <a:solidFill>
             <a:schemeClr val="tx1"/>
           </a:solidFill>
@@ -3948,7 +3773,7 @@
         <a:buFontTx/>
         <a:buNone/>
         <a:tabLst/>
-        <a:defRPr b="0" baseline="0" cap="none" i="0" spc="0" strike="noStrike" sz="1200" u="none">
+        <a:defRPr sz="1200" b="0" i="0" u="none" strike="noStrike" cap="none" spc="0" baseline="0">
           <a:solidFill>
             <a:schemeClr val="tx1"/>
           </a:solidFill>
@@ -3974,7 +3799,7 @@
         <a:buFontTx/>
         <a:buNone/>
         <a:tabLst/>
-        <a:defRPr b="0" baseline="0" cap="none" i="0" spc="0" strike="noStrike" sz="1200" u="none">
+        <a:defRPr sz="1200" b="0" i="0" u="none" strike="noStrike" cap="none" spc="0" baseline="0">
           <a:solidFill>
             <a:schemeClr val="tx1"/>
           </a:solidFill>
@@ -4000,7 +3825,7 @@
         <a:buFontTx/>
         <a:buNone/>
         <a:tabLst/>
-        <a:defRPr b="0" baseline="0" cap="none" i="0" spc="0" strike="noStrike" sz="1200" u="none">
+        <a:defRPr sz="1200" b="0" i="0" u="none" strike="noStrike" cap="none" spc="0" baseline="0">
           <a:solidFill>
             <a:schemeClr val="tx1"/>
           </a:solidFill>
@@ -4026,7 +3851,7 @@
         <a:buFontTx/>
         <a:buNone/>
         <a:tabLst/>
-        <a:defRPr b="0" baseline="0" cap="none" i="0" spc="0" strike="noStrike" sz="1200" u="none">
+        <a:defRPr sz="1200" b="0" i="0" u="none" strike="noStrike" cap="none" spc="0" baseline="0">
           <a:solidFill>
             <a:schemeClr val="tx1"/>
           </a:solidFill>
@@ -4052,7 +3877,7 @@
         <a:buFontTx/>
         <a:buNone/>
         <a:tabLst/>
-        <a:defRPr b="0" baseline="0" cap="none" i="0" spc="0" strike="noStrike" sz="1200" u="none">
+        <a:defRPr sz="1200" b="0" i="0" u="none" strike="noStrike" cap="none" spc="0" baseline="0">
           <a:solidFill>
             <a:schemeClr val="tx1"/>
           </a:solidFill>
@@ -4078,7 +3903,7 @@
         <a:buFontTx/>
         <a:buNone/>
         <a:tabLst/>
-        <a:defRPr b="0" baseline="0" cap="none" i="0" spc="0" strike="noStrike" sz="1200" u="none">
+        <a:defRPr sz="1200" b="0" i="0" u="none" strike="noStrike" cap="none" spc="0" baseline="0">
           <a:solidFill>
             <a:schemeClr val="tx1"/>
           </a:solidFill>
@@ -4104,7 +3929,7 @@
         <a:buFontTx/>
         <a:buNone/>
         <a:tabLst/>
-        <a:defRPr b="0" baseline="0" cap="none" i="0" spc="0" strike="noStrike" sz="1200" u="none">
+        <a:defRPr sz="1200" b="0" i="0" u="none" strike="noStrike" cap="none" spc="0" baseline="0">
           <a:solidFill>
             <a:schemeClr val="tx1"/>
           </a:solidFill>
@@ -4130,7 +3955,7 @@
         <a:buFontTx/>
         <a:buNone/>
         <a:tabLst/>
-        <a:defRPr b="0" baseline="0" cap="none" i="0" spc="0" strike="noStrike" sz="1200" u="none">
+        <a:defRPr sz="1200" b="0" i="0" u="none" strike="noStrike" cap="none" spc="0" baseline="0">
           <a:solidFill>
             <a:schemeClr val="tx1"/>
           </a:solidFill>
@@ -4147,7 +3972,7 @@
 </file>
 
 <file path=ppt/slides/slide1.xml><?xml version="1.0" encoding="utf-8"?>
-<p:sld xmlns:a="http://schemas.openxmlformats.org/drawingml/2006/main" xmlns:r="http://schemas.openxmlformats.org/officeDocument/2006/relationships" xmlns:p="http://schemas.openxmlformats.org/presentationml/2006/main" xmlns:m="http://schemas.openxmlformats.org/officeDocument/2006/math" xmlns:a14="http://schemas.microsoft.com/office/drawing/2010/main" showMasterSp="1" showMasterPhAnim="1">
+<p:sld xmlns:a="http://schemas.openxmlformats.org/drawingml/2006/main" xmlns:r="http://schemas.openxmlformats.org/officeDocument/2006/relationships" xmlns:p="http://schemas.openxmlformats.org/presentationml/2006/main">
   <p:cSld>
     <p:spTree>
       <p:nvGrpSpPr>
@@ -4166,7 +3991,9 @@
       <p:sp>
         <p:nvSpPr>
           <p:cNvPr id="38" name="Rectangle 6"/>
-          <p:cNvSpPr txBox="1"/>
+          <p:cNvSpPr txBox="1">
+            <a:spLocks noGrp="1"/>
+          </p:cNvSpPr>
           <p:nvPr>
             <p:ph type="ctrTitle"/>
           </p:nvPr>
@@ -4184,7 +4011,6 @@
           <a:bodyPr/>
           <a:lstStyle/>
           <a:p>
-            <a:pPr/>
             <a:r>
               <a:t>01_3 Environment Setup</a:t>
             </a:r>
@@ -4194,7 +4020,9 @@
       <p:sp>
         <p:nvSpPr>
           <p:cNvPr id="39" name="Subtitle 3"/>
-          <p:cNvSpPr txBox="1"/>
+          <p:cNvSpPr txBox="1">
+            <a:spLocks noGrp="1"/>
+          </p:cNvSpPr>
           <p:nvPr>
             <p:ph type="subTitle" sz="quarter" idx="1"/>
           </p:nvPr>
@@ -4212,7 +4040,6 @@
           <a:bodyPr/>
           <a:lstStyle/>
           <a:p>
-            <a:pPr/>
             <a:r>
               <a:t>Object-Oriented Programming</a:t>
             </a:r>
@@ -4224,12 +4051,12 @@
   <p:clrMapOvr>
     <a:masterClrMapping/>
   </p:clrMapOvr>
-  <p:transition xmlns:p14="http://schemas.microsoft.com/office/powerpoint/2010/main" spd="med" advClick="1"/>
+  <p:transition spd="med"/>
 </p:sld>
 </file>
 
 <file path=ppt/slides/slide10.xml><?xml version="1.0" encoding="utf-8"?>
-<p:sld xmlns:a="http://schemas.openxmlformats.org/drawingml/2006/main" xmlns:r="http://schemas.openxmlformats.org/officeDocument/2006/relationships" xmlns:p="http://schemas.openxmlformats.org/presentationml/2006/main" xmlns:m="http://schemas.openxmlformats.org/officeDocument/2006/math" xmlns:a14="http://schemas.microsoft.com/office/drawing/2010/main" showMasterSp="1" showMasterPhAnim="1">
+<p:sld xmlns:a="http://schemas.openxmlformats.org/drawingml/2006/main" xmlns:r="http://schemas.openxmlformats.org/officeDocument/2006/relationships" xmlns:p="http://schemas.openxmlformats.org/presentationml/2006/main">
   <p:cSld>
     <p:spTree>
       <p:nvGrpSpPr>
@@ -4248,7 +4075,9 @@
       <p:sp>
         <p:nvSpPr>
           <p:cNvPr id="115" name="제목 1"/>
-          <p:cNvSpPr txBox="1"/>
+          <p:cNvSpPr txBox="1">
+            <a:spLocks noGrp="1"/>
+          </p:cNvSpPr>
           <p:nvPr>
             <p:ph type="title"/>
           </p:nvPr>
@@ -4266,7 +4095,6 @@
           <a:bodyPr/>
           <a:lstStyle/>
           <a:p>
-            <a:pPr/>
             <a:r>
               <a:t>API Documentation (3/3)</a:t>
             </a:r>
@@ -4282,9 +4110,7 @@
           <p:nvPr/>
         </p:nvPicPr>
         <p:blipFill>
-          <a:blip r:embed="rId3">
-            <a:extLst/>
-          </a:blip>
+          <a:blip r:embed="rId3"/>
           <a:stretch>
             <a:fillRect/>
           </a:stretch>
@@ -4304,7 +4130,7 @@
             <a:miter lim="400000"/>
           </a:ln>
           <a:effectLst>
-            <a:outerShdw sx="100000" sy="100000" kx="0" ky="0" algn="b" rotWithShape="0" blurRad="292100" dist="139700" dir="2700000">
+            <a:outerShdw blurRad="292100" dist="139700" dir="2700000" rotWithShape="0">
               <a:srgbClr val="333333">
                 <a:alpha val="64999"/>
               </a:srgbClr>
@@ -4315,7 +4141,9 @@
       <p:sp>
         <p:nvSpPr>
           <p:cNvPr id="117" name="슬라이드 번호 개체 틀 4"/>
-          <p:cNvSpPr txBox="1"/>
+          <p:cNvSpPr txBox="1">
+            <a:spLocks noGrp="1"/>
+          </p:cNvSpPr>
           <p:nvPr>
             <p:ph type="sldNum" sz="quarter" idx="2"/>
           </p:nvPr>
@@ -4330,7 +4158,7 @@
           </a:prstGeom>
           <a:extLst>
             <a:ext uri="{C572A759-6A51-4108-AA02-DFA0A04FC94B}">
-              <ma14:wrappingTextBoxFlag xmlns:ma14="http://schemas.microsoft.com/office/mac/drawingml/2011/main" val="1"/>
+              <ma14:wrappingTextBoxFlag xmlns:ma14="http://schemas.microsoft.com/office/mac/drawingml/2011/main" xmlns:a14="http://schemas.microsoft.com/office/drawing/2010/main" xmlns:m="http://schemas.openxmlformats.org/officeDocument/2006/math" xmlns="" val="1"/>
             </a:ext>
           </a:extLst>
         </p:spPr>
@@ -4338,8 +4166,10 @@
           <a:bodyPr/>
           <a:lstStyle/>
           <a:p>
-            <a:pPr/>
-            <a:fld id="{86CB4B4D-7CA3-9044-876B-883B54F8677D}" type="slidenum"/>
+            <a:fld id="{86CB4B4D-7CA3-9044-876B-883B54F8677D}" type="slidenum">
+              <a:t>10</a:t>
+            </a:fld>
+            <a:endParaRPr/>
           </a:p>
         </p:txBody>
       </p:sp>
@@ -4348,12 +4178,12 @@
   <p:clrMapOvr>
     <a:masterClrMapping/>
   </p:clrMapOvr>
-  <p:transition xmlns:p14="http://schemas.microsoft.com/office/powerpoint/2010/main" spd="med" advClick="1"/>
+  <p:transition spd="med"/>
 </p:sld>
 </file>
 
 <file path=ppt/slides/slide11.xml><?xml version="1.0" encoding="utf-8"?>
-<p:sld xmlns:a="http://schemas.openxmlformats.org/drawingml/2006/main" xmlns:r="http://schemas.openxmlformats.org/officeDocument/2006/relationships" xmlns:p="http://schemas.openxmlformats.org/presentationml/2006/main" xmlns:m="http://schemas.openxmlformats.org/officeDocument/2006/math" xmlns:a14="http://schemas.microsoft.com/office/drawing/2010/main" showMasterSp="1" showMasterPhAnim="1">
+<p:sld xmlns:a="http://schemas.openxmlformats.org/drawingml/2006/main" xmlns:r="http://schemas.openxmlformats.org/officeDocument/2006/relationships" xmlns:p="http://schemas.openxmlformats.org/presentationml/2006/main">
   <p:cSld>
     <p:spTree>
       <p:nvGrpSpPr>
@@ -4372,7 +4202,9 @@
       <p:sp>
         <p:nvSpPr>
           <p:cNvPr id="121" name="제목 1"/>
-          <p:cNvSpPr txBox="1"/>
+          <p:cNvSpPr txBox="1">
+            <a:spLocks noGrp="1"/>
+          </p:cNvSpPr>
           <p:nvPr>
             <p:ph type="title"/>
           </p:nvPr>
@@ -4390,7 +4222,6 @@
           <a:bodyPr/>
           <a:lstStyle/>
           <a:p>
-            <a:pPr/>
             <a:r>
               <a:t>Java Program Development Using JDK - 1</a:t>
             </a:r>
@@ -4400,7 +4231,9 @@
       <p:sp>
         <p:nvSpPr>
           <p:cNvPr id="122" name="슬라이드 번호 개체 틀 5"/>
-          <p:cNvSpPr txBox="1"/>
+          <p:cNvSpPr txBox="1">
+            <a:spLocks noGrp="1"/>
+          </p:cNvSpPr>
           <p:nvPr>
             <p:ph type="sldNum" sz="quarter" idx="2"/>
           </p:nvPr>
@@ -4415,13 +4248,13 @@
           </a:prstGeom>
           <a:extLst>
             <a:ext uri="{C572A759-6A51-4108-AA02-DFA0A04FC94B}">
-              <ma14:wrappingTextBoxFlag xmlns:ma14="http://schemas.microsoft.com/office/mac/drawingml/2011/main" val="1"/>
+              <ma14:wrappingTextBoxFlag xmlns:ma14="http://schemas.microsoft.com/office/mac/drawingml/2011/main" xmlns:a14="http://schemas.microsoft.com/office/drawing/2010/main" xmlns:m="http://schemas.openxmlformats.org/officeDocument/2006/math" xmlns="" val="1"/>
             </a:ext>
           </a:extLst>
         </p:spPr>
         <p:txBody>
           <a:bodyPr>
-            <a:normAutofit fontScale="100000" lnSpcReduction="0"/>
+            <a:normAutofit/>
           </a:bodyPr>
           <a:lstStyle>
             <a:lvl1pPr>
@@ -4432,15 +4265,19 @@
             </a:lvl1pPr>
           </a:lstStyle>
           <a:p>
-            <a:pPr/>
-            <a:fld id="{86CB4B4D-7CA3-9044-876B-883B54F8677D}" type="slidenum"/>
+            <a:fld id="{86CB4B4D-7CA3-9044-876B-883B54F8677D}" type="slidenum">
+              <a:t>11</a:t>
+            </a:fld>
+            <a:endParaRPr/>
           </a:p>
         </p:txBody>
       </p:sp>
       <p:sp>
         <p:nvSpPr>
           <p:cNvPr id="123" name="내용 개체 틀 2"/>
-          <p:cNvSpPr txBox="1"/>
+          <p:cNvSpPr txBox="1">
+            <a:spLocks noGrp="1"/>
+          </p:cNvSpPr>
           <p:nvPr>
             <p:ph type="body" sz="quarter" idx="1"/>
           </p:nvPr>
@@ -4458,13 +4295,11 @@
           <a:bodyPr/>
           <a:lstStyle/>
           <a:p>
-            <a:pPr/>
             <a:r>
               <a:t>Type the program using Notepad (Windows) or Text editor (macOS)</a:t>
             </a:r>
           </a:p>
           <a:p>
-            <a:pPr/>
             <a:r>
               <a:t>Save the program as “FirstProgram.java”  (the same name as the class)</a:t>
             </a:r>
@@ -4480,9 +4315,7 @@
           <p:nvPr/>
         </p:nvPicPr>
         <p:blipFill>
-          <a:blip r:embed="rId3">
-            <a:extLst/>
-          </a:blip>
+          <a:blip r:embed="rId3"/>
           <a:stretch>
             <a:fillRect/>
           </a:stretch>
@@ -4501,7 +4334,7 @@
             </a:solidFill>
           </a:ln>
           <a:effectLst>
-            <a:outerShdw sx="100000" sy="100000" kx="0" ky="0" algn="b" rotWithShape="0" blurRad="292100" dist="139700" dir="2700000">
+            <a:outerShdw blurRad="292100" dist="139700" dir="2700000" rotWithShape="0">
               <a:srgbClr val="333333">
                 <a:alpha val="64999"/>
               </a:srgbClr>
@@ -4514,12 +4347,12 @@
   <p:clrMapOvr>
     <a:masterClrMapping/>
   </p:clrMapOvr>
-  <p:transition xmlns:p14="http://schemas.microsoft.com/office/powerpoint/2010/main" spd="med" advClick="1"/>
+  <p:transition spd="med"/>
 </p:sld>
 </file>
 
 <file path=ppt/slides/slide12.xml><?xml version="1.0" encoding="utf-8"?>
-<p:sld xmlns:a="http://schemas.openxmlformats.org/drawingml/2006/main" xmlns:r="http://schemas.openxmlformats.org/officeDocument/2006/relationships" xmlns:p="http://schemas.openxmlformats.org/presentationml/2006/main" xmlns:m="http://schemas.openxmlformats.org/officeDocument/2006/math" xmlns:a14="http://schemas.microsoft.com/office/drawing/2010/main" showMasterSp="1" showMasterPhAnim="1">
+<p:sld xmlns:a="http://schemas.openxmlformats.org/drawingml/2006/main" xmlns:r="http://schemas.openxmlformats.org/officeDocument/2006/relationships" xmlns:p="http://schemas.openxmlformats.org/presentationml/2006/main">
   <p:cSld>
     <p:spTree>
       <p:nvGrpSpPr>
@@ -4538,7 +4371,9 @@
       <p:sp>
         <p:nvSpPr>
           <p:cNvPr id="128" name="제목 1"/>
-          <p:cNvSpPr txBox="1"/>
+          <p:cNvSpPr txBox="1">
+            <a:spLocks noGrp="1"/>
+          </p:cNvSpPr>
           <p:nvPr>
             <p:ph type="title"/>
           </p:nvPr>
@@ -4556,7 +4391,6 @@
           <a:bodyPr/>
           <a:lstStyle/>
           <a:p>
-            <a:pPr/>
             <a:r>
               <a:t>Java Program Development Using JDK - 2</a:t>
             </a:r>
@@ -4566,7 +4400,9 @@
       <p:sp>
         <p:nvSpPr>
           <p:cNvPr id="129" name="내용 개체 틀 2"/>
-          <p:cNvSpPr txBox="1"/>
+          <p:cNvSpPr txBox="1">
+            <a:spLocks noGrp="1"/>
+          </p:cNvSpPr>
           <p:nvPr>
             <p:ph type="body" sz="quarter" idx="1"/>
           </p:nvPr>
@@ -4612,7 +4448,9 @@
       <p:sp>
         <p:nvSpPr>
           <p:cNvPr id="130" name="슬라이드 번호 개체 틀 3"/>
-          <p:cNvSpPr txBox="1"/>
+          <p:cNvSpPr txBox="1">
+            <a:spLocks noGrp="1"/>
+          </p:cNvSpPr>
           <p:nvPr>
             <p:ph type="sldNum" sz="quarter" idx="2"/>
           </p:nvPr>
@@ -4627,7 +4465,7 @@
           </a:prstGeom>
           <a:extLst>
             <a:ext uri="{C572A759-6A51-4108-AA02-DFA0A04FC94B}">
-              <ma14:wrappingTextBoxFlag xmlns:ma14="http://schemas.microsoft.com/office/mac/drawingml/2011/main" val="1"/>
+              <ma14:wrappingTextBoxFlag xmlns:ma14="http://schemas.microsoft.com/office/mac/drawingml/2011/main" xmlns:a14="http://schemas.microsoft.com/office/drawing/2010/main" xmlns:m="http://schemas.openxmlformats.org/officeDocument/2006/math" xmlns="" val="1"/>
             </a:ext>
           </a:extLst>
         </p:spPr>
@@ -4635,8 +4473,10 @@
           <a:bodyPr/>
           <a:lstStyle/>
           <a:p>
-            <a:pPr/>
-            <a:fld id="{86CB4B4D-7CA3-9044-876B-883B54F8677D}" type="slidenum"/>
+            <a:fld id="{86CB4B4D-7CA3-9044-876B-883B54F8677D}" type="slidenum">
+              <a:t>12</a:t>
+            </a:fld>
+            <a:endParaRPr/>
           </a:p>
         </p:txBody>
       </p:sp>
@@ -4659,7 +4499,7 @@
           </a:ln>
           <a:extLst>
             <a:ext uri="{C572A759-6A51-4108-AA02-DFA0A04FC94B}">
-              <ma14:wrappingTextBoxFlag xmlns:ma14="http://schemas.microsoft.com/office/mac/drawingml/2011/main" val="1"/>
+              <ma14:wrappingTextBoxFlag xmlns:ma14="http://schemas.microsoft.com/office/mac/drawingml/2011/main" xmlns:a14="http://schemas.microsoft.com/office/drawing/2010/main" xmlns:m="http://schemas.openxmlformats.org/officeDocument/2006/math" xmlns="" val="1"/>
             </a:ext>
           </a:extLst>
         </p:spPr>
@@ -4681,7 +4521,6 @@
             </a:lvl1pPr>
           </a:lstStyle>
           <a:p>
-            <a:pPr/>
             <a:r>
               <a:t>”ls” command instead of “dir” in macOS</a:t>
             </a:r>
@@ -4697,9 +4536,7 @@
           <p:nvPr/>
         </p:nvPicPr>
         <p:blipFill>
-          <a:blip r:embed="rId3">
-            <a:extLst/>
-          </a:blip>
+          <a:blip r:embed="rId3"/>
           <a:stretch>
             <a:fillRect/>
           </a:stretch>
@@ -4718,7 +4555,7 @@
             </a:solidFill>
           </a:ln>
           <a:effectLst>
-            <a:outerShdw sx="100000" sy="100000" kx="0" ky="0" algn="b" rotWithShape="0" blurRad="292100" dist="139700" dir="2700000">
+            <a:outerShdw blurRad="292100" dist="139700" dir="2700000" rotWithShape="0">
               <a:srgbClr val="333333">
                 <a:alpha val="64999"/>
               </a:srgbClr>
@@ -4731,12 +4568,12 @@
   <p:clrMapOvr>
     <a:masterClrMapping/>
   </p:clrMapOvr>
-  <p:transition xmlns:p14="http://schemas.microsoft.com/office/powerpoint/2010/main" spd="med" advClick="1"/>
+  <p:transition spd="med"/>
 </p:sld>
 </file>
 
 <file path=ppt/slides/slide13.xml><?xml version="1.0" encoding="utf-8"?>
-<p:sld xmlns:a="http://schemas.openxmlformats.org/drawingml/2006/main" xmlns:r="http://schemas.openxmlformats.org/officeDocument/2006/relationships" xmlns:p="http://schemas.openxmlformats.org/presentationml/2006/main" xmlns:m="http://schemas.openxmlformats.org/officeDocument/2006/math" xmlns:a14="http://schemas.microsoft.com/office/drawing/2010/main" showMasterSp="1" showMasterPhAnim="1">
+<p:sld xmlns:a="http://schemas.openxmlformats.org/drawingml/2006/main" xmlns:r="http://schemas.openxmlformats.org/officeDocument/2006/relationships" xmlns:p="http://schemas.openxmlformats.org/presentationml/2006/main">
   <p:cSld>
     <p:spTree>
       <p:nvGrpSpPr>
@@ -4755,7 +4592,9 @@
       <p:sp>
         <p:nvSpPr>
           <p:cNvPr id="136" name="제목 1"/>
-          <p:cNvSpPr txBox="1"/>
+          <p:cNvSpPr txBox="1">
+            <a:spLocks noGrp="1"/>
+          </p:cNvSpPr>
           <p:nvPr>
             <p:ph type="title"/>
           </p:nvPr>
@@ -4773,7 +4612,6 @@
           <a:bodyPr/>
           <a:lstStyle/>
           <a:p>
-            <a:pPr/>
             <a:r>
               <a:t>Installing IntelliJ IDEA</a:t>
             </a:r>
@@ -4783,7 +4621,9 @@
       <p:sp>
         <p:nvSpPr>
           <p:cNvPr id="137" name="내용 개체 틀 2"/>
-          <p:cNvSpPr txBox="1"/>
+          <p:cNvSpPr txBox="1">
+            <a:spLocks noGrp="1"/>
+          </p:cNvSpPr>
           <p:nvPr>
             <p:ph type="body" sz="quarter" idx="1"/>
           </p:nvPr>
@@ -4801,7 +4641,6 @@
           <a:bodyPr/>
           <a:lstStyle/>
           <a:p>
-            <a:pPr/>
             <a:r>
               <a:rPr u="sng">
                 <a:solidFill>
@@ -4812,19 +4651,18 @@
                     <a:srgbClr val="80878B"/>
                   </a:solidFill>
                 </a:uFill>
-                <a:hlinkClick r:id="rId3" invalidUrl="" action="" tgtFrame="" tooltip="" history="1" highlightClick="0" endSnd="0"/>
+                <a:hlinkClick r:id="rId3"/>
               </a:rPr>
               <a:t>https://www.jetbrains.com/ko-kr/idea/download</a:t>
             </a:r>
           </a:p>
           <a:p>
-            <a:pPr/>
             <a:r>
               <a:t>Download “Community Edition” and Install it.</a:t>
             </a:r>
           </a:p>
           <a:p>
-            <a:pPr lvl="1" marL="742950" indent="-285750">
+            <a:pPr marL="742950" lvl="1" indent="-285750">
               <a:buFont typeface="Helvetica"/>
               <a:defRPr sz="2300"/>
             </a:pPr>
@@ -4837,7 +4675,9 @@
       <p:sp>
         <p:nvSpPr>
           <p:cNvPr id="138" name="슬라이드 번호 개체 틀 3"/>
-          <p:cNvSpPr txBox="1"/>
+          <p:cNvSpPr txBox="1">
+            <a:spLocks noGrp="1"/>
+          </p:cNvSpPr>
           <p:nvPr>
             <p:ph type="sldNum" sz="quarter" idx="2"/>
           </p:nvPr>
@@ -4852,7 +4692,7 @@
           </a:prstGeom>
           <a:extLst>
             <a:ext uri="{C572A759-6A51-4108-AA02-DFA0A04FC94B}">
-              <ma14:wrappingTextBoxFlag xmlns:ma14="http://schemas.microsoft.com/office/mac/drawingml/2011/main" val="1"/>
+              <ma14:wrappingTextBoxFlag xmlns:ma14="http://schemas.microsoft.com/office/mac/drawingml/2011/main" xmlns:a14="http://schemas.microsoft.com/office/drawing/2010/main" xmlns:m="http://schemas.openxmlformats.org/officeDocument/2006/math" xmlns="" val="1"/>
             </a:ext>
           </a:extLst>
         </p:spPr>
@@ -4860,8 +4700,10 @@
           <a:bodyPr/>
           <a:lstStyle/>
           <a:p>
-            <a:pPr/>
-            <a:fld id="{86CB4B4D-7CA3-9044-876B-883B54F8677D}" type="slidenum"/>
+            <a:fld id="{86CB4B4D-7CA3-9044-876B-883B54F8677D}" type="slidenum">
+              <a:t>13</a:t>
+            </a:fld>
+            <a:endParaRPr/>
           </a:p>
         </p:txBody>
       </p:sp>
@@ -4874,9 +4716,7 @@
           <p:nvPr/>
         </p:nvPicPr>
         <p:blipFill>
-          <a:blip r:embed="rId4">
-            <a:extLst/>
-          </a:blip>
+          <a:blip r:embed="rId4"/>
           <a:stretch>
             <a:fillRect/>
           </a:stretch>
@@ -4895,7 +4735,7 @@
             </a:solidFill>
           </a:ln>
           <a:effectLst>
-            <a:outerShdw sx="100000" sy="100000" kx="0" ky="0" algn="b" rotWithShape="0" blurRad="292100" dist="139700" dir="2700000">
+            <a:outerShdw blurRad="292100" dist="139700" dir="2700000" rotWithShape="0">
               <a:srgbClr val="333333">
                 <a:alpha val="64999"/>
               </a:srgbClr>
@@ -4908,12 +4748,12 @@
   <p:clrMapOvr>
     <a:masterClrMapping/>
   </p:clrMapOvr>
-  <p:transition xmlns:p14="http://schemas.microsoft.com/office/powerpoint/2010/main" spd="med" advClick="1"/>
+  <p:transition spd="med"/>
 </p:sld>
 </file>
 
 <file path=ppt/slides/slide14.xml><?xml version="1.0" encoding="utf-8"?>
-<p:sld xmlns:a="http://schemas.openxmlformats.org/drawingml/2006/main" xmlns:r="http://schemas.openxmlformats.org/officeDocument/2006/relationships" xmlns:p="http://schemas.openxmlformats.org/presentationml/2006/main" xmlns:m="http://schemas.openxmlformats.org/officeDocument/2006/math" xmlns:a14="http://schemas.microsoft.com/office/drawing/2010/main" showMasterSp="1" showMasterPhAnim="1">
+<p:sld xmlns:a="http://schemas.openxmlformats.org/drawingml/2006/main" xmlns:r="http://schemas.openxmlformats.org/officeDocument/2006/relationships" xmlns:p="http://schemas.openxmlformats.org/presentationml/2006/main">
   <p:cSld>
     <p:spTree>
       <p:nvGrpSpPr>
@@ -4932,7 +4772,9 @@
       <p:sp>
         <p:nvSpPr>
           <p:cNvPr id="143" name="제목 1"/>
-          <p:cNvSpPr txBox="1"/>
+          <p:cNvSpPr txBox="1">
+            <a:spLocks noGrp="1"/>
+          </p:cNvSpPr>
           <p:nvPr>
             <p:ph type="title"/>
           </p:nvPr>
@@ -4950,7 +4792,6 @@
           <a:bodyPr/>
           <a:lstStyle/>
           <a:p>
-            <a:pPr/>
             <a:r>
               <a:t>Creating New Project (1/3)</a:t>
             </a:r>
@@ -4966,10 +4807,8 @@
           <p:nvPr/>
         </p:nvPicPr>
         <p:blipFill>
-          <a:blip r:embed="rId3">
-            <a:extLst/>
-          </a:blip>
-          <a:srcRect l="1235" t="0" r="0" b="0"/>
+          <a:blip r:embed="rId3"/>
+          <a:srcRect l="1235"/>
           <a:stretch>
             <a:fillRect/>
           </a:stretch>
@@ -4989,7 +4828,7 @@
             <a:miter lim="400000"/>
           </a:ln>
           <a:effectLst>
-            <a:outerShdw sx="100000" sy="100000" kx="0" ky="0" algn="b" rotWithShape="0" blurRad="292100" dist="139700" dir="2700000">
+            <a:outerShdw blurRad="292100" dist="139700" dir="2700000" rotWithShape="0">
               <a:srgbClr val="333333">
                 <a:alpha val="64999"/>
               </a:srgbClr>
@@ -5034,13 +4873,16 @@
                 <a:sym typeface="Menlo Regular"/>
               </a:defRPr>
             </a:pPr>
+            <a:endParaRPr/>
           </a:p>
         </p:txBody>
       </p:sp>
       <p:sp>
         <p:nvSpPr>
           <p:cNvPr id="146" name="슬라이드 번호 개체 틀 5"/>
-          <p:cNvSpPr txBox="1"/>
+          <p:cNvSpPr txBox="1">
+            <a:spLocks noGrp="1"/>
+          </p:cNvSpPr>
           <p:nvPr>
             <p:ph type="sldNum" sz="quarter" idx="2"/>
           </p:nvPr>
@@ -5055,7 +4897,7 @@
           </a:prstGeom>
           <a:extLst>
             <a:ext uri="{C572A759-6A51-4108-AA02-DFA0A04FC94B}">
-              <ma14:wrappingTextBoxFlag xmlns:ma14="http://schemas.microsoft.com/office/mac/drawingml/2011/main" val="1"/>
+              <ma14:wrappingTextBoxFlag xmlns:ma14="http://schemas.microsoft.com/office/mac/drawingml/2011/main" xmlns:a14="http://schemas.microsoft.com/office/drawing/2010/main" xmlns:m="http://schemas.openxmlformats.org/officeDocument/2006/math" xmlns="" val="1"/>
             </a:ext>
           </a:extLst>
         </p:spPr>
@@ -5063,8 +4905,10 @@
           <a:bodyPr/>
           <a:lstStyle/>
           <a:p>
-            <a:pPr/>
-            <a:fld id="{86CB4B4D-7CA3-9044-876B-883B54F8677D}" type="slidenum"/>
+            <a:fld id="{86CB4B4D-7CA3-9044-876B-883B54F8677D}" type="slidenum">
+              <a:t>14</a:t>
+            </a:fld>
+            <a:endParaRPr/>
           </a:p>
         </p:txBody>
       </p:sp>
@@ -5073,14 +4917,14 @@
   <p:clrMapOvr>
     <a:masterClrMapping/>
   </p:clrMapOvr>
-  <p:transition xmlns:p14="http://schemas.microsoft.com/office/powerpoint/2010/main" spd="med" advClick="1"/>
+  <p:transition spd="med"/>
   <p:timing>
     <p:tnLst>
       <p:par>
-        <p:cTn id="1" nodeType="tmRoot" restart="never" dur="indefinite" fill="hold">
+        <p:cTn id="1" dur="indefinite" restart="never" fill="hold" nodeType="tmRoot">
           <p:childTnLst>
             <p:seq concurrent="1" prevAc="none" nextAc="seek">
-              <p:cTn id="2" nodeType="mainSeq" dur="indefinite" fill="hold">
+              <p:cTn id="2" dur="indefinite" fill="hold" nodeType="mainSeq">
                 <p:childTnLst>
                   <p:par>
                     <p:cTn id="3" fill="hold">
@@ -5095,11 +4939,11 @@
                             </p:stCondLst>
                             <p:childTnLst>
                               <p:par>
-                                <p:cTn id="5" presetClass="entr" nodeType="clickEffect" presetSubtype="0" presetID="1" grpId="1" fill="hold">
+                                <p:cTn id="5" presetID="1" presetClass="entr" presetSubtype="0" fill="hold" grpId="1" nodeType="clickEffect">
                                   <p:stCondLst>
                                     <p:cond delay="0"/>
                                   </p:stCondLst>
-                                  <p:iterate type="el" backwards="0">
+                                  <p:iterate>
                                     <p:tmAbs val="0"/>
                                   </p:iterate>
                                   <p:childTnLst>
@@ -5129,14 +4973,14 @@
                 </p:childTnLst>
               </p:cTn>
               <p:prevCondLst>
-                <p:cond evt="onPrev">
+                <p:cond evt="onPrev" delay="0">
                   <p:tgtEl>
                     <p:sldTgt/>
                   </p:tgtEl>
                 </p:cond>
               </p:prevCondLst>
               <p:nextCondLst>
-                <p:cond evt="onNext">
+                <p:cond evt="onNext" delay="0">
                   <p:tgtEl>
                     <p:sldTgt/>
                   </p:tgtEl>
@@ -5148,14 +4992,14 @@
       </p:par>
     </p:tnLst>
     <p:bldLst>
-      <p:bldP build="whole" bldLvl="1" animBg="1" rev="0" advAuto="0" spid="145" grpId="1"/>
+      <p:bldP spid="145" grpId="1" animBg="1" advAuto="0"/>
     </p:bldLst>
   </p:timing>
 </p:sld>
 </file>
 
 <file path=ppt/slides/slide15.xml><?xml version="1.0" encoding="utf-8"?>
-<p:sld xmlns:a="http://schemas.openxmlformats.org/drawingml/2006/main" xmlns:r="http://schemas.openxmlformats.org/officeDocument/2006/relationships" xmlns:p="http://schemas.openxmlformats.org/presentationml/2006/main" xmlns:m="http://schemas.openxmlformats.org/officeDocument/2006/math" xmlns:a14="http://schemas.microsoft.com/office/drawing/2010/main" showMasterSp="1" showMasterPhAnim="1">
+<p:sld xmlns:a="http://schemas.openxmlformats.org/drawingml/2006/main" xmlns:r="http://schemas.openxmlformats.org/officeDocument/2006/relationships" xmlns:p="http://schemas.openxmlformats.org/presentationml/2006/main">
   <p:cSld>
     <p:spTree>
       <p:nvGrpSpPr>
@@ -5180,9 +5024,7 @@
           <p:nvPr/>
         </p:nvPicPr>
         <p:blipFill>
-          <a:blip r:embed="rId3">
-            <a:extLst/>
-          </a:blip>
+          <a:blip r:embed="rId3"/>
           <a:stretch>
             <a:fillRect/>
           </a:stretch>
@@ -5202,7 +5044,7 @@
             <a:miter lim="400000"/>
           </a:ln>
           <a:effectLst>
-            <a:outerShdw sx="100000" sy="100000" kx="0" ky="0" algn="b" rotWithShape="0" blurRad="292100" dist="139700" dir="2700000">
+            <a:outerShdw blurRad="292100" dist="139700" dir="2700000" rotWithShape="0">
               <a:srgbClr val="333333">
                 <a:alpha val="64999"/>
               </a:srgbClr>
@@ -5213,7 +5055,9 @@
       <p:sp>
         <p:nvSpPr>
           <p:cNvPr id="151" name="제목 1"/>
-          <p:cNvSpPr txBox="1"/>
+          <p:cNvSpPr txBox="1">
+            <a:spLocks noGrp="1"/>
+          </p:cNvSpPr>
           <p:nvPr>
             <p:ph type="title"/>
           </p:nvPr>
@@ -5231,7 +5075,6 @@
           <a:bodyPr/>
           <a:lstStyle/>
           <a:p>
-            <a:pPr/>
             <a:r>
               <a:t>Creating New Project (2/3)</a:t>
             </a:r>
@@ -5275,6 +5118,7 @@
                 <a:sym typeface="Menlo Regular"/>
               </a:defRPr>
             </a:pPr>
+            <a:endParaRPr/>
           </a:p>
         </p:txBody>
       </p:sp>
@@ -5315,6 +5159,7 @@
                 <a:sym typeface="Menlo Regular"/>
               </a:defRPr>
             </a:pPr>
+            <a:endParaRPr/>
           </a:p>
         </p:txBody>
       </p:sp>
@@ -5355,6 +5200,7 @@
                 <a:sym typeface="Menlo Regular"/>
               </a:defRPr>
             </a:pPr>
+            <a:endParaRPr/>
           </a:p>
         </p:txBody>
       </p:sp>
@@ -5395,6 +5241,7 @@
                 <a:sym typeface="Menlo Regular"/>
               </a:defRPr>
             </a:pPr>
+            <a:endParaRPr/>
           </a:p>
         </p:txBody>
       </p:sp>
@@ -5435,6 +5282,7 @@
                 <a:sym typeface="Menlo Regular"/>
               </a:defRPr>
             </a:pPr>
+            <a:endParaRPr/>
           </a:p>
         </p:txBody>
       </p:sp>
@@ -5475,13 +5323,16 @@
                 <a:sym typeface="Menlo Regular"/>
               </a:defRPr>
             </a:pPr>
+            <a:endParaRPr/>
           </a:p>
         </p:txBody>
       </p:sp>
       <p:sp>
         <p:nvSpPr>
           <p:cNvPr id="158" name="슬라이드 번호 개체 틀 13"/>
-          <p:cNvSpPr txBox="1"/>
+          <p:cNvSpPr txBox="1">
+            <a:spLocks noGrp="1"/>
+          </p:cNvSpPr>
           <p:nvPr>
             <p:ph type="sldNum" sz="quarter" idx="2"/>
           </p:nvPr>
@@ -5496,7 +5347,7 @@
           </a:prstGeom>
           <a:extLst>
             <a:ext uri="{C572A759-6A51-4108-AA02-DFA0A04FC94B}">
-              <ma14:wrappingTextBoxFlag xmlns:ma14="http://schemas.microsoft.com/office/mac/drawingml/2011/main" val="1"/>
+              <ma14:wrappingTextBoxFlag xmlns:ma14="http://schemas.microsoft.com/office/mac/drawingml/2011/main" xmlns:a14="http://schemas.microsoft.com/office/drawing/2010/main" xmlns:m="http://schemas.openxmlformats.org/officeDocument/2006/math" xmlns="" val="1"/>
             </a:ext>
           </a:extLst>
         </p:spPr>
@@ -5504,8 +5355,10 @@
           <a:bodyPr/>
           <a:lstStyle/>
           <a:p>
-            <a:pPr/>
-            <a:fld id="{86CB4B4D-7CA3-9044-876B-883B54F8677D}" type="slidenum"/>
+            <a:fld id="{86CB4B4D-7CA3-9044-876B-883B54F8677D}" type="slidenum">
+              <a:t>15</a:t>
+            </a:fld>
+            <a:endParaRPr/>
           </a:p>
         </p:txBody>
       </p:sp>
@@ -5514,14 +5367,14 @@
   <p:clrMapOvr>
     <a:masterClrMapping/>
   </p:clrMapOvr>
-  <p:transition xmlns:p14="http://schemas.microsoft.com/office/powerpoint/2010/main" spd="med" advClick="1"/>
+  <p:transition spd="med"/>
   <p:timing>
     <p:tnLst>
       <p:par>
-        <p:cTn id="1" nodeType="tmRoot" restart="never" dur="indefinite" fill="hold">
+        <p:cTn id="1" dur="indefinite" restart="never" fill="hold" nodeType="tmRoot">
           <p:childTnLst>
             <p:seq concurrent="1" prevAc="none" nextAc="seek">
-              <p:cTn id="2" nodeType="mainSeq" dur="indefinite" fill="hold">
+              <p:cTn id="2" dur="indefinite" fill="hold" nodeType="mainSeq">
                 <p:childTnLst>
                   <p:par>
                     <p:cTn id="3" fill="hold">
@@ -5536,11 +5389,11 @@
                             </p:stCondLst>
                             <p:childTnLst>
                               <p:par>
-                                <p:cTn id="5" presetClass="entr" nodeType="clickEffect" presetSubtype="0" presetID="1" grpId="1" fill="hold">
+                                <p:cTn id="5" presetID="1" presetClass="entr" presetSubtype="0" fill="hold" grpId="1" nodeType="clickEffect">
                                   <p:stCondLst>
                                     <p:cond delay="0"/>
                                   </p:stCondLst>
-                                  <p:iterate type="el" backwards="0">
+                                  <p:iterate>
                                     <p:tmAbs val="0"/>
                                   </p:iterate>
                                   <p:childTnLst>
@@ -5580,11 +5433,11 @@
                             </p:stCondLst>
                             <p:childTnLst>
                               <p:par>
-                                <p:cTn id="9" presetClass="entr" nodeType="clickEffect" presetSubtype="0" presetID="1" grpId="2" fill="hold">
+                                <p:cTn id="9" presetID="1" presetClass="entr" presetSubtype="0" fill="hold" grpId="2" nodeType="clickEffect">
                                   <p:stCondLst>
                                     <p:cond delay="0"/>
                                   </p:stCondLst>
-                                  <p:iterate type="el" backwards="0">
+                                  <p:iterate>
                                     <p:tmAbs val="0"/>
                                   </p:iterate>
                                   <p:childTnLst>
@@ -5624,11 +5477,11 @@
                             </p:stCondLst>
                             <p:childTnLst>
                               <p:par>
-                                <p:cTn id="13" presetClass="entr" nodeType="clickEffect" presetSubtype="0" presetID="1" grpId="3" fill="hold">
+                                <p:cTn id="13" presetID="1" presetClass="entr" presetSubtype="0" fill="hold" grpId="3" nodeType="clickEffect">
                                   <p:stCondLst>
                                     <p:cond delay="0"/>
                                   </p:stCondLst>
-                                  <p:iterate type="el" backwards="0">
+                                  <p:iterate>
                                     <p:tmAbs val="0"/>
                                   </p:iterate>
                                   <p:childTnLst>
@@ -5668,11 +5521,11 @@
                             </p:stCondLst>
                             <p:childTnLst>
                               <p:par>
-                                <p:cTn id="17" presetClass="entr" nodeType="clickEffect" presetSubtype="0" presetID="1" grpId="4" fill="hold">
+                                <p:cTn id="17" presetID="1" presetClass="entr" presetSubtype="0" fill="hold" grpId="4" nodeType="clickEffect">
                                   <p:stCondLst>
                                     <p:cond delay="0"/>
                                   </p:stCondLst>
-                                  <p:iterate type="el" backwards="0">
+                                  <p:iterate>
                                     <p:tmAbs val="0"/>
                                   </p:iterate>
                                   <p:childTnLst>
@@ -5712,11 +5565,11 @@
                             </p:stCondLst>
                             <p:childTnLst>
                               <p:par>
-                                <p:cTn id="21" presetClass="entr" nodeType="clickEffect" presetSubtype="0" presetID="1" grpId="5" fill="hold">
+                                <p:cTn id="21" presetID="1" presetClass="entr" presetSubtype="0" fill="hold" grpId="5" nodeType="clickEffect">
                                   <p:stCondLst>
                                     <p:cond delay="0"/>
                                   </p:stCondLst>
-                                  <p:iterate type="el" backwards="0">
+                                  <p:iterate>
                                     <p:tmAbs val="0"/>
                                   </p:iterate>
                                   <p:childTnLst>
@@ -5756,11 +5609,11 @@
                             </p:stCondLst>
                             <p:childTnLst>
                               <p:par>
-                                <p:cTn id="25" presetClass="entr" nodeType="clickEffect" presetSubtype="0" presetID="1" grpId="6" fill="hold">
+                                <p:cTn id="25" presetID="1" presetClass="entr" presetSubtype="0" fill="hold" grpId="6" nodeType="clickEffect">
                                   <p:stCondLst>
                                     <p:cond delay="0"/>
                                   </p:stCondLst>
-                                  <p:iterate type="el" backwards="0">
+                                  <p:iterate>
                                     <p:tmAbs val="0"/>
                                   </p:iterate>
                                   <p:childTnLst>
@@ -5790,14 +5643,14 @@
                 </p:childTnLst>
               </p:cTn>
               <p:prevCondLst>
-                <p:cond evt="onPrev">
+                <p:cond evt="onPrev" delay="0">
                   <p:tgtEl>
                     <p:sldTgt/>
                   </p:tgtEl>
                 </p:cond>
               </p:prevCondLst>
               <p:nextCondLst>
-                <p:cond evt="onNext">
+                <p:cond evt="onNext" delay="0">
                   <p:tgtEl>
                     <p:sldTgt/>
                   </p:tgtEl>
@@ -5809,19 +5662,19 @@
       </p:par>
     </p:tnLst>
     <p:bldLst>
-      <p:bldP build="whole" bldLvl="1" animBg="1" rev="0" advAuto="0" spid="154" grpId="3"/>
-      <p:bldP build="whole" bldLvl="1" animBg="1" rev="0" advAuto="0" spid="152" grpId="1"/>
-      <p:bldP build="whole" bldLvl="1" animBg="1" rev="0" advAuto="0" spid="157" grpId="6"/>
-      <p:bldP build="whole" bldLvl="1" animBg="1" rev="0" advAuto="0" spid="155" grpId="4"/>
-      <p:bldP build="whole" bldLvl="1" animBg="1" rev="0" advAuto="0" spid="156" grpId="5"/>
-      <p:bldP build="whole" bldLvl="1" animBg="1" rev="0" advAuto="0" spid="153" grpId="2"/>
+      <p:bldP spid="152" grpId="1" animBg="1" advAuto="0"/>
+      <p:bldP spid="153" grpId="2" animBg="1" advAuto="0"/>
+      <p:bldP spid="154" grpId="3" animBg="1" advAuto="0"/>
+      <p:bldP spid="155" grpId="4" animBg="1" advAuto="0"/>
+      <p:bldP spid="156" grpId="5" animBg="1" advAuto="0"/>
+      <p:bldP spid="157" grpId="6" animBg="1" advAuto="0"/>
     </p:bldLst>
   </p:timing>
 </p:sld>
 </file>
 
 <file path=ppt/slides/slide16.xml><?xml version="1.0" encoding="utf-8"?>
-<p:sld xmlns:a="http://schemas.openxmlformats.org/drawingml/2006/main" xmlns:r="http://schemas.openxmlformats.org/officeDocument/2006/relationships" xmlns:p="http://schemas.openxmlformats.org/presentationml/2006/main" xmlns:m="http://schemas.openxmlformats.org/officeDocument/2006/math" xmlns:a14="http://schemas.microsoft.com/office/drawing/2010/main" showMasterSp="1" showMasterPhAnim="1">
+<p:sld xmlns:a="http://schemas.openxmlformats.org/drawingml/2006/main" xmlns:r="http://schemas.openxmlformats.org/officeDocument/2006/relationships" xmlns:p="http://schemas.openxmlformats.org/presentationml/2006/main">
   <p:cSld>
     <p:spTree>
       <p:nvGrpSpPr>
@@ -5840,7 +5693,9 @@
       <p:sp>
         <p:nvSpPr>
           <p:cNvPr id="162" name="제목 1"/>
-          <p:cNvSpPr txBox="1"/>
+          <p:cNvSpPr txBox="1">
+            <a:spLocks noGrp="1"/>
+          </p:cNvSpPr>
           <p:nvPr>
             <p:ph type="title"/>
           </p:nvPr>
@@ -5858,7 +5713,6 @@
           <a:bodyPr/>
           <a:lstStyle/>
           <a:p>
-            <a:pPr/>
             <a:r>
               <a:t>Creating New Project (3/3)</a:t>
             </a:r>
@@ -5874,9 +5728,7 @@
           <p:nvPr/>
         </p:nvPicPr>
         <p:blipFill>
-          <a:blip r:embed="rId3">
-            <a:extLst/>
-          </a:blip>
+          <a:blip r:embed="rId3"/>
           <a:stretch>
             <a:fillRect/>
           </a:stretch>
@@ -5896,7 +5748,7 @@
             <a:miter lim="400000"/>
           </a:ln>
           <a:effectLst>
-            <a:outerShdw sx="100000" sy="100000" kx="0" ky="0" algn="b" rotWithShape="0" blurRad="292100" dist="139700" dir="2700000">
+            <a:outerShdw blurRad="292100" dist="139700" dir="2700000" rotWithShape="0">
               <a:srgbClr val="333333">
                 <a:alpha val="64999"/>
               </a:srgbClr>
@@ -5907,7 +5759,9 @@
       <p:sp>
         <p:nvSpPr>
           <p:cNvPr id="164" name="슬라이드 번호 개체 틀 4"/>
-          <p:cNvSpPr txBox="1"/>
+          <p:cNvSpPr txBox="1">
+            <a:spLocks noGrp="1"/>
+          </p:cNvSpPr>
           <p:nvPr>
             <p:ph type="sldNum" sz="quarter" idx="2"/>
           </p:nvPr>
@@ -5922,7 +5776,7 @@
           </a:prstGeom>
           <a:extLst>
             <a:ext uri="{C572A759-6A51-4108-AA02-DFA0A04FC94B}">
-              <ma14:wrappingTextBoxFlag xmlns:ma14="http://schemas.microsoft.com/office/mac/drawingml/2011/main" val="1"/>
+              <ma14:wrappingTextBoxFlag xmlns:ma14="http://schemas.microsoft.com/office/mac/drawingml/2011/main" xmlns:a14="http://schemas.microsoft.com/office/drawing/2010/main" xmlns:m="http://schemas.openxmlformats.org/officeDocument/2006/math" xmlns="" val="1"/>
             </a:ext>
           </a:extLst>
         </p:spPr>
@@ -5930,8 +5784,10 @@
           <a:bodyPr/>
           <a:lstStyle/>
           <a:p>
-            <a:pPr/>
-            <a:fld id="{86CB4B4D-7CA3-9044-876B-883B54F8677D}" type="slidenum"/>
+            <a:fld id="{86CB4B4D-7CA3-9044-876B-883B54F8677D}" type="slidenum">
+              <a:t>16</a:t>
+            </a:fld>
+            <a:endParaRPr/>
           </a:p>
         </p:txBody>
       </p:sp>
@@ -5940,12 +5796,12 @@
   <p:clrMapOvr>
     <a:masterClrMapping/>
   </p:clrMapOvr>
-  <p:transition xmlns:p14="http://schemas.microsoft.com/office/powerpoint/2010/main" spd="med" advClick="1"/>
+  <p:transition spd="med"/>
 </p:sld>
 </file>
 
 <file path=ppt/slides/slide17.xml><?xml version="1.0" encoding="utf-8"?>
-<p:sld xmlns:a="http://schemas.openxmlformats.org/drawingml/2006/main" xmlns:r="http://schemas.openxmlformats.org/officeDocument/2006/relationships" xmlns:p="http://schemas.openxmlformats.org/presentationml/2006/main" xmlns:m="http://schemas.openxmlformats.org/officeDocument/2006/math" xmlns:a14="http://schemas.microsoft.com/office/drawing/2010/main" showMasterSp="1" showMasterPhAnim="1">
+<p:sld xmlns:a="http://schemas.openxmlformats.org/drawingml/2006/main" xmlns:r="http://schemas.openxmlformats.org/officeDocument/2006/relationships" xmlns:p="http://schemas.openxmlformats.org/presentationml/2006/main">
   <p:cSld>
     <p:spTree>
       <p:nvGrpSpPr>
@@ -5964,7 +5820,9 @@
       <p:sp>
         <p:nvSpPr>
           <p:cNvPr id="168" name="제목 1"/>
-          <p:cNvSpPr txBox="1"/>
+          <p:cNvSpPr txBox="1">
+            <a:spLocks noGrp="1"/>
+          </p:cNvSpPr>
           <p:nvPr>
             <p:ph type="title"/>
           </p:nvPr>
@@ -5982,7 +5840,6 @@
           <a:bodyPr/>
           <a:lstStyle/>
           <a:p>
-            <a:pPr/>
             <a:r>
               <a:t>Creating New Class (1/3)</a:t>
             </a:r>
@@ -5998,9 +5855,7 @@
           <p:nvPr/>
         </p:nvPicPr>
         <p:blipFill>
-          <a:blip r:embed="rId3">
-            <a:extLst/>
-          </a:blip>
+          <a:blip r:embed="rId3"/>
           <a:stretch>
             <a:fillRect/>
           </a:stretch>
@@ -6020,7 +5875,7 @@
             <a:miter lim="400000"/>
           </a:ln>
           <a:effectLst>
-            <a:outerShdw sx="100000" sy="100000" kx="0" ky="0" algn="b" rotWithShape="0" blurRad="292100" dist="139700" dir="2700000">
+            <a:outerShdw blurRad="292100" dist="139700" dir="2700000" rotWithShape="0">
               <a:srgbClr val="333333">
                 <a:alpha val="64999"/>
               </a:srgbClr>
@@ -6065,6 +5920,7 @@
                 <a:sym typeface="Menlo Regular"/>
               </a:defRPr>
             </a:pPr>
+            <a:endParaRPr/>
           </a:p>
         </p:txBody>
       </p:sp>
@@ -6105,6 +5961,7 @@
                 <a:sym typeface="Menlo Regular"/>
               </a:defRPr>
             </a:pPr>
+            <a:endParaRPr/>
           </a:p>
         </p:txBody>
       </p:sp>
@@ -6145,6 +6002,7 @@
                 <a:sym typeface="Menlo Regular"/>
               </a:defRPr>
             </a:pPr>
+            <a:endParaRPr/>
           </a:p>
         </p:txBody>
       </p:sp>
@@ -6185,6 +6043,7 @@
                 <a:sym typeface="Menlo Regular"/>
               </a:defRPr>
             </a:pPr>
+            <a:endParaRPr/>
           </a:p>
         </p:txBody>
       </p:sp>
@@ -6207,7 +6066,7 @@
           </a:ln>
           <a:extLst>
             <a:ext uri="{C572A759-6A51-4108-AA02-DFA0A04FC94B}">
-              <ma14:wrappingTextBoxFlag xmlns:ma14="http://schemas.microsoft.com/office/mac/drawingml/2011/main" val="1"/>
+              <ma14:wrappingTextBoxFlag xmlns:ma14="http://schemas.microsoft.com/office/mac/drawingml/2011/main" xmlns:a14="http://schemas.microsoft.com/office/drawing/2010/main" xmlns:m="http://schemas.openxmlformats.org/officeDocument/2006/math" xmlns="" val="1"/>
             </a:ext>
           </a:extLst>
         </p:spPr>
@@ -6229,7 +6088,6 @@
             </a:lvl1pPr>
           </a:lstStyle>
           <a:p>
-            <a:pPr/>
             <a:r>
               <a:t>right mouse button click!</a:t>
             </a:r>
@@ -6266,7 +6124,9 @@
       <p:sp>
         <p:nvSpPr>
           <p:cNvPr id="176" name="슬라이드 번호 개체 틀 24"/>
-          <p:cNvSpPr txBox="1"/>
+          <p:cNvSpPr txBox="1">
+            <a:spLocks noGrp="1"/>
+          </p:cNvSpPr>
           <p:nvPr>
             <p:ph type="sldNum" sz="quarter" idx="2"/>
           </p:nvPr>
@@ -6281,7 +6141,7 @@
           </a:prstGeom>
           <a:extLst>
             <a:ext uri="{C572A759-6A51-4108-AA02-DFA0A04FC94B}">
-              <ma14:wrappingTextBoxFlag xmlns:ma14="http://schemas.microsoft.com/office/mac/drawingml/2011/main" val="1"/>
+              <ma14:wrappingTextBoxFlag xmlns:ma14="http://schemas.microsoft.com/office/mac/drawingml/2011/main" xmlns:a14="http://schemas.microsoft.com/office/drawing/2010/main" xmlns:m="http://schemas.openxmlformats.org/officeDocument/2006/math" xmlns="" val="1"/>
             </a:ext>
           </a:extLst>
         </p:spPr>
@@ -6289,8 +6149,10 @@
           <a:bodyPr/>
           <a:lstStyle/>
           <a:p>
-            <a:pPr/>
-            <a:fld id="{86CB4B4D-7CA3-9044-876B-883B54F8677D}" type="slidenum"/>
+            <a:fld id="{86CB4B4D-7CA3-9044-876B-883B54F8677D}" type="slidenum">
+              <a:t>17</a:t>
+            </a:fld>
+            <a:endParaRPr/>
           </a:p>
         </p:txBody>
       </p:sp>
@@ -6299,14 +6161,14 @@
   <p:clrMapOvr>
     <a:masterClrMapping/>
   </p:clrMapOvr>
-  <p:transition xmlns:p14="http://schemas.microsoft.com/office/powerpoint/2010/main" spd="med" advClick="1"/>
+  <p:transition spd="med"/>
   <p:timing>
     <p:tnLst>
       <p:par>
-        <p:cTn id="1" nodeType="tmRoot" restart="never" dur="indefinite" fill="hold">
+        <p:cTn id="1" dur="indefinite" restart="never" fill="hold" nodeType="tmRoot">
           <p:childTnLst>
             <p:seq concurrent="1" prevAc="none" nextAc="seek">
-              <p:cTn id="2" nodeType="mainSeq" dur="indefinite" fill="hold">
+              <p:cTn id="2" dur="indefinite" fill="hold" nodeType="mainSeq">
                 <p:childTnLst>
                   <p:par>
                     <p:cTn id="3" fill="hold">
@@ -6321,11 +6183,11 @@
                             </p:stCondLst>
                             <p:childTnLst>
                               <p:par>
-                                <p:cTn id="5" presetClass="entr" nodeType="clickEffect" presetSubtype="0" presetID="1" grpId="1" fill="hold">
+                                <p:cTn id="5" presetID="1" presetClass="entr" presetSubtype="0" fill="hold" grpId="1" nodeType="clickEffect">
                                   <p:stCondLst>
                                     <p:cond delay="0"/>
                                   </p:stCondLst>
-                                  <p:iterate type="el" backwards="0">
+                                  <p:iterate>
                                     <p:tmAbs val="0"/>
                                   </p:iterate>
                                   <p:childTnLst>
@@ -6365,11 +6227,11 @@
                             </p:stCondLst>
                             <p:childTnLst>
                               <p:par>
-                                <p:cTn id="9" presetClass="entr" nodeType="clickEffect" presetSubtype="0" presetID="1" grpId="2" fill="hold">
+                                <p:cTn id="9" presetID="1" presetClass="entr" presetSubtype="0" fill="hold" grpId="2" nodeType="clickEffect">
                                   <p:stCondLst>
                                     <p:cond delay="0"/>
                                   </p:stCondLst>
-                                  <p:iterate type="el" backwards="0">
+                                  <p:iterate>
                                     <p:tmAbs val="0"/>
                                   </p:iterate>
                                   <p:childTnLst>
@@ -6400,11 +6262,11 @@
                             </p:stCondLst>
                             <p:childTnLst>
                               <p:par>
-                                <p:cTn id="12" presetClass="entr" nodeType="afterEffect" presetSubtype="0" presetID="1" grpId="3" fill="hold">
+                                <p:cTn id="12" presetID="1" presetClass="entr" presetSubtype="0" fill="hold" grpId="3" nodeType="afterEffect">
                                   <p:stCondLst>
                                     <p:cond delay="0"/>
                                   </p:stCondLst>
-                                  <p:iterate type="el" backwards="0">
+                                  <p:iterate>
                                     <p:tmAbs val="0"/>
                                   </p:iterate>
                                   <p:childTnLst>
@@ -6435,11 +6297,11 @@
                             </p:stCondLst>
                             <p:childTnLst>
                               <p:par>
-                                <p:cTn id="15" presetClass="entr" nodeType="afterEffect" presetSubtype="0" presetID="1" grpId="4" fill="hold">
+                                <p:cTn id="15" presetID="1" presetClass="entr" presetSubtype="0" fill="hold" grpId="4" nodeType="afterEffect">
                                   <p:stCondLst>
                                     <p:cond delay="0"/>
                                   </p:stCondLst>
-                                  <p:iterate type="el" backwards="0">
+                                  <p:iterate>
                                     <p:tmAbs val="0"/>
                                   </p:iterate>
                                   <p:childTnLst>
@@ -6479,11 +6341,11 @@
                             </p:stCondLst>
                             <p:childTnLst>
                               <p:par>
-                                <p:cTn id="19" presetClass="entr" nodeType="clickEffect" presetSubtype="0" presetID="1" grpId="5" fill="hold">
+                                <p:cTn id="19" presetID="1" presetClass="entr" presetSubtype="0" fill="hold" grpId="5" nodeType="clickEffect">
                                   <p:stCondLst>
                                     <p:cond delay="0"/>
                                   </p:stCondLst>
-                                  <p:iterate type="el" backwards="0">
+                                  <p:iterate>
                                     <p:tmAbs val="0"/>
                                   </p:iterate>
                                   <p:childTnLst>
@@ -6523,11 +6385,11 @@
                             </p:stCondLst>
                             <p:childTnLst>
                               <p:par>
-                                <p:cTn id="23" presetClass="entr" nodeType="clickEffect" presetSubtype="0" presetID="1" grpId="6" fill="hold">
+                                <p:cTn id="23" presetID="1" presetClass="entr" presetSubtype="0" fill="hold" grpId="6" nodeType="clickEffect">
                                   <p:stCondLst>
                                     <p:cond delay="0"/>
                                   </p:stCondLst>
-                                  <p:iterate type="el" backwards="0">
+                                  <p:iterate>
                                     <p:tmAbs val="0"/>
                                   </p:iterate>
                                   <p:childTnLst>
@@ -6557,14 +6419,14 @@
                 </p:childTnLst>
               </p:cTn>
               <p:prevCondLst>
-                <p:cond evt="onPrev">
+                <p:cond evt="onPrev" delay="0">
                   <p:tgtEl>
                     <p:sldTgt/>
                   </p:tgtEl>
                 </p:cond>
               </p:prevCondLst>
               <p:nextCondLst>
-                <p:cond evt="onNext">
+                <p:cond evt="onNext" delay="0">
                   <p:tgtEl>
                     <p:sldTgt/>
                   </p:tgtEl>
@@ -6576,19 +6438,19 @@
       </p:par>
     </p:tnLst>
     <p:bldLst>
-      <p:bldP build="whole" bldLvl="1" animBg="1" rev="0" advAuto="0" spid="171" grpId="2"/>
-      <p:bldP build="whole" bldLvl="1" animBg="1" rev="0" advAuto="0" spid="173" grpId="6"/>
-      <p:bldP build="whole" bldLvl="1" animBg="1" rev="0" advAuto="0" spid="170" grpId="1"/>
-      <p:bldP build="whole" bldLvl="1" animBg="1" rev="0" advAuto="0" spid="174" grpId="3"/>
-      <p:bldP build="whole" bldLvl="1" animBg="1" rev="0" advAuto="0" spid="172" grpId="5"/>
-      <p:bldP build="whole" bldLvl="1" animBg="1" rev="0" advAuto="0" spid="175" grpId="4"/>
+      <p:bldP spid="170" grpId="1" animBg="1" advAuto="0"/>
+      <p:bldP spid="171" grpId="2" animBg="1" advAuto="0"/>
+      <p:bldP spid="172" grpId="5" animBg="1" advAuto="0"/>
+      <p:bldP spid="173" grpId="6" animBg="1" advAuto="0"/>
+      <p:bldP spid="174" grpId="3" animBg="1" advAuto="0"/>
+      <p:bldP spid="175" grpId="4" animBg="1" advAuto="0"/>
     </p:bldLst>
   </p:timing>
 </p:sld>
 </file>
 
 <file path=ppt/slides/slide18.xml><?xml version="1.0" encoding="utf-8"?>
-<p:sld xmlns:a="http://schemas.openxmlformats.org/drawingml/2006/main" xmlns:r="http://schemas.openxmlformats.org/officeDocument/2006/relationships" xmlns:p="http://schemas.openxmlformats.org/presentationml/2006/main" xmlns:m="http://schemas.openxmlformats.org/officeDocument/2006/math" xmlns:a14="http://schemas.microsoft.com/office/drawing/2010/main" showMasterSp="1" showMasterPhAnim="1">
+<p:sld xmlns:a="http://schemas.openxmlformats.org/drawingml/2006/main" xmlns:r="http://schemas.openxmlformats.org/officeDocument/2006/relationships" xmlns:p="http://schemas.openxmlformats.org/presentationml/2006/main">
   <p:cSld>
     <p:spTree>
       <p:nvGrpSpPr>
@@ -6607,7 +6469,9 @@
       <p:sp>
         <p:nvSpPr>
           <p:cNvPr id="180" name="제목 1"/>
-          <p:cNvSpPr txBox="1"/>
+          <p:cNvSpPr txBox="1">
+            <a:spLocks noGrp="1"/>
+          </p:cNvSpPr>
           <p:nvPr>
             <p:ph type="title"/>
           </p:nvPr>
@@ -6625,7 +6489,6 @@
           <a:bodyPr/>
           <a:lstStyle/>
           <a:p>
-            <a:pPr/>
             <a:r>
               <a:t>Creating New Class (2/3)</a:t>
             </a:r>
@@ -6641,9 +6504,7 @@
           <p:nvPr/>
         </p:nvPicPr>
         <p:blipFill>
-          <a:blip r:embed="rId3">
-            <a:extLst/>
-          </a:blip>
+          <a:blip r:embed="rId3"/>
           <a:stretch>
             <a:fillRect/>
           </a:stretch>
@@ -6663,7 +6524,7 @@
             <a:miter lim="400000"/>
           </a:ln>
           <a:effectLst>
-            <a:outerShdw sx="100000" sy="100000" kx="0" ky="0" algn="b" rotWithShape="0" blurRad="292100" dist="139700" dir="2700000">
+            <a:outerShdw blurRad="292100" dist="139700" dir="2700000" rotWithShape="0">
               <a:srgbClr val="333333">
                 <a:alpha val="64999"/>
               </a:srgbClr>
@@ -6708,6 +6569,7 @@
                 <a:sym typeface="Menlo Regular"/>
               </a:defRPr>
             </a:pPr>
+            <a:endParaRPr/>
           </a:p>
         </p:txBody>
       </p:sp>
@@ -6730,7 +6592,7 @@
           </a:ln>
           <a:extLst>
             <a:ext uri="{C572A759-6A51-4108-AA02-DFA0A04FC94B}">
-              <ma14:wrappingTextBoxFlag xmlns:ma14="http://schemas.microsoft.com/office/mac/drawingml/2011/main" val="1"/>
+              <ma14:wrappingTextBoxFlag xmlns:ma14="http://schemas.microsoft.com/office/mac/drawingml/2011/main" xmlns:a14="http://schemas.microsoft.com/office/drawing/2010/main" xmlns:m="http://schemas.openxmlformats.org/officeDocument/2006/math" xmlns="" val="1"/>
             </a:ext>
           </a:extLst>
         </p:spPr>
@@ -6752,7 +6614,6 @@
             </a:lvl1pPr>
           </a:lstStyle>
           <a:p>
-            <a:pPr/>
             <a:r>
               <a:t>Type class name and enter!</a:t>
             </a:r>
@@ -6789,7 +6650,9 @@
       <p:sp>
         <p:nvSpPr>
           <p:cNvPr id="185" name="슬라이드 번호 개체 틀 9"/>
-          <p:cNvSpPr txBox="1"/>
+          <p:cNvSpPr txBox="1">
+            <a:spLocks noGrp="1"/>
+          </p:cNvSpPr>
           <p:nvPr>
             <p:ph type="sldNum" sz="quarter" idx="2"/>
           </p:nvPr>
@@ -6804,7 +6667,7 @@
           </a:prstGeom>
           <a:extLst>
             <a:ext uri="{C572A759-6A51-4108-AA02-DFA0A04FC94B}">
-              <ma14:wrappingTextBoxFlag xmlns:ma14="http://schemas.microsoft.com/office/mac/drawingml/2011/main" val="1"/>
+              <ma14:wrappingTextBoxFlag xmlns:ma14="http://schemas.microsoft.com/office/mac/drawingml/2011/main" xmlns:a14="http://schemas.microsoft.com/office/drawing/2010/main" xmlns:m="http://schemas.openxmlformats.org/officeDocument/2006/math" xmlns="" val="1"/>
             </a:ext>
           </a:extLst>
         </p:spPr>
@@ -6812,8 +6675,10 @@
           <a:bodyPr/>
           <a:lstStyle/>
           <a:p>
-            <a:pPr/>
-            <a:fld id="{86CB4B4D-7CA3-9044-876B-883B54F8677D}" type="slidenum"/>
+            <a:fld id="{86CB4B4D-7CA3-9044-876B-883B54F8677D}" type="slidenum">
+              <a:t>18</a:t>
+            </a:fld>
+            <a:endParaRPr/>
           </a:p>
         </p:txBody>
       </p:sp>
@@ -6822,12 +6687,12 @@
   <p:clrMapOvr>
     <a:masterClrMapping/>
   </p:clrMapOvr>
-  <p:transition xmlns:p14="http://schemas.microsoft.com/office/powerpoint/2010/main" spd="med" advClick="1"/>
+  <p:transition spd="med"/>
 </p:sld>
 </file>
 
 <file path=ppt/slides/slide19.xml><?xml version="1.0" encoding="utf-8"?>
-<p:sld xmlns:a="http://schemas.openxmlformats.org/drawingml/2006/main" xmlns:r="http://schemas.openxmlformats.org/officeDocument/2006/relationships" xmlns:p="http://schemas.openxmlformats.org/presentationml/2006/main" xmlns:m="http://schemas.openxmlformats.org/officeDocument/2006/math" xmlns:a14="http://schemas.microsoft.com/office/drawing/2010/main" showMasterSp="1" showMasterPhAnim="1">
+<p:sld xmlns:a="http://schemas.openxmlformats.org/drawingml/2006/main" xmlns:r="http://schemas.openxmlformats.org/officeDocument/2006/relationships" xmlns:p="http://schemas.openxmlformats.org/presentationml/2006/main">
   <p:cSld>
     <p:spTree>
       <p:nvGrpSpPr>
@@ -6846,7 +6711,9 @@
       <p:sp>
         <p:nvSpPr>
           <p:cNvPr id="189" name="제목 1"/>
-          <p:cNvSpPr txBox="1"/>
+          <p:cNvSpPr txBox="1">
+            <a:spLocks noGrp="1"/>
+          </p:cNvSpPr>
           <p:nvPr>
             <p:ph type="title"/>
           </p:nvPr>
@@ -6864,7 +6731,6 @@
           <a:bodyPr/>
           <a:lstStyle/>
           <a:p>
-            <a:pPr/>
             <a:r>
               <a:t>Creating New Class (3/3)</a:t>
             </a:r>
@@ -6880,9 +6746,7 @@
           <p:nvPr/>
         </p:nvPicPr>
         <p:blipFill>
-          <a:blip r:embed="rId3">
-            <a:extLst/>
-          </a:blip>
+          <a:blip r:embed="rId3"/>
           <a:stretch>
             <a:fillRect/>
           </a:stretch>
@@ -6902,7 +6766,7 @@
             <a:miter lim="400000"/>
           </a:ln>
           <a:effectLst>
-            <a:outerShdw sx="100000" sy="100000" kx="0" ky="0" algn="b" rotWithShape="0" blurRad="292100" dist="139700" dir="2700000">
+            <a:outerShdw blurRad="292100" dist="139700" dir="2700000" rotWithShape="0">
               <a:srgbClr val="333333">
                 <a:alpha val="64999"/>
               </a:srgbClr>
@@ -6947,6 +6811,7 @@
                 <a:sym typeface="Menlo Regular"/>
               </a:defRPr>
             </a:pPr>
+            <a:endParaRPr/>
           </a:p>
         </p:txBody>
       </p:sp>
@@ -6969,7 +6834,7 @@
           </a:ln>
           <a:extLst>
             <a:ext uri="{C572A759-6A51-4108-AA02-DFA0A04FC94B}">
-              <ma14:wrappingTextBoxFlag xmlns:ma14="http://schemas.microsoft.com/office/mac/drawingml/2011/main" val="1"/>
+              <ma14:wrappingTextBoxFlag xmlns:ma14="http://schemas.microsoft.com/office/mac/drawingml/2011/main" xmlns:a14="http://schemas.microsoft.com/office/drawing/2010/main" xmlns:m="http://schemas.openxmlformats.org/officeDocument/2006/math" xmlns="" val="1"/>
             </a:ext>
           </a:extLst>
         </p:spPr>
@@ -6991,7 +6856,6 @@
             </a:lvl1pPr>
           </a:lstStyle>
           <a:p>
-            <a:pPr/>
             <a:r>
               <a:t>Type the source</a:t>
             </a:r>
@@ -7035,6 +6899,7 @@
                 <a:sym typeface="Menlo Regular"/>
               </a:defRPr>
             </a:pPr>
+            <a:endParaRPr/>
           </a:p>
         </p:txBody>
       </p:sp>
@@ -7092,6 +6957,7 @@
                   <a:sym typeface="Consolas"/>
                 </a:defRPr>
               </a:pPr>
+              <a:endParaRPr/>
             </a:p>
           </p:txBody>
         </p:sp>
@@ -7117,7 +6983,7 @@
             <a:effectLst/>
             <a:extLst>
               <a:ext uri="{C572A759-6A51-4108-AA02-DFA0A04FC94B}">
-                <ma14:wrappingTextBoxFlag xmlns:ma14="http://schemas.microsoft.com/office/mac/drawingml/2011/main" val="1"/>
+                <ma14:wrappingTextBoxFlag xmlns:ma14="http://schemas.microsoft.com/office/mac/drawingml/2011/main" xmlns:a14="http://schemas.microsoft.com/office/drawing/2010/main" xmlns:m="http://schemas.openxmlformats.org/officeDocument/2006/math" xmlns="" val="1"/>
               </a:ext>
             </a:extLst>
           </p:spPr>
@@ -7139,7 +7005,6 @@
               </a:lvl1pPr>
             </a:lstStyle>
             <a:p>
-              <a:pPr/>
               <a:r>
                 <a:t>Java source file name = class name</a:t>
               </a:r>
@@ -7178,7 +7043,7 @@
             </a:cxnLst>
             <a:rect l="0" t="0" r="r" b="b"/>
             <a:pathLst>
-              <a:path w="21600" h="21600" fill="norm" stroke="1" extrusionOk="0">
+              <a:path w="21600" h="21600" extrusionOk="0">
                 <a:moveTo>
                   <a:pt x="21600" y="0"/>
                 </a:moveTo>
@@ -7199,7 +7064,7 @@
           <a:bodyPr/>
           <a:lstStyle/>
           <a:p>
-            <a:pPr/>
+            <a:endParaRPr/>
           </a:p>
         </p:txBody>
       </p:sp>
@@ -7231,7 +7096,9 @@
       <p:sp>
         <p:nvSpPr>
           <p:cNvPr id="199" name="슬라이드 번호 개체 틀 30"/>
-          <p:cNvSpPr txBox="1"/>
+          <p:cNvSpPr txBox="1">
+            <a:spLocks noGrp="1"/>
+          </p:cNvSpPr>
           <p:nvPr>
             <p:ph type="sldNum" sz="quarter" idx="2"/>
           </p:nvPr>
@@ -7246,7 +7113,7 @@
           </a:prstGeom>
           <a:extLst>
             <a:ext uri="{C572A759-6A51-4108-AA02-DFA0A04FC94B}">
-              <ma14:wrappingTextBoxFlag xmlns:ma14="http://schemas.microsoft.com/office/mac/drawingml/2011/main" val="1"/>
+              <ma14:wrappingTextBoxFlag xmlns:ma14="http://schemas.microsoft.com/office/mac/drawingml/2011/main" xmlns:a14="http://schemas.microsoft.com/office/drawing/2010/main" xmlns:m="http://schemas.openxmlformats.org/officeDocument/2006/math" xmlns="" val="1"/>
             </a:ext>
           </a:extLst>
         </p:spPr>
@@ -7254,8 +7121,10 @@
           <a:bodyPr/>
           <a:lstStyle/>
           <a:p>
-            <a:pPr/>
-            <a:fld id="{86CB4B4D-7CA3-9044-876B-883B54F8677D}" type="slidenum"/>
+            <a:fld id="{86CB4B4D-7CA3-9044-876B-883B54F8677D}" type="slidenum">
+              <a:t>19</a:t>
+            </a:fld>
+            <a:endParaRPr/>
           </a:p>
         </p:txBody>
       </p:sp>
@@ -7264,14 +7133,14 @@
   <p:clrMapOvr>
     <a:masterClrMapping/>
   </p:clrMapOvr>
-  <p:transition xmlns:p14="http://schemas.microsoft.com/office/powerpoint/2010/main" spd="med" advClick="1"/>
+  <p:transition spd="med"/>
   <p:timing>
     <p:tnLst>
       <p:par>
-        <p:cTn id="1" nodeType="tmRoot" restart="never" dur="indefinite" fill="hold">
+        <p:cTn id="1" dur="indefinite" restart="never" fill="hold" nodeType="tmRoot">
           <p:childTnLst>
             <p:seq concurrent="1" prevAc="none" nextAc="seek">
-              <p:cTn id="2" nodeType="mainSeq" dur="indefinite" fill="hold">
+              <p:cTn id="2" dur="indefinite" fill="hold" nodeType="mainSeq">
                 <p:childTnLst>
                   <p:par>
                     <p:cTn id="3" fill="hold">
@@ -7286,11 +7155,11 @@
                             </p:stCondLst>
                             <p:childTnLst>
                               <p:par>
-                                <p:cTn id="5" presetClass="entr" nodeType="clickEffect" presetSubtype="0" presetID="1" grpId="1" fill="hold">
+                                <p:cTn id="5" presetID="1" presetClass="entr" presetSubtype="0" fill="hold" grpId="1" nodeType="clickEffect">
                                   <p:stCondLst>
                                     <p:cond delay="0"/>
                                   </p:stCondLst>
-                                  <p:iterate type="el" backwards="0">
+                                  <p:iterate>
                                     <p:tmAbs val="0"/>
                                   </p:iterate>
                                   <p:childTnLst>
@@ -7321,11 +7190,11 @@
                             </p:stCondLst>
                             <p:childTnLst>
                               <p:par>
-                                <p:cTn id="8" presetClass="entr" nodeType="afterEffect" presetSubtype="0" presetID="1" grpId="2" fill="hold">
+                                <p:cTn id="8" presetID="1" presetClass="entr" presetSubtype="0" fill="hold" grpId="2" nodeType="afterEffect">
                                   <p:stCondLst>
                                     <p:cond delay="0"/>
                                   </p:stCondLst>
-                                  <p:iterate type="el" backwards="0">
+                                  <p:iterate>
                                     <p:tmAbs val="0"/>
                                   </p:iterate>
                                   <p:childTnLst>
@@ -7356,11 +7225,11 @@
                             </p:stCondLst>
                             <p:childTnLst>
                               <p:par>
-                                <p:cTn id="11" presetClass="entr" nodeType="afterEffect" presetSubtype="0" presetID="1" grpId="3" fill="hold">
+                                <p:cTn id="11" presetID="1" presetClass="entr" presetSubtype="0" fill="hold" grpId="3" nodeType="afterEffect">
                                   <p:stCondLst>
                                     <p:cond delay="0"/>
                                   </p:stCondLst>
-                                  <p:iterate type="el" backwards="0">
+                                  <p:iterate>
                                     <p:tmAbs val="0"/>
                                   </p:iterate>
                                   <p:childTnLst>
@@ -7400,11 +7269,11 @@
                             </p:stCondLst>
                             <p:childTnLst>
                               <p:par>
-                                <p:cTn id="15" presetClass="entr" nodeType="clickEffect" presetSubtype="0" presetID="1" grpId="4" fill="hold">
+                                <p:cTn id="15" presetID="1" presetClass="entr" presetSubtype="0" fill="hold" grpId="4" nodeType="clickEffect">
                                   <p:stCondLst>
                                     <p:cond delay="0"/>
                                   </p:stCondLst>
-                                  <p:iterate type="el" backwards="0">
+                                  <p:iterate>
                                     <p:tmAbs val="0"/>
                                   </p:iterate>
                                   <p:childTnLst>
@@ -7435,11 +7304,11 @@
                             </p:stCondLst>
                             <p:childTnLst>
                               <p:par>
-                                <p:cTn id="18" presetClass="entr" nodeType="afterEffect" presetSubtype="0" presetID="1" grpId="5" fill="hold">
+                                <p:cTn id="18" presetID="1" presetClass="entr" presetSubtype="0" fill="hold" grpId="5" nodeType="afterEffect">
                                   <p:stCondLst>
                                     <p:cond delay="0"/>
                                   </p:stCondLst>
-                                  <p:iterate type="el" backwards="0">
+                                  <p:iterate>
                                     <p:tmAbs val="0"/>
                                   </p:iterate>
                                   <p:childTnLst>
@@ -7470,11 +7339,11 @@
                             </p:stCondLst>
                             <p:childTnLst>
                               <p:par>
-                                <p:cTn id="21" presetClass="entr" nodeType="afterEffect" presetSubtype="0" presetID="1" grpId="6" fill="hold">
+                                <p:cTn id="21" presetID="1" presetClass="entr" presetSubtype="0" fill="hold" grpId="6" nodeType="afterEffect">
                                   <p:stCondLst>
                                     <p:cond delay="0"/>
                                   </p:stCondLst>
-                                  <p:iterate type="el" backwards="0">
+                                  <p:iterate>
                                     <p:tmAbs val="0"/>
                                   </p:iterate>
                                   <p:childTnLst>
@@ -7504,14 +7373,14 @@
                 </p:childTnLst>
               </p:cTn>
               <p:prevCondLst>
-                <p:cond evt="onPrev">
+                <p:cond evt="onPrev" delay="0">
                   <p:tgtEl>
                     <p:sldTgt/>
                   </p:tgtEl>
                 </p:cond>
               </p:prevCondLst>
               <p:nextCondLst>
-                <p:cond evt="onNext">
+                <p:cond evt="onNext" delay="0">
                   <p:tgtEl>
                     <p:sldTgt/>
                   </p:tgtEl>
@@ -7523,19 +7392,19 @@
       </p:par>
     </p:tnLst>
     <p:bldLst>
-      <p:bldP build="whole" bldLvl="1" animBg="1" rev="0" advAuto="0" spid="198" grpId="6"/>
-      <p:bldP build="whole" bldLvl="1" animBg="1" rev="0" advAuto="0" spid="200" grpId="3"/>
-      <p:bldP build="whole" bldLvl="1" animBg="1" rev="0" advAuto="0" spid="193" grpId="1"/>
-      <p:bldP build="whole" bldLvl="1" animBg="1" rev="0" advAuto="0" spid="192" grpId="5"/>
-      <p:bldP build="whole" bldLvl="1" animBg="1" rev="0" advAuto="0" spid="191" grpId="4"/>
-      <p:bldP build="whole" bldLvl="1" animBg="1" rev="0" advAuto="0" spid="196" grpId="2"/>
+      <p:bldP spid="191" grpId="4" animBg="1" advAuto="0"/>
+      <p:bldP spid="192" grpId="5" animBg="1" advAuto="0"/>
+      <p:bldP spid="193" grpId="1" animBg="1" advAuto="0"/>
+      <p:bldP spid="196" grpId="2" animBg="1" advAuto="0"/>
+      <p:bldP spid="200" grpId="3" animBg="1" advAuto="0"/>
+      <p:bldP spid="198" grpId="6" animBg="1" advAuto="0"/>
     </p:bldLst>
   </p:timing>
 </p:sld>
 </file>
 
 <file path=ppt/slides/slide2.xml><?xml version="1.0" encoding="utf-8"?>
-<p:sld xmlns:a="http://schemas.openxmlformats.org/drawingml/2006/main" xmlns:r="http://schemas.openxmlformats.org/officeDocument/2006/relationships" xmlns:p="http://schemas.openxmlformats.org/presentationml/2006/main" xmlns:m="http://schemas.openxmlformats.org/officeDocument/2006/math" xmlns:a14="http://schemas.microsoft.com/office/drawing/2010/main" showMasterSp="1" showMasterPhAnim="1">
+<p:sld xmlns:a="http://schemas.openxmlformats.org/drawingml/2006/main" xmlns:r="http://schemas.openxmlformats.org/officeDocument/2006/relationships" xmlns:p="http://schemas.openxmlformats.org/presentationml/2006/main">
   <p:cSld>
     <p:spTree>
       <p:nvGrpSpPr>
@@ -7554,7 +7423,9 @@
       <p:sp>
         <p:nvSpPr>
           <p:cNvPr id="43" name="제목 1"/>
-          <p:cNvSpPr txBox="1"/>
+          <p:cNvSpPr txBox="1">
+            <a:spLocks noGrp="1"/>
+          </p:cNvSpPr>
           <p:nvPr>
             <p:ph type="title"/>
           </p:nvPr>
@@ -7572,181 +7443,215 @@
           <a:bodyPr/>
           <a:lstStyle/>
           <a:p>
-            <a:pPr/>
-            <a:r>
-              <a:t>JDK and</a:t>
-            </a:r>
-            <a:r>
-              <a:t> </a:t>
-            </a:r>
-            <a:r>
-              <a:t>JRE</a:t>
-            </a:r>
-          </a:p>
-        </p:txBody>
-      </p:sp>
-      <p:sp>
-        <p:nvSpPr>
-          <p:cNvPr id="44" name="내용 개체 틀 2"/>
-          <p:cNvSpPr txBox="1"/>
-          <p:nvPr>
-            <p:ph type="body" idx="1"/>
-          </p:nvPr>
-        </p:nvSpPr>
-        <p:spPr>
-          <a:xfrm>
-            <a:off x="551383" y="1124741"/>
-            <a:ext cx="11043248" cy="5400604"/>
-          </a:xfrm>
-          <a:prstGeom prst="rect">
-            <a:avLst/>
-          </a:prstGeom>
-        </p:spPr>
-        <p:txBody>
-          <a:bodyPr/>
-          <a:lstStyle/>
-          <a:p>
-            <a:pPr/>
-            <a:r>
-              <a:t>JDK (Java Development Kit)</a:t>
-            </a:r>
-          </a:p>
-          <a:p>
-            <a:pPr lvl="1" marL="742950" indent="-285750">
-              <a:buFont typeface="Helvetica"/>
-              <a:defRPr sz="2000"/>
-            </a:pPr>
-            <a:r>
-              <a:t>Including tools for develop</a:t>
-            </a:r>
-            <a:r>
-              <a:rPr sz="2300"/>
-              <a:t>ers</a:t>
-            </a:r>
-          </a:p>
-          <a:p>
-            <a:pPr lvl="1" marL="742950" indent="-285750">
-              <a:buFont typeface="Helvetica"/>
-              <a:defRPr sz="2000"/>
-            </a:pPr>
-            <a:r>
-              <a:t>JVM, Java Compiler,</a:t>
-            </a:r>
-            <a:r>
-              <a:t> </a:t>
-            </a:r>
-            <a:r>
-              <a:t>...</a:t>
-            </a:r>
-            <a:endParaRPr sz="2300"/>
-          </a:p>
-          <a:p>
-            <a:pPr lvl="1" marL="0" indent="457200">
-              <a:buSzTx/>
-              <a:buNone/>
-              <a:defRPr sz="2000"/>
-            </a:pPr>
-          </a:p>
-          <a:p>
-            <a:pPr/>
-            <a:r>
-              <a:t>JRE (Java Runtime Environment)</a:t>
-            </a:r>
-          </a:p>
-          <a:p>
-            <a:pPr lvl="1" marL="742950" indent="-285750">
-              <a:buFont typeface="Helvetica"/>
-              <a:defRPr sz="2000"/>
-            </a:pPr>
-            <a:r>
-              <a:t>Execution environment for program users</a:t>
-            </a:r>
-            <a:endParaRPr sz="2300"/>
-          </a:p>
-          <a:p>
-            <a:pPr lvl="1" marL="742950" indent="-285750">
-              <a:buFont typeface="Helvetica"/>
-              <a:defRPr sz="2000"/>
-            </a:pPr>
-            <a:r>
-              <a:t>Including JVM but no development tools</a:t>
-            </a:r>
-            <a:endParaRPr sz="2300"/>
-          </a:p>
-          <a:p>
-            <a:pPr lvl="1" marL="742950" indent="-285750">
-              <a:buFont typeface="Helvetica"/>
-              <a:defRPr sz="2300"/>
-            </a:pPr>
-            <a:r>
-              <a:t>JRE </a:t>
-            </a:r>
-            <a14:m>
-              <m:oMath>
-                <m:r>
-                  <a:rPr xmlns:a="http://schemas.openxmlformats.org/drawingml/2006/main" sz="2300" i="1">
+            <a:r>
+              <a:t>JDK and JRE</a:t>
+            </a:r>
+          </a:p>
+        </p:txBody>
+      </p:sp>
+      <mc:AlternateContent xmlns:mc="http://schemas.openxmlformats.org/markup-compatibility/2006">
+        <mc:Choice xmlns:a14="http://schemas.microsoft.com/office/drawing/2010/main" Requires="a14">
+          <p:sp>
+            <p:nvSpPr>
+              <p:cNvPr id="44" name="내용 개체 틀 2"/>
+              <p:cNvSpPr txBox="1">
+                <a:spLocks noGrp="1"/>
+              </p:cNvSpPr>
+              <p:nvPr>
+                <p:ph type="body" idx="1"/>
+              </p:nvPr>
+            </p:nvSpPr>
+            <p:spPr>
+              <a:xfrm>
+                <a:off x="551383" y="1124741"/>
+                <a:ext cx="11043248" cy="5400604"/>
+              </a:xfrm>
+              <a:prstGeom prst="rect">
+                <a:avLst/>
+              </a:prstGeom>
+            </p:spPr>
+            <p:txBody>
+              <a:bodyPr/>
+              <a:lstStyle/>
+              <a:p>
+                <a:r>
+                  <a:t>JDK (Java Development Kit)</a:t>
+                </a:r>
+              </a:p>
+              <a:p>
+                <a:pPr marL="742950" lvl="1" indent="-285750">
+                  <a:buFont typeface="Helvetica"/>
+                  <a:defRPr sz="2000"/>
+                </a:pPr>
+                <a:r>
+                  <a:t>Including tools for develop</a:t>
+                </a:r>
+                <a:r>
+                  <a:rPr sz="2300"/>
+                  <a:t>ers</a:t>
+                </a:r>
+              </a:p>
+              <a:p>
+                <a:pPr marL="742950" lvl="1" indent="-285750">
+                  <a:buFont typeface="Helvetica"/>
+                  <a:defRPr sz="2000"/>
+                </a:pPr>
+                <a:r>
+                  <a:t>JVM, Java Compiler, ...</a:t>
+                </a:r>
+                <a:endParaRPr sz="2300"/>
+              </a:p>
+              <a:p>
+                <a:pPr marL="0" lvl="1" indent="457200">
+                  <a:buSzTx/>
+                  <a:buNone/>
+                  <a:defRPr sz="2000"/>
+                </a:pPr>
+                <a:endParaRPr sz="2300"/>
+              </a:p>
+              <a:p>
+                <a:r>
+                  <a:t>JRE (Java Runtime Environment)</a:t>
+                </a:r>
+              </a:p>
+              <a:p>
+                <a:pPr marL="742950" lvl="1" indent="-285750">
+                  <a:buFont typeface="Helvetica"/>
+                  <a:defRPr sz="2000"/>
+                </a:pPr>
+                <a:r>
+                  <a:t>Execution environment for program users</a:t>
+                </a:r>
+                <a:endParaRPr sz="2300"/>
+              </a:p>
+              <a:p>
+                <a:pPr marL="742950" lvl="1" indent="-285750">
+                  <a:buFont typeface="Helvetica"/>
+                  <a:defRPr sz="2000"/>
+                </a:pPr>
+                <a:r>
+                  <a:t>Including JVM but no development tools</a:t>
+                </a:r>
+                <a:endParaRPr sz="2300"/>
+              </a:p>
+              <a:p>
+                <a:pPr marL="742950" lvl="1" indent="-285750">
+                  <a:buFont typeface="Helvetica"/>
+                  <a:defRPr sz="2300"/>
+                </a:pPr>
+                <a:r>
+                  <a:t>JRE </a:t>
+                </a:r>
+                <a14:m>
+                  <m:oMath xmlns:m="http://schemas.openxmlformats.org/officeDocument/2006/math">
+                    <m:r>
+                      <a:rPr sz="2300" i="1">
+                        <a:solidFill>
+                          <a:srgbClr val="464646"/>
+                        </a:solidFill>
+                        <a:latin typeface="Cambria Math" panose="02040503050406030204" pitchFamily="18" charset="0"/>
+                      </a:rPr>
+                      <m:t>⊂</m:t>
+                    </m:r>
+                  </m:oMath>
+                </a14:m>
+                <a:r>
+                  <a:rPr sz="2000"/>
+                  <a:t> JDK</a:t>
+                </a:r>
+              </a:p>
+              <a:p>
+                <a:pPr marL="742950" lvl="1" indent="-285750">
+                  <a:buFont typeface="Helvetica"/>
+                  <a:defRPr sz="2000"/>
+                </a:pPr>
+                <a:endParaRPr sz="2000"/>
+              </a:p>
+              <a:p>
+                <a:r>
+                  <a:t>Distributing JDK and JRE</a:t>
+                </a:r>
+              </a:p>
+              <a:p>
+                <a:pPr marL="742950" lvl="1" indent="-285750">
+                  <a:buFont typeface="Helvetica"/>
+                  <a:defRPr sz="2000"/>
+                </a:pPr>
+                <a:r>
+                  <a:t>Oracle’s Java Technology Site</a:t>
+                </a:r>
+                <a:endParaRPr sz="2300"/>
+              </a:p>
+              <a:p>
+                <a:pPr marL="1143000" lvl="2" indent="-228600">
+                  <a:buFontTx/>
+                  <a:defRPr sz="1800"/>
+                </a:pPr>
+                <a:r>
+                  <a:rPr u="sng">
                     <a:solidFill>
-                      <a:srgbClr val="464646"/>
+                      <a:srgbClr val="80878B"/>
                     </a:solidFill>
-                    <a:latin typeface="Cambria Math" panose="02040503050406030204" pitchFamily="18" charset="0"/>
+                    <a:uFill>
+                      <a:solidFill>
+                        <a:srgbClr val="80878B"/>
+                      </a:solidFill>
+                    </a:uFill>
+                    <a:hlinkClick r:id="rId3"/>
                   </a:rPr>
-                  <m:t>⊂</m:t>
-                </m:r>
-              </m:oMath>
-            </a14:m>
-            <a:r>
-              <a:rPr sz="2000"/>
-              <a:t> JDK</a:t>
-            </a:r>
-          </a:p>
-          <a:p>
-            <a:pPr lvl="1" marL="742950" indent="-285750">
-              <a:buFont typeface="Helvetica"/>
-              <a:defRPr sz="2000"/>
-            </a:pPr>
-          </a:p>
-          <a:p>
-            <a:pPr/>
-            <a:r>
-              <a:t>Distributing JDK and JRE</a:t>
-            </a:r>
-          </a:p>
-          <a:p>
-            <a:pPr lvl="1" marL="742950" indent="-285750">
-              <a:buFont typeface="Helvetica"/>
-              <a:defRPr sz="2000"/>
-            </a:pPr>
-            <a:r>
-              <a:t>Oracle’s Java Technology Site</a:t>
-            </a:r>
-            <a:endParaRPr sz="2300"/>
-          </a:p>
-          <a:p>
-            <a:pPr lvl="2" marL="1143000" indent="-228600">
-              <a:buFontTx/>
-              <a:defRPr sz="1800"/>
-            </a:pPr>
-            <a:r>
-              <a:rPr u="sng">
-                <a:solidFill>
-                  <a:srgbClr val="80878B"/>
-                </a:solidFill>
-                <a:uFill>
-                  <a:solidFill>
-                    <a:srgbClr val="80878B"/>
-                  </a:solidFill>
-                </a:uFill>
-                <a:hlinkClick r:id="rId3" invalidUrl="" action="" tgtFrame="" tooltip="" history="1" highlightClick="0" endSnd="0"/>
-              </a:rPr>
-              <a:t>https://www.oracle.com/java/technologies/</a:t>
-            </a:r>
-          </a:p>
-        </p:txBody>
-      </p:sp>
+                  <a:t>https://www.oracle.com/java/technologies/</a:t>
+                </a:r>
+              </a:p>
+            </p:txBody>
+          </p:sp>
+        </mc:Choice>
+        <mc:Fallback>
+          <p:sp>
+            <p:nvSpPr>
+              <p:cNvPr id="44" name="내용 개체 틀 2"/>
+              <p:cNvSpPr txBox="1">
+                <a:spLocks noGrp="1" noRot="1" noChangeAspect="1" noMove="1" noResize="1" noEditPoints="1" noAdjustHandles="1" noChangeArrowheads="1" noChangeShapeType="1" noTextEdit="1"/>
+              </p:cNvSpPr>
+              <p:nvPr>
+                <p:ph type="body" idx="1"/>
+              </p:nvPr>
+            </p:nvSpPr>
+            <p:spPr>
+              <a:xfrm>
+                <a:off x="551383" y="1124741"/>
+                <a:ext cx="11043248" cy="5400604"/>
+              </a:xfrm>
+              <a:prstGeom prst="rect">
+                <a:avLst/>
+              </a:prstGeom>
+              <a:blipFill>
+                <a:blip r:embed="rId4"/>
+                <a:stretch>
+                  <a:fillRect l="-1149" t="-939"/>
+                </a:stretch>
+              </a:blipFill>
+            </p:spPr>
+            <p:txBody>
+              <a:bodyPr/>
+              <a:lstStyle/>
+              <a:p>
+                <a:r>
+                  <a:rPr lang="ko-KR" altLang="en-US">
+                    <a:noFill/>
+                  </a:rPr>
+                  <a:t> </a:t>
+                </a:r>
+              </a:p>
+            </p:txBody>
+          </p:sp>
+        </mc:Fallback>
+      </mc:AlternateContent>
       <p:sp>
         <p:nvSpPr>
           <p:cNvPr id="45" name="슬라이드 번호 개체 틀 3"/>
-          <p:cNvSpPr txBox="1"/>
+          <p:cNvSpPr txBox="1">
+            <a:spLocks noGrp="1"/>
+          </p:cNvSpPr>
           <p:nvPr>
             <p:ph type="sldNum" sz="quarter" idx="2"/>
           </p:nvPr>
@@ -7761,13 +7666,13 @@
           </a:prstGeom>
           <a:extLst>
             <a:ext uri="{C572A759-6A51-4108-AA02-DFA0A04FC94B}">
-              <ma14:wrappingTextBoxFlag xmlns:ma14="http://schemas.microsoft.com/office/mac/drawingml/2011/main" val="1"/>
+              <ma14:wrappingTextBoxFlag xmlns:ma14="http://schemas.microsoft.com/office/mac/drawingml/2011/main" xmlns:a14="http://schemas.microsoft.com/office/drawing/2010/main" xmlns:m="http://schemas.openxmlformats.org/officeDocument/2006/math" xmlns="" val="1"/>
             </a:ext>
           </a:extLst>
         </p:spPr>
         <p:txBody>
           <a:bodyPr>
-            <a:normAutofit fontScale="100000" lnSpcReduction="0"/>
+            <a:normAutofit/>
           </a:bodyPr>
           <a:lstStyle>
             <a:lvl1pPr>
@@ -7778,8 +7683,10 @@
             </a:lvl1pPr>
           </a:lstStyle>
           <a:p>
-            <a:pPr/>
-            <a:fld id="{86CB4B4D-7CA3-9044-876B-883B54F8677D}" type="slidenum"/>
+            <a:fld id="{86CB4B4D-7CA3-9044-876B-883B54F8677D}" type="slidenum">
+              <a:t>2</a:t>
+            </a:fld>
+            <a:endParaRPr/>
           </a:p>
         </p:txBody>
       </p:sp>
@@ -7792,9 +7699,7 @@
           <p:nvPr/>
         </p:nvPicPr>
         <p:blipFill>
-          <a:blip r:embed="rId4">
-            <a:extLst/>
-          </a:blip>
+          <a:blip r:embed="rId5"/>
           <a:srcRect l="552" t="735" r="59723" b="72045"/>
           <a:stretch>
             <a:fillRect/>
@@ -7814,7 +7719,7 @@
             </a:solidFill>
           </a:ln>
           <a:effectLst>
-            <a:outerShdw sx="100000" sy="100000" kx="0" ky="0" algn="b" rotWithShape="0" blurRad="292100" dist="139700" dir="2700000">
+            <a:outerShdw blurRad="292100" dist="139700" dir="2700000" rotWithShape="0">
               <a:srgbClr val="333333">
                 <a:alpha val="64999"/>
               </a:srgbClr>
@@ -7841,7 +7746,7 @@
           </a:ln>
           <a:extLst>
             <a:ext uri="{C572A759-6A51-4108-AA02-DFA0A04FC94B}">
-              <ma14:wrappingTextBoxFlag xmlns:ma14="http://schemas.microsoft.com/office/mac/drawingml/2011/main" val="1"/>
+              <ma14:wrappingTextBoxFlag xmlns:ma14="http://schemas.microsoft.com/office/mac/drawingml/2011/main" xmlns:a14="http://schemas.microsoft.com/office/drawing/2010/main" xmlns:m="http://schemas.openxmlformats.org/officeDocument/2006/math" xmlns="" val="1"/>
             </a:ext>
           </a:extLst>
         </p:spPr>
@@ -7863,7 +7768,6 @@
             </a:lvl1pPr>
           </a:lstStyle>
           <a:p>
-            <a:pPr/>
             <a:r>
               <a:t>JDK</a:t>
             </a:r>
@@ -7889,7 +7793,7 @@
           </a:ln>
           <a:extLst>
             <a:ext uri="{C572A759-6A51-4108-AA02-DFA0A04FC94B}">
-              <ma14:wrappingTextBoxFlag xmlns:ma14="http://schemas.microsoft.com/office/mac/drawingml/2011/main" val="1"/>
+              <ma14:wrappingTextBoxFlag xmlns:ma14="http://schemas.microsoft.com/office/mac/drawingml/2011/main" xmlns:a14="http://schemas.microsoft.com/office/drawing/2010/main" xmlns:m="http://schemas.openxmlformats.org/officeDocument/2006/math" xmlns="" val="1"/>
             </a:ext>
           </a:extLst>
         </p:spPr>
@@ -7911,7 +7815,6 @@
             </a:lvl1pPr>
           </a:lstStyle>
           <a:p>
-            <a:pPr/>
             <a:r>
               <a:t>JRE</a:t>
             </a:r>
@@ -7956,6 +7859,7 @@
                 <a:sym typeface="Menlo Regular"/>
               </a:defRPr>
             </a:pPr>
+            <a:endParaRPr/>
           </a:p>
         </p:txBody>
       </p:sp>
@@ -7964,20 +7868,20 @@
   <p:clrMapOvr>
     <a:masterClrMapping/>
   </p:clrMapOvr>
-  <p:transition xmlns:p14="http://schemas.microsoft.com/office/powerpoint/2010/main" spd="med" advClick="1"/>
+  <p:transition spd="med"/>
   <p:timing>
     <p:tnLst>
       <p:par>
-        <p:cTn id="1" nodeType="tmRoot" restart="never" dur="indefinite" fill="hold">
+        <p:cTn id="1" dur="indefinite" restart="never" fill="hold" nodeType="tmRoot">
           <p:childTnLst>
             <p:seq concurrent="1" prevAc="none" nextAc="seek">
-              <p:cTn id="2" nodeType="mainSeq" dur="indefinite" fill="hold">
+              <p:cTn id="2" dur="indefinite" fill="hold" nodeType="mainSeq">
                 <p:childTnLst>
                   <p:par>
                     <p:cTn id="3" fill="hold">
                       <p:stCondLst>
                         <p:cond delay="indefinite"/>
-                        <p:cond evt="onBegin">
+                        <p:cond evt="onBegin" delay="0">
                           <p:tn val="2"/>
                         </p:cond>
                       </p:stCondLst>
@@ -7989,11 +7893,11 @@
                             </p:stCondLst>
                             <p:childTnLst>
                               <p:par>
-                                <p:cTn id="5" presetClass="entr" nodeType="afterEffect" presetSubtype="0" presetID="1" grpId="1" fill="hold">
+                                <p:cTn id="5" presetID="1" presetClass="entr" presetSubtype="0" fill="hold" grpId="1" nodeType="afterEffect">
                                   <p:stCondLst>
                                     <p:cond delay="0"/>
                                   </p:stCondLst>
-                                  <p:iterate type="el" backwards="0">
+                                  <p:iterate>
                                     <p:tmAbs val="0"/>
                                   </p:iterate>
                                   <p:childTnLst>
@@ -8017,11 +7921,11 @@
                                 </p:cTn>
                               </p:par>
                               <p:par>
-                                <p:cTn id="7" presetClass="entr" nodeType="withEffect" presetSubtype="0" presetID="1" grpId="1" fill="hold">
+                                <p:cTn id="7" presetID="1" presetClass="entr" presetSubtype="0" fill="hold" grpId="1" nodeType="withEffect">
                                   <p:stCondLst>
                                     <p:cond delay="0"/>
                                   </p:stCondLst>
-                                  <p:iterate type="el" backwards="0">
+                                  <p:iterate>
                                     <p:tmAbs val="0"/>
                                   </p:iterate>
                                   <p:childTnLst>
@@ -8047,11 +7951,11 @@
                                 </p:cTn>
                               </p:par>
                               <p:par>
-                                <p:cTn id="9" presetClass="entr" nodeType="withEffect" presetSubtype="0" presetID="1" grpId="1" fill="hold">
+                                <p:cTn id="9" presetID="1" presetClass="entr" presetSubtype="0" fill="hold" grpId="1" nodeType="withEffect">
                                   <p:stCondLst>
                                     <p:cond delay="0"/>
                                   </p:stCondLst>
-                                  <p:iterate type="el" backwards="0">
+                                  <p:iterate>
                                     <p:tmAbs val="0"/>
                                   </p:iterate>
                                   <p:childTnLst>
@@ -8077,11 +7981,11 @@
                                 </p:cTn>
                               </p:par>
                               <p:par>
-                                <p:cTn id="11" presetClass="entr" nodeType="withEffect" presetSubtype="0" presetID="1" grpId="1" fill="hold">
+                                <p:cTn id="11" presetID="1" presetClass="entr" presetSubtype="0" fill="hold" grpId="1" nodeType="withEffect">
                                   <p:stCondLst>
                                     <p:cond delay="0"/>
                                   </p:stCondLst>
-                                  <p:iterate type="el" backwards="0">
+                                  <p:iterate>
                                     <p:tmAbs val="0"/>
                                   </p:iterate>
                                   <p:childTnLst>
@@ -8107,11 +8011,11 @@
                                 </p:cTn>
                               </p:par>
                               <p:par>
-                                <p:cTn id="13" presetClass="entr" nodeType="withEffect" presetSubtype="0" presetID="1" grpId="1" fill="hold">
+                                <p:cTn id="13" presetID="1" presetClass="entr" presetSubtype="0" fill="hold" grpId="1" nodeType="withEffect">
                                   <p:stCondLst>
                                     <p:cond delay="0"/>
                                   </p:stCondLst>
-                                  <p:iterate type="el" backwards="0">
+                                  <p:iterate>
                                     <p:tmAbs val="0"/>
                                   </p:iterate>
                                   <p:childTnLst>
@@ -8146,11 +8050,11 @@
                             </p:stCondLst>
                             <p:childTnLst>
                               <p:par>
-                                <p:cTn id="16" presetClass="entr" nodeType="afterEffect" presetSubtype="0" presetID="1" grpId="2" fill="hold">
+                                <p:cTn id="16" presetID="1" presetClass="entr" presetSubtype="0" fill="hold" grpId="2" nodeType="afterEffect">
                                   <p:stCondLst>
                                     <p:cond delay="0"/>
                                   </p:stCondLst>
-                                  <p:iterate type="el" backwards="0">
+                                  <p:iterate>
                                     <p:tmAbs val="0"/>
                                   </p:iterate>
                                   <p:childTnLst>
@@ -8181,11 +8085,11 @@
                             </p:stCondLst>
                             <p:childTnLst>
                               <p:par>
-                                <p:cTn id="19" presetClass="entr" nodeType="afterEffect" presetSubtype="0" presetID="1" grpId="3" fill="hold">
+                                <p:cTn id="19" presetID="1" presetClass="entr" presetSubtype="0" fill="hold" grpId="3" nodeType="afterEffect">
                                   <p:stCondLst>
                                     <p:cond delay="0"/>
                                   </p:stCondLst>
-                                  <p:iterate type="el" backwards="0">
+                                  <p:iterate>
                                     <p:tmAbs val="0"/>
                                   </p:iterate>
                                   <p:childTnLst>
@@ -8225,11 +8129,11 @@
                             </p:stCondLst>
                             <p:childTnLst>
                               <p:par>
-                                <p:cTn id="23" presetClass="entr" nodeType="clickEffect" presetSubtype="0" presetID="1" grpId="1" fill="hold">
+                                <p:cTn id="23" presetID="1" presetClass="entr" presetSubtype="0" fill="hold" grpId="1" nodeType="clickEffect">
                                   <p:stCondLst>
                                     <p:cond delay="0"/>
                                   </p:stCondLst>
-                                  <p:iterate type="el" backwards="0">
+                                  <p:iterate>
                                     <p:tmAbs val="0"/>
                                   </p:iterate>
                                   <p:childTnLst>
@@ -8255,11 +8159,11 @@
                                 </p:cTn>
                               </p:par>
                               <p:par>
-                                <p:cTn id="25" presetClass="entr" nodeType="withEffect" presetSubtype="0" presetID="1" grpId="1" fill="hold">
+                                <p:cTn id="25" presetID="1" presetClass="entr" presetSubtype="0" fill="hold" grpId="1" nodeType="withEffect">
                                   <p:stCondLst>
                                     <p:cond delay="0"/>
                                   </p:stCondLst>
-                                  <p:iterate type="el" backwards="0">
+                                  <p:iterate>
                                     <p:tmAbs val="0"/>
                                   </p:iterate>
                                   <p:childTnLst>
@@ -8285,11 +8189,11 @@
                                 </p:cTn>
                               </p:par>
                               <p:par>
-                                <p:cTn id="27" presetClass="entr" nodeType="withEffect" presetSubtype="0" presetID="1" grpId="1" fill="hold">
+                                <p:cTn id="27" presetID="1" presetClass="entr" presetSubtype="0" fill="hold" grpId="1" nodeType="withEffect">
                                   <p:stCondLst>
                                     <p:cond delay="0"/>
                                   </p:stCondLst>
-                                  <p:iterate type="el" backwards="0">
+                                  <p:iterate>
                                     <p:tmAbs val="0"/>
                                   </p:iterate>
                                   <p:childTnLst>
@@ -8315,11 +8219,11 @@
                                 </p:cTn>
                               </p:par>
                               <p:par>
-                                <p:cTn id="29" presetClass="entr" nodeType="withEffect" presetSubtype="0" presetID="1" grpId="1" fill="hold">
+                                <p:cTn id="29" presetID="1" presetClass="entr" presetSubtype="0" fill="hold" grpId="1" nodeType="withEffect">
                                   <p:stCondLst>
                                     <p:cond delay="0"/>
                                   </p:stCondLst>
-                                  <p:iterate type="el" backwards="0">
+                                  <p:iterate>
                                     <p:tmAbs val="0"/>
                                   </p:iterate>
                                   <p:childTnLst>
@@ -8345,11 +8249,11 @@
                                 </p:cTn>
                               </p:par>
                               <p:par>
-                                <p:cTn id="31" presetClass="entr" nodeType="withEffect" presetSubtype="0" presetID="1" grpId="1" fill="hold">
+                                <p:cTn id="31" presetID="1" presetClass="entr" presetSubtype="0" fill="hold" grpId="1" nodeType="withEffect">
                                   <p:stCondLst>
                                     <p:cond delay="0"/>
                                   </p:stCondLst>
-                                  <p:iterate type="el" backwards="0">
+                                  <p:iterate>
                                     <p:tmAbs val="0"/>
                                   </p:iterate>
                                   <p:childTnLst>
@@ -8384,11 +8288,11 @@
                             </p:stCondLst>
                             <p:childTnLst>
                               <p:par>
-                                <p:cTn id="34" presetClass="entr" nodeType="afterEffect" presetSubtype="0" presetID="1" grpId="4" fill="hold">
+                                <p:cTn id="34" presetID="1" presetClass="entr" presetSubtype="0" fill="hold" grpId="4" nodeType="afterEffect">
                                   <p:stCondLst>
                                     <p:cond delay="0"/>
                                   </p:stCondLst>
-                                  <p:iterate type="el" backwards="0">
+                                  <p:iterate>
                                     <p:tmAbs val="0"/>
                                   </p:iterate>
                                   <p:childTnLst>
@@ -8419,11 +8323,11 @@
                             </p:stCondLst>
                             <p:childTnLst>
                               <p:par>
-                                <p:cTn id="37" presetClass="entr" nodeType="afterEffect" presetSubtype="0" presetID="1" grpId="5" fill="hold">
+                                <p:cTn id="37" presetID="1" presetClass="entr" presetSubtype="0" fill="hold" grpId="5" nodeType="afterEffect">
                                   <p:stCondLst>
                                     <p:cond delay="0"/>
                                   </p:stCondLst>
-                                  <p:iterate type="el" backwards="0">
+                                  <p:iterate>
                                     <p:tmAbs val="0"/>
                                   </p:iterate>
                                   <p:childTnLst>
@@ -8463,11 +8367,11 @@
                             </p:stCondLst>
                             <p:childTnLst>
                               <p:par>
-                                <p:cTn id="41" presetClass="entr" nodeType="clickEffect" presetSubtype="0" presetID="1" grpId="1" fill="hold">
+                                <p:cTn id="41" presetID="1" presetClass="entr" presetSubtype="0" fill="hold" grpId="1" nodeType="clickEffect">
                                   <p:stCondLst>
                                     <p:cond delay="0"/>
                                   </p:stCondLst>
-                                  <p:iterate type="el" backwards="0">
+                                  <p:iterate>
                                     <p:tmAbs val="0"/>
                                   </p:iterate>
                                   <p:childTnLst>
@@ -8493,11 +8397,11 @@
                                 </p:cTn>
                               </p:par>
                               <p:par>
-                                <p:cTn id="43" presetClass="entr" nodeType="withEffect" presetSubtype="0" presetID="1" grpId="1" fill="hold">
+                                <p:cTn id="43" presetID="1" presetClass="entr" presetSubtype="0" fill="hold" grpId="1" nodeType="withEffect">
                                   <p:stCondLst>
                                     <p:cond delay="0"/>
                                   </p:stCondLst>
-                                  <p:iterate type="el" backwards="0">
+                                  <p:iterate>
                                     <p:tmAbs val="0"/>
                                   </p:iterate>
                                   <p:childTnLst>
@@ -8523,11 +8427,11 @@
                                 </p:cTn>
                               </p:par>
                               <p:par>
-                                <p:cTn id="45" presetClass="entr" nodeType="withEffect" presetSubtype="0" presetID="1" grpId="1" fill="hold">
+                                <p:cTn id="45" presetID="1" presetClass="entr" presetSubtype="0" fill="hold" grpId="1" nodeType="withEffect">
                                   <p:stCondLst>
                                     <p:cond delay="0"/>
                                   </p:stCondLst>
-                                  <p:iterate type="el" backwards="0">
+                                  <p:iterate>
                                     <p:tmAbs val="0"/>
                                   </p:iterate>
                                   <p:childTnLst>
@@ -8561,14 +8465,14 @@
                 </p:childTnLst>
               </p:cTn>
               <p:prevCondLst>
-                <p:cond evt="onPrev">
+                <p:cond evt="onPrev" delay="0">
                   <p:tgtEl>
                     <p:sldTgt/>
                   </p:tgtEl>
                 </p:cond>
               </p:prevCondLst>
               <p:nextCondLst>
-                <p:cond evt="onNext">
+                <p:cond evt="onNext" delay="0">
                   <p:tgtEl>
                     <p:sldTgt/>
                   </p:tgtEl>
@@ -8580,18 +8484,18 @@
       </p:par>
     </p:tnLst>
     <p:bldLst>
-      <p:bldP build="whole" bldLvl="1" animBg="1" rev="0" advAuto="0" spid="49" grpId="4"/>
-      <p:bldP build="whole" bldLvl="1" animBg="1" rev="0" advAuto="0" spid="47" grpId="3"/>
-      <p:bldP build="whole" bldLvl="1" animBg="1" rev="0" advAuto="0" spid="48" grpId="5"/>
-      <p:bldP build="whole" bldLvl="1" animBg="1" rev="0" advAuto="0" spid="46" grpId="2"/>
-      <p:bldP build="p" bldLvl="1" animBg="1" rev="0" advAuto="0" spid="44" grpId="1"/>
+      <p:bldP spid="44" grpId="1" build="p" animBg="1" advAuto="0"/>
+      <p:bldP spid="46" grpId="2" animBg="1" advAuto="0"/>
+      <p:bldP spid="47" grpId="3" animBg="1" advAuto="0"/>
+      <p:bldP spid="48" grpId="5" animBg="1" advAuto="0"/>
+      <p:bldP spid="49" grpId="4" animBg="1" advAuto="0"/>
     </p:bldLst>
   </p:timing>
 </p:sld>
 </file>
 
 <file path=ppt/slides/slide20.xml><?xml version="1.0" encoding="utf-8"?>
-<p:sld xmlns:a="http://schemas.openxmlformats.org/drawingml/2006/main" xmlns:r="http://schemas.openxmlformats.org/officeDocument/2006/relationships" xmlns:p="http://schemas.openxmlformats.org/presentationml/2006/main" xmlns:m="http://schemas.openxmlformats.org/officeDocument/2006/math" xmlns:a14="http://schemas.microsoft.com/office/drawing/2010/main" showMasterSp="1" showMasterPhAnim="1">
+<p:sld xmlns:a="http://schemas.openxmlformats.org/drawingml/2006/main" xmlns:r="http://schemas.openxmlformats.org/officeDocument/2006/relationships" xmlns:p="http://schemas.openxmlformats.org/presentationml/2006/main">
   <p:cSld>
     <p:spTree>
       <p:nvGrpSpPr>
@@ -8610,7 +8514,9 @@
       <p:sp>
         <p:nvSpPr>
           <p:cNvPr id="204" name="제목 1"/>
-          <p:cNvSpPr txBox="1"/>
+          <p:cNvSpPr txBox="1">
+            <a:spLocks noGrp="1"/>
+          </p:cNvSpPr>
           <p:nvPr>
             <p:ph type="title"/>
           </p:nvPr>
@@ -8628,7 +8534,6 @@
           <a:bodyPr/>
           <a:lstStyle/>
           <a:p>
-            <a:pPr/>
             <a:r>
               <a:t>Build Project (Compilation)</a:t>
             </a:r>
@@ -8638,7 +8543,9 @@
       <p:sp>
         <p:nvSpPr>
           <p:cNvPr id="205" name="내용 개체 틀 3"/>
-          <p:cNvSpPr txBox="1"/>
+          <p:cNvSpPr txBox="1">
+            <a:spLocks noGrp="1"/>
+          </p:cNvSpPr>
           <p:nvPr>
             <p:ph type="body" idx="1"/>
           </p:nvPr>
@@ -8656,19 +8563,17 @@
           <a:bodyPr/>
           <a:lstStyle/>
           <a:p>
-            <a:pPr/>
             <a:r>
               <a:t>Java Source to Bytecode</a:t>
             </a:r>
           </a:p>
           <a:p>
-            <a:pPr/>
             <a:r>
               <a:t>Build Project</a:t>
             </a:r>
           </a:p>
           <a:p>
-            <a:pPr lvl="1" marL="742950" indent="-285750">
+            <a:pPr marL="742950" lvl="1" indent="-285750">
               <a:buFont typeface="Helvetica"/>
               <a:defRPr sz="2300"/>
             </a:pPr>
@@ -8677,7 +8582,7 @@
             </a:r>
           </a:p>
           <a:p>
-            <a:pPr lvl="1" marL="742950" indent="-285750">
+            <a:pPr marL="742950" lvl="1" indent="-285750">
               <a:buFont typeface="Helvetica"/>
               <a:defRPr sz="2300"/>
             </a:pPr>
@@ -8686,7 +8591,7 @@
             </a:r>
           </a:p>
           <a:p>
-            <a:pPr lvl="2" marL="1143000" indent="-228600">
+            <a:pPr marL="1143000" lvl="2" indent="-228600">
               <a:buFontTx/>
               <a:defRPr sz="2200"/>
             </a:pPr>
@@ -8695,7 +8600,7 @@
             </a:r>
           </a:p>
           <a:p>
-            <a:pPr lvl="1" marL="742950" indent="-285750">
+            <a:pPr marL="742950" lvl="1" indent="-285750">
               <a:buFont typeface="Helvetica"/>
               <a:defRPr sz="2300"/>
             </a:pPr>
@@ -8704,15 +8609,12 @@
             </a:r>
           </a:p>
           <a:p>
-            <a:pPr lvl="2" marL="1143000" indent="-228600">
+            <a:pPr marL="1143000" lvl="2" indent="-228600">
               <a:buFontTx/>
               <a:defRPr sz="2200"/>
             </a:pPr>
             <a:r>
-              <a:t>⌘</a:t>
-            </a:r>
-            <a:r>
-              <a:t> fn F9 (Command + fn + F9)</a:t>
+              <a:t>⌘ fn F9 (Command + fn + F9)</a:t>
             </a:r>
           </a:p>
         </p:txBody>
@@ -8720,7 +8622,9 @@
       <p:sp>
         <p:nvSpPr>
           <p:cNvPr id="206" name="슬라이드 번호 개체 틀 4"/>
-          <p:cNvSpPr txBox="1"/>
+          <p:cNvSpPr txBox="1">
+            <a:spLocks noGrp="1"/>
+          </p:cNvSpPr>
           <p:nvPr>
             <p:ph type="sldNum" sz="quarter" idx="2"/>
           </p:nvPr>
@@ -8735,7 +8639,7 @@
           </a:prstGeom>
           <a:extLst>
             <a:ext uri="{C572A759-6A51-4108-AA02-DFA0A04FC94B}">
-              <ma14:wrappingTextBoxFlag xmlns:ma14="http://schemas.microsoft.com/office/mac/drawingml/2011/main" val="1"/>
+              <ma14:wrappingTextBoxFlag xmlns:ma14="http://schemas.microsoft.com/office/mac/drawingml/2011/main" xmlns:a14="http://schemas.microsoft.com/office/drawing/2010/main" xmlns:m="http://schemas.openxmlformats.org/officeDocument/2006/math" xmlns="" val="1"/>
             </a:ext>
           </a:extLst>
         </p:spPr>
@@ -8743,8 +8647,11 @@
           <a:bodyPr/>
           <a:lstStyle/>
           <a:p>
-            <a:pPr/>
-            <a:fld id="{86CB4B4D-7CA3-9044-876B-883B54F8677D}" type="slidenum"/>
+            <a:fld id="{86CB4B4D-7CA3-9044-876B-883B54F8677D}" type="slidenum">
+              <a:rPr/>
+              <a:t>20</a:t>
+            </a:fld>
+            <a:endParaRPr/>
           </a:p>
         </p:txBody>
       </p:sp>
@@ -8753,12 +8660,12 @@
   <p:clrMapOvr>
     <a:masterClrMapping/>
   </p:clrMapOvr>
-  <p:transition xmlns:p14="http://schemas.microsoft.com/office/powerpoint/2010/main" spd="med" advClick="1"/>
+  <p:transition spd="med"/>
 </p:sld>
 </file>
 
 <file path=ppt/slides/slide21.xml><?xml version="1.0" encoding="utf-8"?>
-<p:sld xmlns:a="http://schemas.openxmlformats.org/drawingml/2006/main" xmlns:r="http://schemas.openxmlformats.org/officeDocument/2006/relationships" xmlns:p="http://schemas.openxmlformats.org/presentationml/2006/main" xmlns:m="http://schemas.openxmlformats.org/officeDocument/2006/math" xmlns:a14="http://schemas.microsoft.com/office/drawing/2010/main" showMasterSp="1" showMasterPhAnim="1">
+<p:sld xmlns:a="http://schemas.openxmlformats.org/drawingml/2006/main" xmlns:r="http://schemas.openxmlformats.org/officeDocument/2006/relationships" xmlns:p="http://schemas.openxmlformats.org/presentationml/2006/main">
   <p:cSld>
     <p:spTree>
       <p:nvGrpSpPr>
@@ -8777,7 +8684,9 @@
       <p:sp>
         <p:nvSpPr>
           <p:cNvPr id="210" name="제목 1"/>
-          <p:cNvSpPr txBox="1"/>
+          <p:cNvSpPr txBox="1">
+            <a:spLocks noGrp="1"/>
+          </p:cNvSpPr>
           <p:nvPr>
             <p:ph type="title"/>
           </p:nvPr>
@@ -8795,7 +8704,6 @@
           <a:bodyPr/>
           <a:lstStyle/>
           <a:p>
-            <a:pPr/>
             <a:r>
               <a:t>Bytecode</a:t>
             </a:r>
@@ -8805,7 +8713,9 @@
       <p:sp>
         <p:nvSpPr>
           <p:cNvPr id="211" name="내용 개체 틀 2"/>
-          <p:cNvSpPr txBox="1"/>
+          <p:cNvSpPr txBox="1">
+            <a:spLocks noGrp="1"/>
+          </p:cNvSpPr>
           <p:nvPr>
             <p:ph type="body" sz="quarter" idx="1"/>
           </p:nvPr>
@@ -8823,7 +8733,6 @@
           <a:bodyPr/>
           <a:lstStyle/>
           <a:p>
-            <a:pPr/>
             <a:r>
               <a:t>Output of Compilation</a:t>
             </a:r>
@@ -8839,9 +8748,7 @@
           <p:nvPr/>
         </p:nvPicPr>
         <p:blipFill>
-          <a:blip r:embed="rId3">
-            <a:extLst/>
-          </a:blip>
+          <a:blip r:embed="rId3"/>
           <a:stretch>
             <a:fillRect/>
           </a:stretch>
@@ -8860,7 +8767,7 @@
             </a:solidFill>
           </a:ln>
           <a:effectLst>
-            <a:outerShdw sx="100000" sy="100000" kx="0" ky="0" algn="b" rotWithShape="0" blurRad="292100" dist="139700" dir="2700000">
+            <a:outerShdw blurRad="292100" dist="139700" dir="2700000" rotWithShape="0">
               <a:srgbClr val="333333">
                 <a:alpha val="64999"/>
               </a:srgbClr>
@@ -8905,6 +8812,7 @@
                 <a:sym typeface="Menlo Regular"/>
               </a:defRPr>
             </a:pPr>
+            <a:endParaRPr/>
           </a:p>
         </p:txBody>
       </p:sp>
@@ -8917,9 +8825,7 @@
           <p:nvPr/>
         </p:nvPicPr>
         <p:blipFill>
-          <a:blip r:embed="rId4">
-            <a:extLst/>
-          </a:blip>
+          <a:blip r:embed="rId4"/>
           <a:stretch>
             <a:fillRect/>
           </a:stretch>
@@ -8938,7 +8844,7 @@
             </a:solidFill>
           </a:ln>
           <a:effectLst>
-            <a:outerShdw sx="100000" sy="100000" kx="0" ky="0" algn="b" rotWithShape="0" blurRad="292100" dist="139700" dir="2700000">
+            <a:outerShdw blurRad="292100" dist="139700" dir="2700000" rotWithShape="0">
               <a:srgbClr val="333333">
                 <a:alpha val="64999"/>
               </a:srgbClr>
@@ -8949,7 +8855,9 @@
       <p:sp>
         <p:nvSpPr>
           <p:cNvPr id="215" name="슬라이드 번호 개체 틀 6"/>
-          <p:cNvSpPr txBox="1"/>
+          <p:cNvSpPr txBox="1">
+            <a:spLocks noGrp="1"/>
+          </p:cNvSpPr>
           <p:nvPr>
             <p:ph type="sldNum" sz="quarter" idx="2"/>
           </p:nvPr>
@@ -8964,7 +8872,7 @@
           </a:prstGeom>
           <a:extLst>
             <a:ext uri="{C572A759-6A51-4108-AA02-DFA0A04FC94B}">
-              <ma14:wrappingTextBoxFlag xmlns:ma14="http://schemas.microsoft.com/office/mac/drawingml/2011/main" val="1"/>
+              <ma14:wrappingTextBoxFlag xmlns:ma14="http://schemas.microsoft.com/office/mac/drawingml/2011/main" xmlns:a14="http://schemas.microsoft.com/office/drawing/2010/main" xmlns:m="http://schemas.openxmlformats.org/officeDocument/2006/math" xmlns="" val="1"/>
             </a:ext>
           </a:extLst>
         </p:spPr>
@@ -8972,8 +8880,10 @@
           <a:bodyPr/>
           <a:lstStyle/>
           <a:p>
-            <a:pPr/>
-            <a:fld id="{86CB4B4D-7CA3-9044-876B-883B54F8677D}" type="slidenum"/>
+            <a:fld id="{86CB4B4D-7CA3-9044-876B-883B54F8677D}" type="slidenum">
+              <a:t>21</a:t>
+            </a:fld>
+            <a:endParaRPr/>
           </a:p>
         </p:txBody>
       </p:sp>
@@ -8982,12 +8892,12 @@
   <p:clrMapOvr>
     <a:masterClrMapping/>
   </p:clrMapOvr>
-  <p:transition xmlns:p14="http://schemas.microsoft.com/office/powerpoint/2010/main" spd="med" advClick="1"/>
+  <p:transition spd="med"/>
 </p:sld>
 </file>
 
 <file path=ppt/slides/slide22.xml><?xml version="1.0" encoding="utf-8"?>
-<p:sld xmlns:a="http://schemas.openxmlformats.org/drawingml/2006/main" xmlns:r="http://schemas.openxmlformats.org/officeDocument/2006/relationships" xmlns:p="http://schemas.openxmlformats.org/presentationml/2006/main" xmlns:m="http://schemas.openxmlformats.org/officeDocument/2006/math" xmlns:a14="http://schemas.microsoft.com/office/drawing/2010/main" showMasterSp="1" showMasterPhAnim="1">
+<p:sld xmlns:a="http://schemas.openxmlformats.org/drawingml/2006/main" xmlns:r="http://schemas.openxmlformats.org/officeDocument/2006/relationships" xmlns:p="http://schemas.openxmlformats.org/presentationml/2006/main">
   <p:cSld>
     <p:spTree>
       <p:nvGrpSpPr>
@@ -9006,7 +8916,9 @@
       <p:sp>
         <p:nvSpPr>
           <p:cNvPr id="219" name="제목 1"/>
-          <p:cNvSpPr txBox="1"/>
+          <p:cNvSpPr txBox="1">
+            <a:spLocks noGrp="1"/>
+          </p:cNvSpPr>
           <p:nvPr>
             <p:ph type="title"/>
           </p:nvPr>
@@ -9024,7 +8936,6 @@
           <a:bodyPr/>
           <a:lstStyle/>
           <a:p>
-            <a:pPr/>
             <a:r>
               <a:t>Run </a:t>
             </a:r>
@@ -9040,9 +8951,7 @@
           <p:nvPr/>
         </p:nvPicPr>
         <p:blipFill>
-          <a:blip r:embed="rId3">
-            <a:extLst/>
-          </a:blip>
+          <a:blip r:embed="rId3"/>
           <a:stretch>
             <a:fillRect/>
           </a:stretch>
@@ -9062,7 +8971,7 @@
             <a:miter lim="400000"/>
           </a:ln>
           <a:effectLst>
-            <a:outerShdw sx="100000" sy="100000" kx="0" ky="0" algn="b" rotWithShape="0" blurRad="292100" dist="139700" dir="2700000">
+            <a:outerShdw blurRad="292100" dist="139700" dir="2700000" rotWithShape="0">
               <a:srgbClr val="333333">
                 <a:alpha val="64999"/>
               </a:srgbClr>
@@ -9107,6 +9016,7 @@
                 <a:sym typeface="Menlo Regular"/>
               </a:defRPr>
             </a:pPr>
+            <a:endParaRPr/>
           </a:p>
         </p:txBody>
       </p:sp>
@@ -9129,7 +9039,7 @@
           </a:ln>
           <a:extLst>
             <a:ext uri="{C572A759-6A51-4108-AA02-DFA0A04FC94B}">
-              <ma14:wrappingTextBoxFlag xmlns:ma14="http://schemas.microsoft.com/office/mac/drawingml/2011/main" val="1"/>
+              <ma14:wrappingTextBoxFlag xmlns:ma14="http://schemas.microsoft.com/office/mac/drawingml/2011/main" xmlns:a14="http://schemas.microsoft.com/office/drawing/2010/main" xmlns:m="http://schemas.openxmlformats.org/officeDocument/2006/math" xmlns="" val="1"/>
             </a:ext>
           </a:extLst>
         </p:spPr>
@@ -9194,6 +9104,12 @@
                 <a:sym typeface="Consolas"/>
               </a:defRPr>
             </a:pPr>
+            <a:endParaRPr>
+              <a:latin typeface="나눔스퀘어OTF Regular"/>
+              <a:ea typeface="나눔스퀘어OTF Regular"/>
+              <a:cs typeface="나눔스퀘어OTF Regular"/>
+              <a:sym typeface="나눔스퀘어OTF Regular"/>
+            </a:endParaRPr>
           </a:p>
           <a:p>
             <a:pPr defTabSz="457200">
@@ -9238,7 +9154,7 @@
           </a:ln>
           <a:extLst>
             <a:ext uri="{C572A759-6A51-4108-AA02-DFA0A04FC94B}">
-              <ma14:wrappingTextBoxFlag xmlns:ma14="http://schemas.microsoft.com/office/mac/drawingml/2011/main" val="1"/>
+              <ma14:wrappingTextBoxFlag xmlns:ma14="http://schemas.microsoft.com/office/mac/drawingml/2011/main" xmlns:a14="http://schemas.microsoft.com/office/drawing/2010/main" xmlns:m="http://schemas.openxmlformats.org/officeDocument/2006/math" xmlns="" val="1"/>
             </a:ext>
           </a:extLst>
         </p:spPr>
@@ -9260,7 +9176,6 @@
             </a:lvl1pPr>
           </a:lstStyle>
           <a:p>
-            <a:pPr/>
             <a:r>
               <a:t>Output of the program</a:t>
             </a:r>
@@ -9270,7 +9185,9 @@
       <p:sp>
         <p:nvSpPr>
           <p:cNvPr id="224" name="슬라이드 번호 개체 틀 7"/>
-          <p:cNvSpPr txBox="1"/>
+          <p:cNvSpPr txBox="1">
+            <a:spLocks noGrp="1"/>
+          </p:cNvSpPr>
           <p:nvPr>
             <p:ph type="sldNum" sz="quarter" idx="2"/>
           </p:nvPr>
@@ -9285,7 +9202,7 @@
           </a:prstGeom>
           <a:extLst>
             <a:ext uri="{C572A759-6A51-4108-AA02-DFA0A04FC94B}">
-              <ma14:wrappingTextBoxFlag xmlns:ma14="http://schemas.microsoft.com/office/mac/drawingml/2011/main" val="1"/>
+              <ma14:wrappingTextBoxFlag xmlns:ma14="http://schemas.microsoft.com/office/mac/drawingml/2011/main" xmlns:a14="http://schemas.microsoft.com/office/drawing/2010/main" xmlns:m="http://schemas.openxmlformats.org/officeDocument/2006/math" xmlns="" val="1"/>
             </a:ext>
           </a:extLst>
         </p:spPr>
@@ -9293,8 +9210,10 @@
           <a:bodyPr/>
           <a:lstStyle/>
           <a:p>
-            <a:pPr/>
-            <a:fld id="{86CB4B4D-7CA3-9044-876B-883B54F8677D}" type="slidenum"/>
+            <a:fld id="{86CB4B4D-7CA3-9044-876B-883B54F8677D}" type="slidenum">
+              <a:t>22</a:t>
+            </a:fld>
+            <a:endParaRPr/>
           </a:p>
         </p:txBody>
       </p:sp>
@@ -9335,6 +9254,7 @@
                 <a:sym typeface="Menlo Regular"/>
               </a:defRPr>
             </a:pPr>
+            <a:endParaRPr/>
           </a:p>
         </p:txBody>
       </p:sp>
@@ -9375,6 +9295,7 @@
                 <a:sym typeface="Menlo Regular"/>
               </a:defRPr>
             </a:pPr>
+            <a:endParaRPr/>
           </a:p>
         </p:txBody>
       </p:sp>
@@ -9383,14 +9304,14 @@
   <p:clrMapOvr>
     <a:masterClrMapping/>
   </p:clrMapOvr>
-  <p:transition xmlns:p14="http://schemas.microsoft.com/office/powerpoint/2010/main" spd="med" advClick="1"/>
+  <p:transition spd="med"/>
   <p:timing>
     <p:tnLst>
       <p:par>
-        <p:cTn id="1" nodeType="tmRoot" restart="never" dur="indefinite" fill="hold">
+        <p:cTn id="1" dur="indefinite" restart="never" fill="hold" nodeType="tmRoot">
           <p:childTnLst>
             <p:seq concurrent="1" prevAc="none" nextAc="seek">
-              <p:cTn id="2" nodeType="mainSeq" dur="indefinite" fill="hold">
+              <p:cTn id="2" dur="indefinite" fill="hold" nodeType="mainSeq">
                 <p:childTnLst>
                   <p:par>
                     <p:cTn id="3" fill="hold">
@@ -9405,11 +9326,11 @@
                             </p:stCondLst>
                             <p:childTnLst>
                               <p:par>
-                                <p:cTn id="5" presetClass="entr" nodeType="clickEffect" presetSubtype="0" presetID="1" grpId="1" fill="hold">
+                                <p:cTn id="5" presetID="1" presetClass="entr" presetSubtype="0" fill="hold" grpId="1" nodeType="clickEffect">
                                   <p:stCondLst>
                                     <p:cond delay="0"/>
                                   </p:stCondLst>
-                                  <p:iterate type="el" backwards="0">
+                                  <p:iterate>
                                     <p:tmAbs val="0"/>
                                   </p:iterate>
                                   <p:childTnLst>
@@ -9440,11 +9361,11 @@
                             </p:stCondLst>
                             <p:childTnLst>
                               <p:par>
-                                <p:cTn id="8" presetClass="entr" nodeType="afterEffect" presetSubtype="0" presetID="1" grpId="2" fill="hold">
+                                <p:cTn id="8" presetID="1" presetClass="entr" presetSubtype="0" fill="hold" grpId="2" nodeType="afterEffect">
                                   <p:stCondLst>
                                     <p:cond delay="0"/>
                                   </p:stCondLst>
-                                  <p:iterate type="el" backwards="0">
+                                  <p:iterate>
                                     <p:tmAbs val="0"/>
                                   </p:iterate>
                                   <p:childTnLst>
@@ -9484,11 +9405,11 @@
                             </p:stCondLst>
                             <p:childTnLst>
                               <p:par>
-                                <p:cTn id="12" presetClass="entr" nodeType="clickEffect" presetSubtype="0" presetID="1" grpId="3" fill="hold">
+                                <p:cTn id="12" presetID="1" presetClass="entr" presetSubtype="0" fill="hold" grpId="3" nodeType="clickEffect">
                                   <p:stCondLst>
                                     <p:cond delay="0"/>
                                   </p:stCondLst>
-                                  <p:iterate type="el" backwards="0">
+                                  <p:iterate>
                                     <p:tmAbs val="0"/>
                                   </p:iterate>
                                   <p:childTnLst>
@@ -9528,11 +9449,11 @@
                             </p:stCondLst>
                             <p:childTnLst>
                               <p:par>
-                                <p:cTn id="16" presetClass="entr" nodeType="clickEffect" presetSubtype="0" presetID="1" grpId="4" fill="hold">
+                                <p:cTn id="16" presetID="1" presetClass="entr" presetSubtype="0" fill="hold" grpId="4" nodeType="clickEffect">
                                   <p:stCondLst>
                                     <p:cond delay="0"/>
                                   </p:stCondLst>
-                                  <p:iterate type="el" backwards="0">
+                                  <p:iterate>
                                     <p:tmAbs val="0"/>
                                   </p:iterate>
                                   <p:childTnLst>
@@ -9562,14 +9483,14 @@
                 </p:childTnLst>
               </p:cTn>
               <p:prevCondLst>
-                <p:cond evt="onPrev">
+                <p:cond evt="onPrev" delay="0">
                   <p:tgtEl>
                     <p:sldTgt/>
                   </p:tgtEl>
                 </p:cond>
               </p:prevCondLst>
               <p:nextCondLst>
-                <p:cond evt="onNext">
+                <p:cond evt="onNext" delay="0">
                   <p:tgtEl>
                     <p:sldTgt/>
                   </p:tgtEl>
@@ -9581,17 +9502,17 @@
       </p:par>
     </p:tnLst>
     <p:bldLst>
-      <p:bldP build="whole" bldLvl="1" animBg="1" rev="0" advAuto="0" spid="223" grpId="2"/>
-      <p:bldP build="whole" bldLvl="1" animBg="1" rev="0" advAuto="0" spid="225" grpId="3"/>
-      <p:bldP build="whole" bldLvl="1" animBg="1" rev="0" advAuto="0" spid="226" grpId="4"/>
-      <p:bldP build="whole" bldLvl="1" animBg="1" rev="0" advAuto="0" spid="221" grpId="1"/>
+      <p:bldP spid="221" grpId="1" animBg="1" advAuto="0"/>
+      <p:bldP spid="223" grpId="2" animBg="1" advAuto="0"/>
+      <p:bldP spid="225" grpId="3" animBg="1" advAuto="0"/>
+      <p:bldP spid="226" grpId="4" animBg="1" advAuto="0"/>
     </p:bldLst>
   </p:timing>
 </p:sld>
 </file>
 
 <file path=ppt/slides/slide23.xml><?xml version="1.0" encoding="utf-8"?>
-<p:sld xmlns:a="http://schemas.openxmlformats.org/drawingml/2006/main" xmlns:r="http://schemas.openxmlformats.org/officeDocument/2006/relationships" xmlns:p="http://schemas.openxmlformats.org/presentationml/2006/main" xmlns:m="http://schemas.openxmlformats.org/officeDocument/2006/math" xmlns:a14="http://schemas.microsoft.com/office/drawing/2010/main" showMasterSp="1" showMasterPhAnim="1">
+<p:sld xmlns:a="http://schemas.openxmlformats.org/drawingml/2006/main" xmlns:r="http://schemas.openxmlformats.org/officeDocument/2006/relationships" xmlns:p="http://schemas.openxmlformats.org/presentationml/2006/main">
   <p:cSld>
     <p:spTree>
       <p:nvGrpSpPr>
@@ -9610,7 +9531,9 @@
       <p:sp>
         <p:nvSpPr>
           <p:cNvPr id="230" name="제목 1"/>
-          <p:cNvSpPr txBox="1"/>
+          <p:cNvSpPr txBox="1">
+            <a:spLocks noGrp="1"/>
+          </p:cNvSpPr>
           <p:nvPr>
             <p:ph type="title"/>
           </p:nvPr>
@@ -9628,7 +9551,6 @@
           <a:bodyPr/>
           <a:lstStyle/>
           <a:p>
-            <a:pPr/>
             <a:r>
               <a:t>Close Project</a:t>
             </a:r>
@@ -9638,7 +9560,9 @@
       <p:sp>
         <p:nvSpPr>
           <p:cNvPr id="231" name="내용 개체 틀 2"/>
-          <p:cNvSpPr txBox="1"/>
+          <p:cNvSpPr txBox="1">
+            <a:spLocks noGrp="1"/>
+          </p:cNvSpPr>
           <p:nvPr>
             <p:ph type="body" idx="1"/>
           </p:nvPr>
@@ -9656,13 +9580,11 @@
           <a:bodyPr/>
           <a:lstStyle/>
           <a:p>
-            <a:pPr/>
             <a:r>
               <a:t>Main menu ”File &gt; Close Project”</a:t>
             </a:r>
           </a:p>
           <a:p>
-            <a:pPr/>
             <a:r>
               <a:t>After closing the project:</a:t>
             </a:r>
@@ -9678,9 +9600,7 @@
           <p:nvPr/>
         </p:nvPicPr>
         <p:blipFill>
-          <a:blip r:embed="rId3">
-            <a:extLst/>
-          </a:blip>
+          <a:blip r:embed="rId3"/>
           <a:stretch>
             <a:fillRect/>
           </a:stretch>
@@ -9699,7 +9619,7 @@
             </a:solidFill>
           </a:ln>
           <a:effectLst>
-            <a:outerShdw sx="100000" sy="100000" kx="0" ky="0" algn="b" rotWithShape="0" blurRad="292100" dist="139700" dir="2700000">
+            <a:outerShdw blurRad="292100" dist="139700" dir="2700000" rotWithShape="0">
               <a:srgbClr val="333333">
                 <a:alpha val="64999"/>
               </a:srgbClr>
@@ -9710,7 +9630,9 @@
       <p:sp>
         <p:nvSpPr>
           <p:cNvPr id="233" name="슬라이드 번호 개체 틀 4"/>
-          <p:cNvSpPr txBox="1"/>
+          <p:cNvSpPr txBox="1">
+            <a:spLocks noGrp="1"/>
+          </p:cNvSpPr>
           <p:nvPr>
             <p:ph type="sldNum" sz="quarter" idx="2"/>
           </p:nvPr>
@@ -9725,7 +9647,7 @@
           </a:prstGeom>
           <a:extLst>
             <a:ext uri="{C572A759-6A51-4108-AA02-DFA0A04FC94B}">
-              <ma14:wrappingTextBoxFlag xmlns:ma14="http://schemas.microsoft.com/office/mac/drawingml/2011/main" val="1"/>
+              <ma14:wrappingTextBoxFlag xmlns:ma14="http://schemas.microsoft.com/office/mac/drawingml/2011/main" xmlns:a14="http://schemas.microsoft.com/office/drawing/2010/main" xmlns:m="http://schemas.openxmlformats.org/officeDocument/2006/math" xmlns="" val="1"/>
             </a:ext>
           </a:extLst>
         </p:spPr>
@@ -9733,8 +9655,11 @@
           <a:bodyPr/>
           <a:lstStyle/>
           <a:p>
-            <a:pPr/>
-            <a:fld id="{86CB4B4D-7CA3-9044-876B-883B54F8677D}" type="slidenum"/>
+            <a:fld id="{86CB4B4D-7CA3-9044-876B-883B54F8677D}" type="slidenum">
+              <a:rPr/>
+              <a:t>23</a:t>
+            </a:fld>
+            <a:endParaRPr/>
           </a:p>
         </p:txBody>
       </p:sp>
@@ -9743,12 +9668,12 @@
   <p:clrMapOvr>
     <a:masterClrMapping/>
   </p:clrMapOvr>
-  <p:transition xmlns:p14="http://schemas.microsoft.com/office/powerpoint/2010/main" spd="med" advClick="1"/>
+  <p:transition spd="med"/>
 </p:sld>
 </file>
 
 <file path=ppt/slides/slide24.xml><?xml version="1.0" encoding="utf-8"?>
-<p:sld xmlns:a="http://schemas.openxmlformats.org/drawingml/2006/main" xmlns:r="http://schemas.openxmlformats.org/officeDocument/2006/relationships" xmlns:p="http://schemas.openxmlformats.org/presentationml/2006/main" xmlns:m="http://schemas.openxmlformats.org/officeDocument/2006/math" xmlns:a14="http://schemas.microsoft.com/office/drawing/2010/main" showMasterSp="1" showMasterPhAnim="1">
+<p:sld xmlns:a="http://schemas.openxmlformats.org/drawingml/2006/main" xmlns:r="http://schemas.openxmlformats.org/officeDocument/2006/relationships" xmlns:p="http://schemas.openxmlformats.org/presentationml/2006/main">
   <p:cSld>
     <p:spTree>
       <p:nvGrpSpPr>
@@ -9773,10 +9698,8 @@
           <p:nvPr/>
         </p:nvPicPr>
         <p:blipFill>
-          <a:blip r:embed="rId3">
-            <a:extLst/>
-          </a:blip>
-          <a:srcRect l="23245" t="0" r="0" b="0"/>
+          <a:blip r:embed="rId3"/>
+          <a:srcRect l="23245"/>
           <a:stretch>
             <a:fillRect/>
           </a:stretch>
@@ -9795,7 +9718,7 @@
             </a:solidFill>
           </a:ln>
           <a:effectLst>
-            <a:outerShdw sx="100000" sy="100000" kx="0" ky="0" algn="b" rotWithShape="0" blurRad="292100" dist="139700" dir="2700000">
+            <a:outerShdw blurRad="292100" dist="139700" dir="2700000" rotWithShape="0">
               <a:srgbClr val="333333">
                 <a:alpha val="64999"/>
               </a:srgbClr>
@@ -9806,7 +9729,9 @@
       <p:sp>
         <p:nvSpPr>
           <p:cNvPr id="238" name="제목 1"/>
-          <p:cNvSpPr txBox="1"/>
+          <p:cNvSpPr txBox="1">
+            <a:spLocks noGrp="1"/>
+          </p:cNvSpPr>
           <p:nvPr>
             <p:ph type="title"/>
           </p:nvPr>
@@ -9824,7 +9749,6 @@
           <a:bodyPr/>
           <a:lstStyle/>
           <a:p>
-            <a:pPr/>
             <a:r>
               <a:t>New Project from Existing Source Files (1/3)</a:t>
             </a:r>
@@ -9834,7 +9758,9 @@
       <p:sp>
         <p:nvSpPr>
           <p:cNvPr id="239" name="내용 개체 틀 2"/>
-          <p:cNvSpPr txBox="1"/>
+          <p:cNvSpPr txBox="1">
+            <a:spLocks noGrp="1"/>
+          </p:cNvSpPr>
           <p:nvPr>
             <p:ph type="body" idx="1"/>
           </p:nvPr>
@@ -9857,7 +9783,6 @@
             </a:lvl2pPr>
           </a:lstStyle>
           <a:p>
-            <a:pPr/>
             <a:r>
               <a:t>Prepare the source</a:t>
             </a:r>
@@ -9902,6 +9827,7 @@
                 <a:sym typeface="나눔스퀘어OTF Regular"/>
               </a:defRPr>
             </a:pPr>
+            <a:endParaRPr/>
           </a:p>
         </p:txBody>
       </p:sp>
@@ -9937,6 +9863,7 @@
                 <a:sym typeface="나눔스퀘어OTF Regular"/>
               </a:defRPr>
             </a:pPr>
+            <a:endParaRPr/>
           </a:p>
         </p:txBody>
       </p:sp>
@@ -9944,19 +9871,20 @@
         <p:nvCxnSpPr>
           <p:cNvPr id="242" name="꺾인 연결선[E] 10"/>
           <p:cNvCxnSpPr>
-            <a:stCxn id="241" idx="0"/>
+            <a:cxnSpLocks/>
+            <a:stCxn id="241" idx="2"/>
             <a:endCxn id="240" idx="0"/>
           </p:cNvCxnSpPr>
           <p:nvPr/>
         </p:nvCxnSpPr>
         <p:spPr>
-          <a:xfrm flipH="1" rot="16200000">
-            <a:off x="2559050" y="1390650"/>
-            <a:ext cx="1041400" cy="1816100"/>
+          <a:xfrm rot="16200000" flipH="1">
+            <a:off x="2732814" y="1401525"/>
+            <a:ext cx="688543" cy="1818389"/>
           </a:xfrm>
           <a:prstGeom prst="bentConnector3">
             <a:avLst>
-              <a:gd name="adj1" fmla="val 51219"/>
+              <a:gd name="adj1" fmla="val 50000"/>
             </a:avLst>
           </a:prstGeom>
           <a:ln w="19050">
@@ -9976,7 +9904,7 @@
         <p:spPr>
           <a:xfrm>
             <a:off x="3322320" y="1581147"/>
-            <a:ext cx="462077" cy="385299"/>
+            <a:ext cx="589325" cy="385299"/>
           </a:xfrm>
           <a:prstGeom prst="rect">
             <a:avLst/>
@@ -9999,6 +9927,7 @@
                 <a:sym typeface="나눔스퀘어OTF Regular"/>
               </a:defRPr>
             </a:pPr>
+            <a:endParaRPr/>
           </a:p>
         </p:txBody>
       </p:sp>
@@ -10011,7 +9940,7 @@
         <p:spPr>
           <a:xfrm>
             <a:off x="5534414" y="2626847"/>
-            <a:ext cx="1952849" cy="356383"/>
+            <a:ext cx="2033034" cy="356383"/>
           </a:xfrm>
           <a:prstGeom prst="rect">
             <a:avLst/>
@@ -10034,6 +9963,7 @@
                 <a:sym typeface="나눔스퀘어OTF Regular"/>
               </a:defRPr>
             </a:pPr>
+            <a:endParaRPr/>
           </a:p>
         </p:txBody>
       </p:sp>
@@ -10041,19 +9971,20 @@
         <p:nvCxnSpPr>
           <p:cNvPr id="245" name="꺾인 연결선[E] 15"/>
           <p:cNvCxnSpPr>
-            <a:stCxn id="243" idx="0"/>
+            <a:cxnSpLocks/>
+            <a:stCxn id="243" idx="2"/>
             <a:endCxn id="244" idx="0"/>
           </p:cNvCxnSpPr>
           <p:nvPr/>
         </p:nvCxnSpPr>
         <p:spPr>
-          <a:xfrm>
-            <a:off x="3556000" y="1778000"/>
-            <a:ext cx="2959100" cy="1028700"/>
+          <a:xfrm rot="16200000" flipH="1">
+            <a:off x="4753757" y="829672"/>
+            <a:ext cx="660401" cy="2933948"/>
           </a:xfrm>
           <a:prstGeom prst="bentConnector3">
             <a:avLst>
-              <a:gd name="adj1" fmla="val 49785"/>
+              <a:gd name="adj1" fmla="val 29310"/>
             </a:avLst>
           </a:prstGeom>
           <a:ln w="19050">
@@ -10096,6 +10027,7 @@
                 <a:sym typeface="나눔스퀘어OTF Regular"/>
               </a:defRPr>
             </a:pPr>
+            <a:endParaRPr/>
           </a:p>
         </p:txBody>
       </p:sp>
@@ -10131,6 +10063,7 @@
                 <a:sym typeface="나눔스퀘어OTF Regular"/>
               </a:defRPr>
             </a:pPr>
+            <a:endParaRPr/>
           </a:p>
         </p:txBody>
       </p:sp>
@@ -10138,20 +10071,19 @@
         <p:nvCxnSpPr>
           <p:cNvPr id="248" name="꺾인 연결선[E] 19"/>
           <p:cNvCxnSpPr>
-            <a:stCxn id="246" idx="0"/>
+            <a:cxnSpLocks/>
+            <a:stCxn id="246" idx="3"/>
             <a:endCxn id="247" idx="0"/>
           </p:cNvCxnSpPr>
           <p:nvPr/>
         </p:nvCxnSpPr>
         <p:spPr>
           <a:xfrm>
-            <a:off x="5219700" y="1778000"/>
-            <a:ext cx="4038600" cy="1727200"/>
-          </a:xfrm>
-          <a:prstGeom prst="bentConnector3">
-            <a:avLst>
-              <a:gd name="adj1" fmla="val 50000"/>
-            </a:avLst>
+            <a:off x="6359958" y="1779444"/>
+            <a:ext cx="2898879" cy="847402"/>
+          </a:xfrm>
+          <a:prstGeom prst="bentConnector2">
+            <a:avLst/>
           </a:prstGeom>
           <a:ln w="19050">
             <a:solidFill>
@@ -10164,7 +10096,9 @@
       <p:sp>
         <p:nvSpPr>
           <p:cNvPr id="249" name="슬라이드 번호 개체 틀 23"/>
-          <p:cNvSpPr txBox="1"/>
+          <p:cNvSpPr txBox="1">
+            <a:spLocks noGrp="1"/>
+          </p:cNvSpPr>
           <p:nvPr>
             <p:ph type="sldNum" sz="quarter" idx="2"/>
           </p:nvPr>
@@ -10179,7 +10113,7 @@
           </a:prstGeom>
           <a:extLst>
             <a:ext uri="{C572A759-6A51-4108-AA02-DFA0A04FC94B}">
-              <ma14:wrappingTextBoxFlag xmlns:ma14="http://schemas.microsoft.com/office/mac/drawingml/2011/main" val="1"/>
+              <ma14:wrappingTextBoxFlag xmlns:ma14="http://schemas.microsoft.com/office/mac/drawingml/2011/main" xmlns:a14="http://schemas.microsoft.com/office/drawing/2010/main" xmlns:m="http://schemas.openxmlformats.org/officeDocument/2006/math" xmlns="" val="1"/>
             </a:ext>
           </a:extLst>
         </p:spPr>
@@ -10187,8 +10121,11 @@
           <a:bodyPr/>
           <a:lstStyle/>
           <a:p>
-            <a:pPr/>
-            <a:fld id="{86CB4B4D-7CA3-9044-876B-883B54F8677D}" type="slidenum"/>
+            <a:fld id="{86CB4B4D-7CA3-9044-876B-883B54F8677D}" type="slidenum">
+              <a:rPr/>
+              <a:t>24</a:t>
+            </a:fld>
+            <a:endParaRPr/>
           </a:p>
         </p:txBody>
       </p:sp>
@@ -10197,14 +10134,14 @@
   <p:clrMapOvr>
     <a:masterClrMapping/>
   </p:clrMapOvr>
-  <p:transition xmlns:p14="http://schemas.microsoft.com/office/powerpoint/2010/main" spd="med" advClick="1"/>
+  <p:transition spd="med"/>
   <p:timing>
     <p:tnLst>
       <p:par>
-        <p:cTn id="1" nodeType="tmRoot" restart="never" dur="indefinite" fill="hold">
+        <p:cTn id="1" dur="indefinite" restart="never" fill="hold" nodeType="tmRoot">
           <p:childTnLst>
             <p:seq concurrent="1" prevAc="none" nextAc="seek">
-              <p:cTn id="2" nodeType="mainSeq" dur="indefinite" fill="hold">
+              <p:cTn id="2" dur="indefinite" fill="hold" nodeType="mainSeq">
                 <p:childTnLst>
                   <p:par>
                     <p:cTn id="3" fill="hold">
@@ -10219,11 +10156,11 @@
                             </p:stCondLst>
                             <p:childTnLst>
                               <p:par>
-                                <p:cTn id="5" presetClass="entr" nodeType="clickEffect" presetSubtype="0" presetID="1" grpId="1" fill="hold">
+                                <p:cTn id="5" presetID="1" presetClass="entr" presetSubtype="0" fill="hold" grpId="1" nodeType="clickEffect">
                                   <p:stCondLst>
                                     <p:cond delay="0"/>
                                   </p:stCondLst>
-                                  <p:iterate type="el" backwards="0">
+                                  <p:iterate>
                                     <p:tmAbs val="0"/>
                                   </p:iterate>
                                   <p:childTnLst>
@@ -10254,11 +10191,11 @@
                             </p:stCondLst>
                             <p:childTnLst>
                               <p:par>
-                                <p:cTn id="8" presetClass="entr" nodeType="afterEffect" presetSubtype="0" presetID="1" grpId="2" fill="hold">
+                                <p:cTn id="8" presetID="1" presetClass="entr" presetSubtype="0" fill="hold" grpId="2" nodeType="afterEffect">
                                   <p:stCondLst>
                                     <p:cond delay="0"/>
                                   </p:stCondLst>
-                                  <p:iterate type="el" backwards="0">
+                                  <p:iterate>
                                     <p:tmAbs val="0"/>
                                   </p:iterate>
                                   <p:childTnLst>
@@ -10289,11 +10226,11 @@
                             </p:stCondLst>
                             <p:childTnLst>
                               <p:par>
-                                <p:cTn id="11" presetClass="entr" nodeType="afterEffect" presetSubtype="0" presetID="1" grpId="3" fill="hold">
+                                <p:cTn id="11" presetID="1" presetClass="entr" presetSubtype="0" fill="hold" grpId="3" nodeType="afterEffect">
                                   <p:stCondLst>
                                     <p:cond delay="0"/>
                                   </p:stCondLst>
-                                  <p:iterate type="el" backwards="0">
+                                  <p:iterate>
                                     <p:tmAbs val="0"/>
                                   </p:iterate>
                                   <p:childTnLst>
@@ -10333,11 +10270,11 @@
                             </p:stCondLst>
                             <p:childTnLst>
                               <p:par>
-                                <p:cTn id="15" presetClass="entr" nodeType="clickEffect" presetSubtype="0" presetID="1" grpId="4" fill="hold">
+                                <p:cTn id="15" presetID="1" presetClass="entr" presetSubtype="0" fill="hold" grpId="4" nodeType="clickEffect">
                                   <p:stCondLst>
                                     <p:cond delay="0"/>
                                   </p:stCondLst>
-                                  <p:iterate type="el" backwards="0">
+                                  <p:iterate>
                                     <p:tmAbs val="0"/>
                                   </p:iterate>
                                   <p:childTnLst>
@@ -10368,11 +10305,11 @@
                             </p:stCondLst>
                             <p:childTnLst>
                               <p:par>
-                                <p:cTn id="18" presetClass="entr" nodeType="afterEffect" presetSubtype="0" presetID="1" grpId="5" fill="hold">
+                                <p:cTn id="18" presetID="1" presetClass="entr" presetSubtype="0" fill="hold" grpId="5" nodeType="afterEffect">
                                   <p:stCondLst>
                                     <p:cond delay="0"/>
                                   </p:stCondLst>
-                                  <p:iterate type="el" backwards="0">
+                                  <p:iterate>
                                     <p:tmAbs val="0"/>
                                   </p:iterate>
                                   <p:childTnLst>
@@ -10403,11 +10340,11 @@
                             </p:stCondLst>
                             <p:childTnLst>
                               <p:par>
-                                <p:cTn id="21" presetClass="entr" nodeType="afterEffect" presetSubtype="0" presetID="1" grpId="6" fill="hold">
+                                <p:cTn id="21" presetID="1" presetClass="entr" presetSubtype="0" fill="hold" grpId="6" nodeType="afterEffect">
                                   <p:stCondLst>
                                     <p:cond delay="0"/>
                                   </p:stCondLst>
-                                  <p:iterate type="el" backwards="0">
+                                  <p:iterate>
                                     <p:tmAbs val="0"/>
                                   </p:iterate>
                                   <p:childTnLst>
@@ -10447,11 +10384,11 @@
                             </p:stCondLst>
                             <p:childTnLst>
                               <p:par>
-                                <p:cTn id="25" presetClass="entr" nodeType="clickEffect" presetSubtype="0" presetID="1" grpId="7" fill="hold">
+                                <p:cTn id="25" presetID="1" presetClass="entr" presetSubtype="0" fill="hold" grpId="7" nodeType="clickEffect">
                                   <p:stCondLst>
                                     <p:cond delay="0"/>
                                   </p:stCondLst>
-                                  <p:iterate type="el" backwards="0">
+                                  <p:iterate>
                                     <p:tmAbs val="0"/>
                                   </p:iterate>
                                   <p:childTnLst>
@@ -10482,11 +10419,11 @@
                             </p:stCondLst>
                             <p:childTnLst>
                               <p:par>
-                                <p:cTn id="28" presetClass="entr" nodeType="afterEffect" presetSubtype="0" presetID="1" grpId="8" fill="hold">
+                                <p:cTn id="28" presetID="1" presetClass="entr" presetSubtype="0" fill="hold" grpId="8" nodeType="afterEffect">
                                   <p:stCondLst>
                                     <p:cond delay="0"/>
                                   </p:stCondLst>
-                                  <p:iterate type="el" backwards="0">
+                                  <p:iterate>
                                     <p:tmAbs val="0"/>
                                   </p:iterate>
                                   <p:childTnLst>
@@ -10517,11 +10454,11 @@
                             </p:stCondLst>
                             <p:childTnLst>
                               <p:par>
-                                <p:cTn id="31" presetClass="entr" nodeType="afterEffect" presetSubtype="0" presetID="1" grpId="9" fill="hold">
+                                <p:cTn id="31" presetID="1" presetClass="entr" presetSubtype="0" fill="hold" grpId="9" nodeType="afterEffect">
                                   <p:stCondLst>
                                     <p:cond delay="0"/>
                                   </p:stCondLst>
-                                  <p:iterate type="el" backwards="0">
+                                  <p:iterate>
                                     <p:tmAbs val="0"/>
                                   </p:iterate>
                                   <p:childTnLst>
@@ -10551,14 +10488,14 @@
                 </p:childTnLst>
               </p:cTn>
               <p:prevCondLst>
-                <p:cond evt="onPrev">
+                <p:cond evt="onPrev" delay="0">
                   <p:tgtEl>
                     <p:sldTgt/>
                   </p:tgtEl>
                 </p:cond>
               </p:prevCondLst>
               <p:nextCondLst>
-                <p:cond evt="onNext">
+                <p:cond evt="onNext" delay="0">
                   <p:tgtEl>
                     <p:sldTgt/>
                   </p:tgtEl>
@@ -10570,22 +10507,22 @@
       </p:par>
     </p:tnLst>
     <p:bldLst>
-      <p:bldP build="whole" bldLvl="1" animBg="1" rev="0" advAuto="0" spid="247" grpId="9"/>
-      <p:bldP build="whole" bldLvl="1" animBg="1" rev="0" advAuto="0" spid="243" grpId="4"/>
-      <p:bldP build="whole" bldLvl="1" animBg="1" rev="0" advAuto="0" spid="242" grpId="2"/>
-      <p:bldP build="whole" bldLvl="1" animBg="1" rev="0" advAuto="0" spid="248" grpId="8"/>
-      <p:bldP build="whole" bldLvl="1" animBg="1" rev="0" advAuto="0" spid="241" grpId="1"/>
-      <p:bldP build="whole" bldLvl="1" animBg="1" rev="0" advAuto="0" spid="240" grpId="3"/>
-      <p:bldP build="whole" bldLvl="1" animBg="1" rev="0" advAuto="0" spid="245" grpId="5"/>
-      <p:bldP build="whole" bldLvl="1" animBg="1" rev="0" advAuto="0" spid="244" grpId="6"/>
-      <p:bldP build="whole" bldLvl="1" animBg="1" rev="0" advAuto="0" spid="246" grpId="7"/>
+      <p:bldP spid="240" grpId="3" animBg="1" advAuto="0"/>
+      <p:bldP spid="241" grpId="1" animBg="1" advAuto="0"/>
+      <p:bldP spid="242" grpId="2" animBg="1" advAuto="0"/>
+      <p:bldP spid="243" grpId="4" animBg="1" advAuto="0"/>
+      <p:bldP spid="244" grpId="6" animBg="1" advAuto="0"/>
+      <p:bldP spid="245" grpId="5" animBg="1" advAuto="0"/>
+      <p:bldP spid="246" grpId="7" animBg="1" advAuto="0"/>
+      <p:bldP spid="247" grpId="9" animBg="1" advAuto="0"/>
+      <p:bldP spid="248" grpId="8" animBg="1" advAuto="0"/>
     </p:bldLst>
   </p:timing>
 </p:sld>
 </file>
 
 <file path=ppt/slides/slide25.xml><?xml version="1.0" encoding="utf-8"?>
-<p:sld xmlns:a="http://schemas.openxmlformats.org/drawingml/2006/main" xmlns:r="http://schemas.openxmlformats.org/officeDocument/2006/relationships" xmlns:p="http://schemas.openxmlformats.org/presentationml/2006/main" xmlns:m="http://schemas.openxmlformats.org/officeDocument/2006/math" xmlns:a14="http://schemas.microsoft.com/office/drawing/2010/main" showMasterSp="1" showMasterPhAnim="1">
+<p:sld xmlns:a="http://schemas.openxmlformats.org/drawingml/2006/main" xmlns:r="http://schemas.openxmlformats.org/officeDocument/2006/relationships" xmlns:p="http://schemas.openxmlformats.org/presentationml/2006/main">
   <p:cSld>
     <p:spTree>
       <p:nvGrpSpPr>
@@ -10610,10 +10547,8 @@
           <p:nvPr/>
         </p:nvPicPr>
         <p:blipFill>
-          <a:blip r:embed="rId3">
-            <a:extLst/>
-          </a:blip>
-          <a:srcRect l="23245" t="0" r="0" b="0"/>
+          <a:blip r:embed="rId3"/>
+          <a:srcRect l="23245"/>
           <a:stretch>
             <a:fillRect/>
           </a:stretch>
@@ -10632,7 +10567,7 @@
             </a:solidFill>
           </a:ln>
           <a:effectLst>
-            <a:outerShdw sx="100000" sy="100000" kx="0" ky="0" algn="b" rotWithShape="0" blurRad="292100" dist="139700" dir="2700000">
+            <a:outerShdw blurRad="292100" dist="139700" dir="2700000" rotWithShape="0">
               <a:srgbClr val="333333">
                 <a:alpha val="64999"/>
               </a:srgbClr>
@@ -10643,7 +10578,9 @@
       <p:sp>
         <p:nvSpPr>
           <p:cNvPr id="254" name="제목 1"/>
-          <p:cNvSpPr txBox="1"/>
+          <p:cNvSpPr txBox="1">
+            <a:spLocks noGrp="1"/>
+          </p:cNvSpPr>
           <p:nvPr>
             <p:ph type="title"/>
           </p:nvPr>
@@ -10661,7 +10598,6 @@
           <a:bodyPr/>
           <a:lstStyle/>
           <a:p>
-            <a:pPr/>
             <a:r>
               <a:t>New Project from Existing Source Files (2/3)</a:t>
             </a:r>
@@ -10671,7 +10607,9 @@
       <p:sp>
         <p:nvSpPr>
           <p:cNvPr id="255" name="내용 개체 틀 2"/>
-          <p:cNvSpPr txBox="1"/>
+          <p:cNvSpPr txBox="1">
+            <a:spLocks noGrp="1"/>
+          </p:cNvSpPr>
           <p:nvPr>
             <p:ph type="body" sz="quarter" idx="1"/>
           </p:nvPr>
@@ -10689,13 +10627,11 @@
           <a:bodyPr/>
           <a:lstStyle/>
           <a:p>
-            <a:pPr/>
             <a:r>
               <a:t>Main menu “File &gt; Open”</a:t>
             </a:r>
           </a:p>
           <a:p>
-            <a:pPr/>
             <a:r>
               <a:t>Select the project directory</a:t>
             </a:r>
@@ -10711,9 +10647,7 @@
           <p:nvPr/>
         </p:nvPicPr>
         <p:blipFill>
-          <a:blip r:embed="rId4">
-            <a:extLst/>
-          </a:blip>
+          <a:blip r:embed="rId4"/>
           <a:stretch>
             <a:fillRect/>
           </a:stretch>
@@ -10732,7 +10666,7 @@
             </a:solidFill>
           </a:ln>
           <a:effectLst>
-            <a:outerShdw sx="100000" sy="100000" kx="0" ky="0" algn="b" rotWithShape="0" blurRad="292100" dist="139700" dir="2700000">
+            <a:outerShdw blurRad="292100" dist="139700" dir="2700000" rotWithShape="0">
               <a:srgbClr val="333333">
                 <a:alpha val="64999"/>
               </a:srgbClr>
@@ -10772,6 +10706,7 @@
                 <a:sym typeface="나눔스퀘어OTF Regular"/>
               </a:defRPr>
             </a:pPr>
+            <a:endParaRPr/>
           </a:p>
         </p:txBody>
       </p:sp>
@@ -10794,7 +10729,7 @@
           </a:ln>
           <a:extLst>
             <a:ext uri="{C572A759-6A51-4108-AA02-DFA0A04FC94B}">
-              <ma14:wrappingTextBoxFlag xmlns:ma14="http://schemas.microsoft.com/office/mac/drawingml/2011/main" val="1"/>
+              <ma14:wrappingTextBoxFlag xmlns:ma14="http://schemas.microsoft.com/office/mac/drawingml/2011/main" xmlns:a14="http://schemas.microsoft.com/office/drawing/2010/main" xmlns:m="http://schemas.openxmlformats.org/officeDocument/2006/math" xmlns="" val="1"/>
             </a:ext>
           </a:extLst>
         </p:spPr>
@@ -10816,7 +10751,6 @@
             </a:lvl1pPr>
           </a:lstStyle>
           <a:p>
-            <a:pPr/>
             <a:r>
               <a:t>Prepared Project Directory</a:t>
             </a:r>
@@ -10827,19 +10761,20 @@
         <p:nvCxnSpPr>
           <p:cNvPr id="259" name="꺾인 연결선[E] 8"/>
           <p:cNvCxnSpPr>
+            <a:cxnSpLocks/>
             <a:stCxn id="258" idx="0"/>
-            <a:endCxn id="257" idx="0"/>
+            <a:endCxn id="257" idx="2"/>
           </p:cNvCxnSpPr>
           <p:nvPr/>
         </p:nvCxnSpPr>
         <p:spPr>
-          <a:xfrm flipV="1" rot="16200000">
-            <a:off x="6229350" y="1924050"/>
-            <a:ext cx="2235200" cy="3213100"/>
+          <a:xfrm rot="16200000" flipV="1">
+            <a:off x="6405545" y="1904304"/>
+            <a:ext cx="1892195" cy="3213727"/>
           </a:xfrm>
           <a:prstGeom prst="bentConnector3">
             <a:avLst>
-              <a:gd name="adj1" fmla="val -19318"/>
+              <a:gd name="adj1" fmla="val 19450"/>
             </a:avLst>
           </a:prstGeom>
           <a:ln w="19050">
@@ -10853,7 +10788,9 @@
       <p:sp>
         <p:nvSpPr>
           <p:cNvPr id="260" name="슬라이드 번호 개체 틀 11"/>
-          <p:cNvSpPr txBox="1"/>
+          <p:cNvSpPr txBox="1">
+            <a:spLocks noGrp="1"/>
+          </p:cNvSpPr>
           <p:nvPr>
             <p:ph type="sldNum" sz="quarter" idx="2"/>
           </p:nvPr>
@@ -10868,7 +10805,7 @@
           </a:prstGeom>
           <a:extLst>
             <a:ext uri="{C572A759-6A51-4108-AA02-DFA0A04FC94B}">
-              <ma14:wrappingTextBoxFlag xmlns:ma14="http://schemas.microsoft.com/office/mac/drawingml/2011/main" val="1"/>
+              <ma14:wrappingTextBoxFlag xmlns:ma14="http://schemas.microsoft.com/office/mac/drawingml/2011/main" xmlns:a14="http://schemas.microsoft.com/office/drawing/2010/main" xmlns:m="http://schemas.openxmlformats.org/officeDocument/2006/math" xmlns="" val="1"/>
             </a:ext>
           </a:extLst>
         </p:spPr>
@@ -10876,8 +10813,11 @@
           <a:bodyPr/>
           <a:lstStyle/>
           <a:p>
-            <a:pPr/>
-            <a:fld id="{86CB4B4D-7CA3-9044-876B-883B54F8677D}" type="slidenum"/>
+            <a:fld id="{86CB4B4D-7CA3-9044-876B-883B54F8677D}" type="slidenum">
+              <a:rPr/>
+              <a:t>25</a:t>
+            </a:fld>
+            <a:endParaRPr/>
           </a:p>
         </p:txBody>
       </p:sp>
@@ -10886,14 +10826,14 @@
   <p:clrMapOvr>
     <a:masterClrMapping/>
   </p:clrMapOvr>
-  <p:transition xmlns:p14="http://schemas.microsoft.com/office/powerpoint/2010/main" spd="med" advClick="1"/>
+  <p:transition spd="med"/>
   <p:timing>
     <p:tnLst>
       <p:par>
-        <p:cTn id="1" nodeType="tmRoot" restart="never" dur="indefinite" fill="hold">
+        <p:cTn id="1" dur="indefinite" restart="never" fill="hold" nodeType="tmRoot">
           <p:childTnLst>
             <p:seq concurrent="1" prevAc="none" nextAc="seek">
-              <p:cTn id="2" nodeType="mainSeq" dur="indefinite" fill="hold">
+              <p:cTn id="2" dur="indefinite" fill="hold" nodeType="mainSeq">
                 <p:childTnLst>
                   <p:par>
                     <p:cTn id="3" fill="hold">
@@ -10908,11 +10848,11 @@
                             </p:stCondLst>
                             <p:childTnLst>
                               <p:par>
-                                <p:cTn id="5" presetClass="entr" nodeType="clickEffect" presetSubtype="0" presetID="1" grpId="1" fill="hold">
+                                <p:cTn id="5" presetID="1" presetClass="entr" presetSubtype="0" fill="hold" grpId="1" nodeType="clickEffect">
                                   <p:stCondLst>
                                     <p:cond delay="0"/>
                                   </p:stCondLst>
-                                  <p:iterate type="el" backwards="0">
+                                  <p:iterate>
                                     <p:tmAbs val="0"/>
                                   </p:iterate>
                                   <p:childTnLst>
@@ -10943,11 +10883,11 @@
                             </p:stCondLst>
                             <p:childTnLst>
                               <p:par>
-                                <p:cTn id="8" presetClass="entr" nodeType="afterEffect" presetSubtype="0" presetID="1" grpId="2" fill="hold">
+                                <p:cTn id="8" presetID="1" presetClass="entr" presetSubtype="0" fill="hold" grpId="2" nodeType="afterEffect">
                                   <p:stCondLst>
                                     <p:cond delay="0"/>
                                   </p:stCondLst>
-                                  <p:iterate type="el" backwards="0">
+                                  <p:iterate>
                                     <p:tmAbs val="0"/>
                                   </p:iterate>
                                   <p:childTnLst>
@@ -10978,11 +10918,11 @@
                             </p:stCondLst>
                             <p:childTnLst>
                               <p:par>
-                                <p:cTn id="11" presetClass="entr" nodeType="afterEffect" presetSubtype="0" presetID="1" grpId="3" fill="hold">
+                                <p:cTn id="11" presetID="1" presetClass="entr" presetSubtype="0" fill="hold" grpId="3" nodeType="afterEffect">
                                   <p:stCondLst>
                                     <p:cond delay="0"/>
                                   </p:stCondLst>
-                                  <p:iterate type="el" backwards="0">
+                                  <p:iterate>
                                     <p:tmAbs val="0"/>
                                   </p:iterate>
                                   <p:childTnLst>
@@ -11013,11 +10953,11 @@
                             </p:stCondLst>
                             <p:childTnLst>
                               <p:par>
-                                <p:cTn id="14" presetClass="entr" nodeType="afterEffect" presetSubtype="0" presetID="1" grpId="4" fill="hold">
+                                <p:cTn id="14" presetID="1" presetClass="entr" presetSubtype="0" fill="hold" grpId="4" nodeType="afterEffect">
                                   <p:stCondLst>
                                     <p:cond delay="0"/>
                                   </p:stCondLst>
-                                  <p:iterate type="el" backwards="0">
+                                  <p:iterate>
                                     <p:tmAbs val="0"/>
                                   </p:iterate>
                                   <p:childTnLst>
@@ -11047,14 +10987,14 @@
                 </p:childTnLst>
               </p:cTn>
               <p:prevCondLst>
-                <p:cond evt="onPrev">
+                <p:cond evt="onPrev" delay="0">
                   <p:tgtEl>
                     <p:sldTgt/>
                   </p:tgtEl>
                 </p:cond>
               </p:prevCondLst>
               <p:nextCondLst>
-                <p:cond evt="onNext">
+                <p:cond evt="onNext" delay="0">
                   <p:tgtEl>
                     <p:sldTgt/>
                   </p:tgtEl>
@@ -11066,17 +11006,17 @@
       </p:par>
     </p:tnLst>
     <p:bldLst>
-      <p:bldP build="whole" bldLvl="1" animBg="1" rev="0" advAuto="0" spid="257" grpId="2"/>
-      <p:bldP build="whole" bldLvl="1" animBg="1" rev="0" advAuto="0" spid="255" grpId="1"/>
-      <p:bldP build="whole" bldLvl="1" animBg="1" rev="0" advAuto="0" spid="259" grpId="3"/>
-      <p:bldP build="whole" bldLvl="1" animBg="1" rev="0" advAuto="0" spid="258" grpId="4"/>
+      <p:bldP spid="255" grpId="1" animBg="1" advAuto="0"/>
+      <p:bldP spid="257" grpId="2" animBg="1" advAuto="0"/>
+      <p:bldP spid="258" grpId="4" animBg="1" advAuto="0"/>
+      <p:bldP spid="259" grpId="3" animBg="1" advAuto="0"/>
     </p:bldLst>
   </p:timing>
 </p:sld>
 </file>
 
 <file path=ppt/slides/slide26.xml><?xml version="1.0" encoding="utf-8"?>
-<p:sld xmlns:a="http://schemas.openxmlformats.org/drawingml/2006/main" xmlns:r="http://schemas.openxmlformats.org/officeDocument/2006/relationships" xmlns:p="http://schemas.openxmlformats.org/presentationml/2006/main" xmlns:m="http://schemas.openxmlformats.org/officeDocument/2006/math" xmlns:a14="http://schemas.microsoft.com/office/drawing/2010/main" showMasterSp="1" showMasterPhAnim="1">
+<p:sld xmlns:a="http://schemas.openxmlformats.org/drawingml/2006/main" xmlns:r="http://schemas.openxmlformats.org/officeDocument/2006/relationships" xmlns:p="http://schemas.openxmlformats.org/presentationml/2006/main">
   <p:cSld>
     <p:spTree>
       <p:nvGrpSpPr>
@@ -11095,7 +11035,9 @@
       <p:sp>
         <p:nvSpPr>
           <p:cNvPr id="264" name="제목 1"/>
-          <p:cNvSpPr txBox="1"/>
+          <p:cNvSpPr txBox="1">
+            <a:spLocks noGrp="1"/>
+          </p:cNvSpPr>
           <p:nvPr>
             <p:ph type="title"/>
           </p:nvPr>
@@ -11113,7 +11055,6 @@
           <a:bodyPr/>
           <a:lstStyle/>
           <a:p>
-            <a:pPr/>
             <a:r>
               <a:t>New Project from Existing Source Files (3/3)</a:t>
             </a:r>
@@ -11123,7 +11064,9 @@
       <p:sp>
         <p:nvSpPr>
           <p:cNvPr id="265" name="슬라이드 번호 개체 틀 10"/>
-          <p:cNvSpPr txBox="1"/>
+          <p:cNvSpPr txBox="1">
+            <a:spLocks noGrp="1"/>
+          </p:cNvSpPr>
           <p:nvPr>
             <p:ph type="sldNum" sz="quarter" idx="2"/>
           </p:nvPr>
@@ -11138,7 +11081,7 @@
           </a:prstGeom>
           <a:extLst>
             <a:ext uri="{C572A759-6A51-4108-AA02-DFA0A04FC94B}">
-              <ma14:wrappingTextBoxFlag xmlns:ma14="http://schemas.microsoft.com/office/mac/drawingml/2011/main" val="1"/>
+              <ma14:wrappingTextBoxFlag xmlns:ma14="http://schemas.microsoft.com/office/mac/drawingml/2011/main" xmlns:a14="http://schemas.microsoft.com/office/drawing/2010/main" xmlns:m="http://schemas.openxmlformats.org/officeDocument/2006/math" xmlns="" val="1"/>
             </a:ext>
           </a:extLst>
         </p:spPr>
@@ -11146,8 +11089,10 @@
           <a:bodyPr/>
           <a:lstStyle/>
           <a:p>
-            <a:pPr/>
-            <a:fld id="{86CB4B4D-7CA3-9044-876B-883B54F8677D}" type="slidenum"/>
+            <a:fld id="{86CB4B4D-7CA3-9044-876B-883B54F8677D}" type="slidenum">
+              <a:t>26</a:t>
+            </a:fld>
+            <a:endParaRPr/>
           </a:p>
         </p:txBody>
       </p:sp>
@@ -11160,9 +11105,7 @@
           <p:nvPr/>
         </p:nvPicPr>
         <p:blipFill>
-          <a:blip r:embed="rId3">
-            <a:extLst/>
-          </a:blip>
+          <a:blip r:embed="rId3"/>
           <a:stretch>
             <a:fillRect/>
           </a:stretch>
@@ -11182,7 +11125,7 @@
             <a:miter lim="400000"/>
           </a:ln>
           <a:effectLst>
-            <a:outerShdw sx="100000" sy="100000" kx="0" ky="0" algn="b" rotWithShape="0" blurRad="292100" dist="139700" dir="2700000">
+            <a:outerShdw blurRad="292100" dist="139700" dir="2700000" rotWithShape="0">
               <a:srgbClr val="333333">
                 <a:alpha val="64999"/>
               </a:srgbClr>
@@ -11195,12 +11138,12 @@
   <p:clrMapOvr>
     <a:masterClrMapping/>
   </p:clrMapOvr>
-  <p:transition xmlns:p14="http://schemas.microsoft.com/office/powerpoint/2010/main" spd="med" advClick="1"/>
+  <p:transition spd="med"/>
 </p:sld>
 </file>
 
 <file path=ppt/slides/slide3.xml><?xml version="1.0" encoding="utf-8"?>
-<p:sld xmlns:a="http://schemas.openxmlformats.org/drawingml/2006/main" xmlns:r="http://schemas.openxmlformats.org/officeDocument/2006/relationships" xmlns:p="http://schemas.openxmlformats.org/presentationml/2006/main" xmlns:m="http://schemas.openxmlformats.org/officeDocument/2006/math" xmlns:a14="http://schemas.microsoft.com/office/drawing/2010/main" showMasterSp="1" showMasterPhAnim="1">
+<p:sld xmlns:a="http://schemas.openxmlformats.org/drawingml/2006/main" xmlns:r="http://schemas.openxmlformats.org/officeDocument/2006/relationships" xmlns:p="http://schemas.openxmlformats.org/presentationml/2006/main">
   <p:cSld>
     <p:spTree>
       <p:nvGrpSpPr>
@@ -11225,9 +11168,7 @@
           <p:nvPr/>
         </p:nvPicPr>
         <p:blipFill>
-          <a:blip r:embed="rId3">
-            <a:extLst/>
-          </a:blip>
+          <a:blip r:embed="rId3"/>
           <a:stretch>
             <a:fillRect/>
           </a:stretch>
@@ -11244,7 +11185,7 @@
             <a:miter lim="400000"/>
           </a:ln>
           <a:effectLst>
-            <a:outerShdw sx="100000" sy="100000" kx="0" ky="0" algn="b" rotWithShape="0" blurRad="292100" dist="139700" dir="2700000">
+            <a:outerShdw blurRad="292100" dist="139700" dir="2700000" rotWithShape="0">
               <a:srgbClr val="333333">
                 <a:alpha val="64999"/>
               </a:srgbClr>
@@ -11255,7 +11196,9 @@
       <p:sp>
         <p:nvSpPr>
           <p:cNvPr id="54" name="제목 1"/>
-          <p:cNvSpPr txBox="1"/>
+          <p:cNvSpPr txBox="1">
+            <a:spLocks noGrp="1"/>
+          </p:cNvSpPr>
           <p:nvPr>
             <p:ph type="title"/>
           </p:nvPr>
@@ -11273,15 +11216,8 @@
           <a:bodyPr/>
           <a:lstStyle/>
           <a:p>
-            <a:pPr/>
-            <a:r>
-              <a:t>Installing JDK -</a:t>
-            </a:r>
-            <a:r>
-              <a:t> </a:t>
-            </a:r>
-            <a:r>
-              <a:t>1</a:t>
+            <a:r>
+              <a:t>Installing JDK - 1</a:t>
             </a:r>
           </a:p>
         </p:txBody>
@@ -11289,7 +11225,9 @@
       <p:sp>
         <p:nvSpPr>
           <p:cNvPr id="55" name="내용 개체 틀 2"/>
-          <p:cNvSpPr txBox="1"/>
+          <p:cNvSpPr txBox="1">
+            <a:spLocks noGrp="1"/>
+          </p:cNvSpPr>
           <p:nvPr>
             <p:ph type="body" idx="1"/>
           </p:nvPr>
@@ -11316,7 +11254,7 @@
                     <a:srgbClr val="80878B"/>
                   </a:solidFill>
                 </a:uFill>
-                <a:hlinkClick r:id="rId4" invalidUrl="" action="" tgtFrame="" tooltip="" history="1" highlightClick="0" endSnd="0"/>
+                <a:hlinkClick r:id="rId4"/>
               </a:defRPr>
             </a:lvl1pPr>
           </a:lstStyle>
@@ -11339,7 +11277,7 @@
                     <a:srgbClr val="80878B"/>
                   </a:solidFill>
                 </a:uFill>
-                <a:hlinkClick r:id="rId4" invalidUrl="" action="" tgtFrame="" tooltip="" history="1" highlightClick="0" endSnd="0"/>
+                <a:hlinkClick r:id="rId4"/>
               </a:rPr>
               <a:t>https://www.oracle.com/java/technologies/</a:t>
             </a:r>
@@ -11349,7 +11287,9 @@
       <p:sp>
         <p:nvSpPr>
           <p:cNvPr id="56" name="슬라이드 번호 개체 틀 3"/>
-          <p:cNvSpPr txBox="1"/>
+          <p:cNvSpPr txBox="1">
+            <a:spLocks noGrp="1"/>
+          </p:cNvSpPr>
           <p:nvPr>
             <p:ph type="sldNum" sz="quarter" idx="2"/>
           </p:nvPr>
@@ -11364,13 +11304,13 @@
           </a:prstGeom>
           <a:extLst>
             <a:ext uri="{C572A759-6A51-4108-AA02-DFA0A04FC94B}">
-              <ma14:wrappingTextBoxFlag xmlns:ma14="http://schemas.microsoft.com/office/mac/drawingml/2011/main" val="1"/>
+              <ma14:wrappingTextBoxFlag xmlns:ma14="http://schemas.microsoft.com/office/mac/drawingml/2011/main" xmlns:a14="http://schemas.microsoft.com/office/drawing/2010/main" xmlns:m="http://schemas.openxmlformats.org/officeDocument/2006/math" xmlns="" val="1"/>
             </a:ext>
           </a:extLst>
         </p:spPr>
         <p:txBody>
           <a:bodyPr>
-            <a:normAutofit fontScale="100000" lnSpcReduction="0"/>
+            <a:normAutofit/>
           </a:bodyPr>
           <a:lstStyle>
             <a:lvl1pPr>
@@ -11381,8 +11321,10 @@
             </a:lvl1pPr>
           </a:lstStyle>
           <a:p>
-            <a:pPr/>
-            <a:fld id="{86CB4B4D-7CA3-9044-876B-883B54F8677D}" type="slidenum"/>
+            <a:fld id="{86CB4B4D-7CA3-9044-876B-883B54F8677D}" type="slidenum">
+              <a:t>3</a:t>
+            </a:fld>
+            <a:endParaRPr/>
           </a:p>
         </p:txBody>
       </p:sp>
@@ -11417,6 +11359,7 @@
                 </a:solidFill>
               </a:defRPr>
             </a:pPr>
+            <a:endParaRPr/>
           </a:p>
         </p:txBody>
       </p:sp>
@@ -11461,6 +11404,7 @@
                 <a:sym typeface="Menlo Regular"/>
               </a:defRPr>
             </a:pPr>
+            <a:endParaRPr/>
           </a:p>
         </p:txBody>
       </p:sp>
@@ -11483,7 +11427,7 @@
           </a:ln>
           <a:extLst>
             <a:ext uri="{C572A759-6A51-4108-AA02-DFA0A04FC94B}">
-              <ma14:wrappingTextBoxFlag xmlns:ma14="http://schemas.microsoft.com/office/mac/drawingml/2011/main" val="1"/>
+              <ma14:wrappingTextBoxFlag xmlns:ma14="http://schemas.microsoft.com/office/mac/drawingml/2011/main" xmlns:a14="http://schemas.microsoft.com/office/drawing/2010/main" xmlns:m="http://schemas.openxmlformats.org/officeDocument/2006/math" xmlns="" val="1"/>
             </a:ext>
           </a:extLst>
         </p:spPr>
@@ -11502,7 +11446,6 @@
             </a:lvl1pPr>
           </a:lstStyle>
           <a:p>
-            <a:pPr/>
             <a:r>
               <a:t>Java SE </a:t>
             </a:r>
@@ -11514,12 +11457,12 @@
   <p:clrMapOvr>
     <a:masterClrMapping/>
   </p:clrMapOvr>
-  <p:transition xmlns:p14="http://schemas.microsoft.com/office/powerpoint/2010/main" spd="med" advClick="1"/>
+  <p:transition spd="med"/>
 </p:sld>
 </file>
 
 <file path=ppt/slides/slide4.xml><?xml version="1.0" encoding="utf-8"?>
-<p:sld xmlns:a="http://schemas.openxmlformats.org/drawingml/2006/main" xmlns:r="http://schemas.openxmlformats.org/officeDocument/2006/relationships" xmlns:p="http://schemas.openxmlformats.org/presentationml/2006/main" xmlns:m="http://schemas.openxmlformats.org/officeDocument/2006/math" xmlns:a14="http://schemas.microsoft.com/office/drawing/2010/main" showMasterSp="1" showMasterPhAnim="1">
+<p:sld xmlns:a="http://schemas.openxmlformats.org/drawingml/2006/main" xmlns:r="http://schemas.openxmlformats.org/officeDocument/2006/relationships" xmlns:p="http://schemas.openxmlformats.org/presentationml/2006/main">
   <p:cSld>
     <p:spTree>
       <p:nvGrpSpPr>
@@ -11538,7 +11481,9 @@
       <p:sp>
         <p:nvSpPr>
           <p:cNvPr id="63" name="제목 1"/>
-          <p:cNvSpPr txBox="1"/>
+          <p:cNvSpPr txBox="1">
+            <a:spLocks noGrp="1"/>
+          </p:cNvSpPr>
           <p:nvPr>
             <p:ph type="title"/>
           </p:nvPr>
@@ -11556,15 +11501,8 @@
           <a:bodyPr/>
           <a:lstStyle/>
           <a:p>
-            <a:pPr/>
-            <a:r>
-              <a:t>Installing JDK -</a:t>
-            </a:r>
-            <a:r>
-              <a:t> </a:t>
-            </a:r>
-            <a:r>
-              <a:t>2</a:t>
+            <a:r>
+              <a:t>Installing JDK - 2</a:t>
             </a:r>
           </a:p>
         </p:txBody>
@@ -11572,7 +11510,9 @@
       <p:sp>
         <p:nvSpPr>
           <p:cNvPr id="64" name="내용 개체 틀 2"/>
-          <p:cNvSpPr txBox="1"/>
+          <p:cNvSpPr txBox="1">
+            <a:spLocks noGrp="1"/>
+          </p:cNvSpPr>
           <p:nvPr>
             <p:ph type="body" idx="1"/>
           </p:nvPr>
@@ -11590,19 +11530,17 @@
           <a:bodyPr/>
           <a:lstStyle/>
           <a:p>
-            <a:pPr/>
             <a:r>
               <a:t>Download appropriate installation file for your platform:</a:t>
             </a:r>
           </a:p>
           <a:p>
-            <a:pPr/>
             <a:r>
               <a:t>Windows</a:t>
             </a:r>
           </a:p>
           <a:p>
-            <a:pPr lvl="1" marL="742950" indent="-285750">
+            <a:pPr marL="742950" lvl="1" indent="-285750">
               <a:buFont typeface="Helvetica"/>
               <a:defRPr sz="2300"/>
             </a:pPr>
@@ -11611,7 +11549,7 @@
             </a:r>
           </a:p>
           <a:p>
-            <a:pPr lvl="2" marL="1143000" indent="-228600">
+            <a:pPr marL="1143000" lvl="2" indent="-228600">
               <a:buFontTx/>
               <a:defRPr sz="2200"/>
             </a:pPr>
@@ -11625,19 +11563,18 @@
                     <a:srgbClr val="80878B"/>
                   </a:solidFill>
                 </a:uFill>
-                <a:hlinkClick r:id="rId3" invalidUrl="" action="" tgtFrame="" tooltip="" history="1" highlightClick="0" endSnd="0"/>
+                <a:hlinkClick r:id="rId3"/>
               </a:rPr>
               <a:t>https://download.oracle.com/java/22/latest/jdk-22_windows-x64_bin.exe</a:t>
             </a:r>
           </a:p>
           <a:p>
-            <a:pPr/>
             <a:r>
               <a:t>macOS</a:t>
             </a:r>
           </a:p>
           <a:p>
-            <a:pPr lvl="1" marL="742950" indent="-285750">
+            <a:pPr marL="742950" lvl="1" indent="-285750">
               <a:buFont typeface="Helvetica"/>
               <a:defRPr sz="2300"/>
             </a:pPr>
@@ -11646,7 +11583,7 @@
             </a:r>
           </a:p>
           <a:p>
-            <a:pPr lvl="2" marL="1143000" indent="-228600">
+            <a:pPr marL="1143000" lvl="2" indent="-228600">
               <a:buFontTx/>
               <a:defRPr sz="2200"/>
             </a:pPr>
@@ -11660,13 +11597,13 @@
                     <a:srgbClr val="80878B"/>
                   </a:solidFill>
                 </a:uFill>
-                <a:hlinkClick r:id="rId4" invalidUrl="" action="" tgtFrame="" tooltip="" history="1" highlightClick="0" endSnd="0"/>
+                <a:hlinkClick r:id="rId4"/>
               </a:rPr>
               <a:t>https://download.oracle.com/java/22/latest/jdk-22_macos-aarch64_bin.dmg</a:t>
             </a:r>
           </a:p>
           <a:p>
-            <a:pPr lvl="1" marL="742950" indent="-285750">
+            <a:pPr marL="742950" lvl="1" indent="-285750">
               <a:buFont typeface="Helvetica"/>
               <a:defRPr sz="2300"/>
             </a:pPr>
@@ -11675,7 +11612,7 @@
             </a:r>
           </a:p>
           <a:p>
-            <a:pPr lvl="2" marL="1143000" indent="-228600">
+            <a:pPr marL="1143000" lvl="2" indent="-228600">
               <a:buFontTx/>
               <a:defRPr sz="2200">
                 <a:solidFill>
@@ -11693,7 +11630,7 @@
                     <a:srgbClr val="80878B"/>
                   </a:solidFill>
                 </a:uFill>
-                <a:hlinkClick r:id="rId5" invalidUrl="" action="" tgtFrame="" tooltip="" history="1" highlightClick="0" endSnd="0"/>
+                <a:hlinkClick r:id="rId5"/>
               </a:rPr>
               <a:t>https://download.oracle.com/java/22/latest/jdk-22_macos-x64_bin.dmg</a:t>
             </a:r>
@@ -11703,7 +11640,9 @@
       <p:sp>
         <p:nvSpPr>
           <p:cNvPr id="65" name="슬라이드 번호 개체 틀 3"/>
-          <p:cNvSpPr txBox="1"/>
+          <p:cNvSpPr txBox="1">
+            <a:spLocks noGrp="1"/>
+          </p:cNvSpPr>
           <p:nvPr>
             <p:ph type="sldNum" sz="quarter" idx="2"/>
           </p:nvPr>
@@ -11718,13 +11657,13 @@
           </a:prstGeom>
           <a:extLst>
             <a:ext uri="{C572A759-6A51-4108-AA02-DFA0A04FC94B}">
-              <ma14:wrappingTextBoxFlag xmlns:ma14="http://schemas.microsoft.com/office/mac/drawingml/2011/main" val="1"/>
+              <ma14:wrappingTextBoxFlag xmlns:ma14="http://schemas.microsoft.com/office/mac/drawingml/2011/main" xmlns:a14="http://schemas.microsoft.com/office/drawing/2010/main" xmlns:m="http://schemas.openxmlformats.org/officeDocument/2006/math" xmlns="" val="1"/>
             </a:ext>
           </a:extLst>
         </p:spPr>
         <p:txBody>
           <a:bodyPr>
-            <a:normAutofit fontScale="100000" lnSpcReduction="0"/>
+            <a:normAutofit/>
           </a:bodyPr>
           <a:lstStyle>
             <a:lvl1pPr>
@@ -11735,8 +11674,10 @@
             </a:lvl1pPr>
           </a:lstStyle>
           <a:p>
-            <a:pPr/>
-            <a:fld id="{86CB4B4D-7CA3-9044-876B-883B54F8677D}" type="slidenum"/>
+            <a:fld id="{86CB4B4D-7CA3-9044-876B-883B54F8677D}" type="slidenum">
+              <a:t>4</a:t>
+            </a:fld>
+            <a:endParaRPr/>
           </a:p>
         </p:txBody>
       </p:sp>
@@ -11745,12 +11686,12 @@
   <p:clrMapOvr>
     <a:masterClrMapping/>
   </p:clrMapOvr>
-  <p:transition xmlns:p14="http://schemas.microsoft.com/office/powerpoint/2010/main" spd="med" advClick="1"/>
+  <p:transition spd="med"/>
 </p:sld>
 </file>
 
 <file path=ppt/slides/slide5.xml><?xml version="1.0" encoding="utf-8"?>
-<p:sld xmlns:a="http://schemas.openxmlformats.org/drawingml/2006/main" xmlns:r="http://schemas.openxmlformats.org/officeDocument/2006/relationships" xmlns:p="http://schemas.openxmlformats.org/presentationml/2006/main" xmlns:m="http://schemas.openxmlformats.org/officeDocument/2006/math" xmlns:a14="http://schemas.microsoft.com/office/drawing/2010/main" showMasterSp="1" showMasterPhAnim="1">
+<p:sld xmlns:a="http://schemas.openxmlformats.org/drawingml/2006/main" xmlns:r="http://schemas.openxmlformats.org/officeDocument/2006/relationships" xmlns:p="http://schemas.openxmlformats.org/presentationml/2006/main">
   <p:cSld>
     <p:spTree>
       <p:nvGrpSpPr>
@@ -11769,7 +11710,9 @@
       <p:sp>
         <p:nvSpPr>
           <p:cNvPr id="69" name="제목 1"/>
-          <p:cNvSpPr txBox="1"/>
+          <p:cNvSpPr txBox="1">
+            <a:spLocks noGrp="1"/>
+          </p:cNvSpPr>
           <p:nvPr>
             <p:ph type="title"/>
           </p:nvPr>
@@ -11787,7 +11730,6 @@
           <a:bodyPr/>
           <a:lstStyle/>
           <a:p>
-            <a:pPr/>
             <a:r>
               <a:t>Checking JDK Installation</a:t>
             </a:r>
@@ -11797,7 +11739,9 @@
       <p:sp>
         <p:nvSpPr>
           <p:cNvPr id="70" name="내용 개체 틀 2"/>
-          <p:cNvSpPr txBox="1"/>
+          <p:cNvSpPr txBox="1">
+            <a:spLocks noGrp="1"/>
+          </p:cNvSpPr>
           <p:nvPr>
             <p:ph type="body" idx="1"/>
           </p:nvPr>
@@ -11815,19 +11759,12 @@
           <a:bodyPr/>
           <a:lstStyle/>
           <a:p>
-            <a:pPr/>
-            <a:r>
-              <a:t>Executing Console</a:t>
-            </a:r>
-            <a:r>
-              <a:t> </a:t>
-            </a:r>
-            <a:r>
-              <a:t>(Command prompt, Terminal) </a:t>
-            </a:r>
-          </a:p>
-          <a:p>
-            <a:pPr lvl="1" marL="742950" indent="-285750">
+            <a:r>
+              <a:t>Executing Console (Command prompt, Terminal) </a:t>
+            </a:r>
+          </a:p>
+          <a:p>
+            <a:pPr marL="742950" lvl="1" indent="-285750">
               <a:buFont typeface="Helvetica"/>
               <a:defRPr sz="2300"/>
             </a:pPr>
@@ -11836,49 +11773,25 @@
             </a:r>
           </a:p>
           <a:p>
-            <a:pPr lvl="2" marL="1143000" indent="-228600">
+            <a:pPr marL="1143000" lvl="2" indent="-228600">
               <a:buFontTx/>
               <a:defRPr sz="2200"/>
             </a:pPr>
             <a:r>
-              <a:t>Windows Key + R &gt; type “cmd</a:t>
-            </a:r>
-            <a:r>
-              <a:t>”</a:t>
-            </a:r>
-            <a:r>
-              <a:t> &gt; confirm</a:t>
-            </a:r>
-          </a:p>
-          <a:p>
-            <a:pPr lvl="2" marL="1143000" indent="-228600">
+              <a:t>Windows Key + R &gt; type “cmd” &gt; confirm</a:t>
+            </a:r>
+          </a:p>
+          <a:p>
+            <a:pPr marL="1143000" lvl="2" indent="-228600">
               <a:buFontTx/>
               <a:defRPr sz="2200"/>
             </a:pPr>
             <a:r>
-              <a:t>Start menu &gt;</a:t>
-            </a:r>
-            <a:r>
-              <a:t> </a:t>
-            </a:r>
-            <a:r>
-              <a:t>Windows system</a:t>
-            </a:r>
-            <a:r>
-              <a:t> </a:t>
-            </a:r>
-            <a:r>
-              <a:t>&gt;</a:t>
-            </a:r>
-            <a:r>
-              <a:t> </a:t>
-            </a:r>
-            <a:r>
-              <a:t>command prompt</a:t>
-            </a:r>
-          </a:p>
-          <a:p>
-            <a:pPr lvl="1" marL="742950" indent="-285750">
+              <a:t>Start menu &gt; Windows system &gt; command prompt</a:t>
+            </a:r>
+          </a:p>
+          <a:p>
+            <a:pPr marL="742950" lvl="1" indent="-285750">
               <a:buFont typeface="Helvetica"/>
               <a:defRPr sz="2300"/>
             </a:pPr>
@@ -11887,22 +11800,16 @@
             </a:r>
           </a:p>
           <a:p>
-            <a:pPr lvl="1" marL="0" indent="457200">
+            <a:pPr marL="0" lvl="1" indent="457200">
               <a:buSzTx/>
               <a:buNone/>
               <a:defRPr sz="2300"/>
             </a:pPr>
-          </a:p>
-          <a:p>
-            <a:pPr/>
-            <a:r>
-              <a:t>Type `java –version’ and</a:t>
-            </a:r>
-            <a:r>
-              <a:t> </a:t>
-            </a:r>
-            <a:r>
-              <a:t>`javac –version’ to confirm the installation</a:t>
+            <a:endParaRPr/>
+          </a:p>
+          <a:p>
+            <a:r>
+              <a:t>Type `java –version’ and `javac –version’ to confirm the installation</a:t>
             </a:r>
           </a:p>
         </p:txBody>
@@ -11910,7 +11817,9 @@
       <p:sp>
         <p:nvSpPr>
           <p:cNvPr id="71" name="슬라이드 번호 개체 틀 3"/>
-          <p:cNvSpPr txBox="1"/>
+          <p:cNvSpPr txBox="1">
+            <a:spLocks noGrp="1"/>
+          </p:cNvSpPr>
           <p:nvPr>
             <p:ph type="sldNum" sz="quarter" idx="2"/>
           </p:nvPr>
@@ -11925,13 +11834,13 @@
           </a:prstGeom>
           <a:extLst>
             <a:ext uri="{C572A759-6A51-4108-AA02-DFA0A04FC94B}">
-              <ma14:wrappingTextBoxFlag xmlns:ma14="http://schemas.microsoft.com/office/mac/drawingml/2011/main" val="1"/>
+              <ma14:wrappingTextBoxFlag xmlns:ma14="http://schemas.microsoft.com/office/mac/drawingml/2011/main" xmlns:a14="http://schemas.microsoft.com/office/drawing/2010/main" xmlns:m="http://schemas.openxmlformats.org/officeDocument/2006/math" xmlns="" val="1"/>
             </a:ext>
           </a:extLst>
         </p:spPr>
         <p:txBody>
           <a:bodyPr>
-            <a:normAutofit fontScale="100000" lnSpcReduction="0"/>
+            <a:normAutofit/>
           </a:bodyPr>
           <a:lstStyle>
             <a:lvl1pPr>
@@ -11942,8 +11851,10 @@
             </a:lvl1pPr>
           </a:lstStyle>
           <a:p>
-            <a:pPr/>
-            <a:fld id="{86CB4B4D-7CA3-9044-876B-883B54F8677D}" type="slidenum"/>
+            <a:fld id="{86CB4B4D-7CA3-9044-876B-883B54F8677D}" type="slidenum">
+              <a:t>5</a:t>
+            </a:fld>
+            <a:endParaRPr/>
           </a:p>
         </p:txBody>
       </p:sp>
@@ -11956,9 +11867,7 @@
           <p:nvPr/>
         </p:nvPicPr>
         <p:blipFill>
-          <a:blip r:embed="rId3">
-            <a:extLst/>
-          </a:blip>
+          <a:blip r:embed="rId3"/>
           <a:stretch>
             <a:fillRect/>
           </a:stretch>
@@ -11977,7 +11886,7 @@
             </a:solidFill>
           </a:ln>
           <a:effectLst>
-            <a:outerShdw sx="100000" sy="100000" kx="0" ky="0" algn="b" rotWithShape="0" blurRad="292100" dist="139700" dir="2700000">
+            <a:outerShdw blurRad="292100" dist="139700" dir="2700000" rotWithShape="0">
               <a:srgbClr val="333333">
                 <a:alpha val="64999"/>
               </a:srgbClr>
@@ -11990,12 +11899,12 @@
   <p:clrMapOvr>
     <a:masterClrMapping/>
   </p:clrMapOvr>
-  <p:transition xmlns:p14="http://schemas.microsoft.com/office/powerpoint/2010/main" spd="med" advClick="1"/>
+  <p:transition spd="med"/>
 </p:sld>
 </file>
 
 <file path=ppt/slides/slide6.xml><?xml version="1.0" encoding="utf-8"?>
-<p:sld xmlns:a="http://schemas.openxmlformats.org/drawingml/2006/main" xmlns:r="http://schemas.openxmlformats.org/officeDocument/2006/relationships" xmlns:p="http://schemas.openxmlformats.org/presentationml/2006/main" xmlns:m="http://schemas.openxmlformats.org/officeDocument/2006/math" xmlns:a14="http://schemas.microsoft.com/office/drawing/2010/main" showMasterSp="1" showMasterPhAnim="1">
+<p:sld xmlns:a="http://schemas.openxmlformats.org/drawingml/2006/main" xmlns:r="http://schemas.openxmlformats.org/officeDocument/2006/relationships" xmlns:p="http://schemas.openxmlformats.org/presentationml/2006/main">
   <p:cSld>
     <p:spTree>
       <p:nvGrpSpPr>
@@ -12014,7 +11923,9 @@
       <p:sp>
         <p:nvSpPr>
           <p:cNvPr id="76" name="제목 1"/>
-          <p:cNvSpPr txBox="1"/>
+          <p:cNvSpPr txBox="1">
+            <a:spLocks noGrp="1"/>
+          </p:cNvSpPr>
           <p:nvPr>
             <p:ph type="title"/>
           </p:nvPr>
@@ -12032,7 +11943,6 @@
           <a:bodyPr/>
           <a:lstStyle/>
           <a:p>
-            <a:pPr/>
             <a:r>
               <a:t>JavaSE Documentation</a:t>
             </a:r>
@@ -12042,7 +11952,9 @@
       <p:sp>
         <p:nvSpPr>
           <p:cNvPr id="77" name="슬라이드 번호 개체 틀 6"/>
-          <p:cNvSpPr txBox="1"/>
+          <p:cNvSpPr txBox="1">
+            <a:spLocks noGrp="1"/>
+          </p:cNvSpPr>
           <p:nvPr>
             <p:ph type="sldNum" sz="quarter" idx="2"/>
           </p:nvPr>
@@ -12057,13 +11969,13 @@
           </a:prstGeom>
           <a:extLst>
             <a:ext uri="{C572A759-6A51-4108-AA02-DFA0A04FC94B}">
-              <ma14:wrappingTextBoxFlag xmlns:ma14="http://schemas.microsoft.com/office/mac/drawingml/2011/main" val="1"/>
+              <ma14:wrappingTextBoxFlag xmlns:ma14="http://schemas.microsoft.com/office/mac/drawingml/2011/main" xmlns:a14="http://schemas.microsoft.com/office/drawing/2010/main" xmlns:m="http://schemas.openxmlformats.org/officeDocument/2006/math" xmlns="" val="1"/>
             </a:ext>
           </a:extLst>
         </p:spPr>
         <p:txBody>
           <a:bodyPr>
-            <a:normAutofit fontScale="100000" lnSpcReduction="0"/>
+            <a:normAutofit/>
           </a:bodyPr>
           <a:lstStyle>
             <a:lvl1pPr>
@@ -12074,8 +11986,10 @@
             </a:lvl1pPr>
           </a:lstStyle>
           <a:p>
-            <a:pPr/>
-            <a:fld id="{86CB4B4D-7CA3-9044-876B-883B54F8677D}" type="slidenum"/>
+            <a:fld id="{86CB4B4D-7CA3-9044-876B-883B54F8677D}" type="slidenum">
+              <a:t>6</a:t>
+            </a:fld>
+            <a:endParaRPr/>
           </a:p>
         </p:txBody>
       </p:sp>
@@ -12098,7 +12012,7 @@
           </a:ln>
           <a:extLst>
             <a:ext uri="{C572A759-6A51-4108-AA02-DFA0A04FC94B}">
-              <ma14:wrappingTextBoxFlag xmlns:ma14="http://schemas.microsoft.com/office/mac/drawingml/2011/main" val="1"/>
+              <ma14:wrappingTextBoxFlag xmlns:ma14="http://schemas.microsoft.com/office/mac/drawingml/2011/main" xmlns:a14="http://schemas.microsoft.com/office/drawing/2010/main" xmlns:m="http://schemas.openxmlformats.org/officeDocument/2006/math" xmlns="" val="1"/>
             </a:ext>
           </a:extLst>
         </p:spPr>
@@ -12120,7 +12034,6 @@
             </a:lvl1pPr>
           </a:lstStyle>
           <a:p>
-            <a:pPr/>
             <a:r>
               <a:t>https://docs.oracle.com/en/java/javase</a:t>
             </a:r>
@@ -12136,9 +12049,7 @@
           <p:nvPr/>
         </p:nvPicPr>
         <p:blipFill>
-          <a:blip r:embed="rId3">
-            <a:extLst/>
-          </a:blip>
+          <a:blip r:embed="rId3"/>
           <a:stretch>
             <a:fillRect/>
           </a:stretch>
@@ -12157,7 +12068,7 @@
             </a:solidFill>
           </a:ln>
           <a:effectLst>
-            <a:outerShdw sx="100000" sy="100000" kx="0" ky="0" algn="b" rotWithShape="0" blurRad="292100" dist="139700" dir="2700000">
+            <a:outerShdw blurRad="292100" dist="139700" dir="2700000" rotWithShape="0">
               <a:srgbClr val="333333">
                 <a:alpha val="64999"/>
               </a:srgbClr>
@@ -12206,6 +12117,7 @@
                 <a:sym typeface="Menlo Regular"/>
               </a:defRPr>
             </a:pPr>
+            <a:endParaRPr/>
           </a:p>
         </p:txBody>
       </p:sp>
@@ -12214,12 +12126,12 @@
   <p:clrMapOvr>
     <a:masterClrMapping/>
   </p:clrMapOvr>
-  <p:transition xmlns:p14="http://schemas.microsoft.com/office/powerpoint/2010/main" spd="med" advClick="1"/>
+  <p:transition spd="med"/>
 </p:sld>
 </file>
 
 <file path=ppt/slides/slide7.xml><?xml version="1.0" encoding="utf-8"?>
-<p:sld xmlns:a="http://schemas.openxmlformats.org/drawingml/2006/main" xmlns:r="http://schemas.openxmlformats.org/officeDocument/2006/relationships" xmlns:p="http://schemas.openxmlformats.org/presentationml/2006/main" xmlns:m="http://schemas.openxmlformats.org/officeDocument/2006/math" xmlns:a14="http://schemas.microsoft.com/office/drawing/2010/main" showMasterSp="1" showMasterPhAnim="1">
+<p:sld xmlns:a="http://schemas.openxmlformats.org/drawingml/2006/main" xmlns:r="http://schemas.openxmlformats.org/officeDocument/2006/relationships" xmlns:p="http://schemas.openxmlformats.org/presentationml/2006/main">
   <p:cSld>
     <p:spTree>
       <p:nvGrpSpPr>
@@ -12238,7 +12150,9 @@
       <p:sp>
         <p:nvSpPr>
           <p:cNvPr id="84" name="제목 1"/>
-          <p:cNvSpPr txBox="1"/>
+          <p:cNvSpPr txBox="1">
+            <a:spLocks noGrp="1"/>
+          </p:cNvSpPr>
           <p:nvPr>
             <p:ph type="title"/>
           </p:nvPr>
@@ -12256,7 +12170,6 @@
           <a:bodyPr/>
           <a:lstStyle/>
           <a:p>
-            <a:pPr/>
             <a:r>
               <a:t>JDK Documentation</a:t>
             </a:r>
@@ -12266,7 +12179,9 @@
       <p:sp>
         <p:nvSpPr>
           <p:cNvPr id="85" name="내용 개체 틀 2"/>
-          <p:cNvSpPr txBox="1"/>
+          <p:cNvSpPr txBox="1">
+            <a:spLocks noGrp="1"/>
+          </p:cNvSpPr>
           <p:nvPr>
             <p:ph type="body" sz="quarter" idx="1"/>
           </p:nvPr>
@@ -12294,7 +12209,6 @@
             </a:lvl1pPr>
           </a:lstStyle>
           <a:p>
-            <a:pPr/>
             <a:r>
               <a:t>Tools, Tutorials, API Documentation, ...</a:t>
             </a:r>
@@ -12304,7 +12218,9 @@
       <p:sp>
         <p:nvSpPr>
           <p:cNvPr id="86" name="슬라이드 번호 개체 틀 3"/>
-          <p:cNvSpPr txBox="1"/>
+          <p:cNvSpPr txBox="1">
+            <a:spLocks noGrp="1"/>
+          </p:cNvSpPr>
           <p:nvPr>
             <p:ph type="sldNum" sz="quarter" idx="2"/>
           </p:nvPr>
@@ -12319,7 +12235,7 @@
           </a:prstGeom>
           <a:extLst>
             <a:ext uri="{C572A759-6A51-4108-AA02-DFA0A04FC94B}">
-              <ma14:wrappingTextBoxFlag xmlns:ma14="http://schemas.microsoft.com/office/mac/drawingml/2011/main" val="1"/>
+              <ma14:wrappingTextBoxFlag xmlns:ma14="http://schemas.microsoft.com/office/mac/drawingml/2011/main" xmlns:a14="http://schemas.microsoft.com/office/drawing/2010/main" xmlns:m="http://schemas.openxmlformats.org/officeDocument/2006/math" xmlns="" val="1"/>
             </a:ext>
           </a:extLst>
         </p:spPr>
@@ -12327,8 +12243,10 @@
           <a:bodyPr/>
           <a:lstStyle/>
           <a:p>
-            <a:pPr/>
-            <a:fld id="{86CB4B4D-7CA3-9044-876B-883B54F8677D}" type="slidenum"/>
+            <a:fld id="{86CB4B4D-7CA3-9044-876B-883B54F8677D}" type="slidenum">
+              <a:t>7</a:t>
+            </a:fld>
+            <a:endParaRPr/>
           </a:p>
         </p:txBody>
       </p:sp>
@@ -12341,9 +12259,7 @@
           <p:nvPr/>
         </p:nvPicPr>
         <p:blipFill>
-          <a:blip r:embed="rId3">
-            <a:extLst/>
-          </a:blip>
+          <a:blip r:embed="rId3"/>
           <a:stretch>
             <a:fillRect/>
           </a:stretch>
@@ -12362,7 +12278,7 @@
             </a:solidFill>
           </a:ln>
           <a:effectLst>
-            <a:outerShdw sx="100000" sy="100000" kx="0" ky="0" algn="b" rotWithShape="0" blurRad="292100" dist="139700" dir="2700000">
+            <a:outerShdw blurRad="292100" dist="139700" dir="2700000" rotWithShape="0">
               <a:srgbClr val="333333">
                 <a:alpha val="64999"/>
               </a:srgbClr>
@@ -12389,7 +12305,7 @@
           </a:ln>
           <a:extLst>
             <a:ext uri="{C572A759-6A51-4108-AA02-DFA0A04FC94B}">
-              <ma14:wrappingTextBoxFlag xmlns:ma14="http://schemas.microsoft.com/office/mac/drawingml/2011/main" val="1"/>
+              <ma14:wrappingTextBoxFlag xmlns:ma14="http://schemas.microsoft.com/office/mac/drawingml/2011/main" xmlns:a14="http://schemas.microsoft.com/office/drawing/2010/main" xmlns:m="http://schemas.openxmlformats.org/officeDocument/2006/math" xmlns="" val="1"/>
             </a:ext>
           </a:extLst>
         </p:spPr>
@@ -12411,7 +12327,6 @@
             </a:lvl1pPr>
           </a:lstStyle>
           <a:p>
-            <a:pPr/>
             <a:r>
               <a:t>ex) https://docs.oracle.com/en/java/javase/22</a:t>
             </a:r>
@@ -12459,6 +12374,7 @@
                 <a:sym typeface="Menlo Regular"/>
               </a:defRPr>
             </a:pPr>
+            <a:endParaRPr/>
           </a:p>
         </p:txBody>
       </p:sp>
@@ -12499,6 +12415,7 @@
                 <a:sym typeface="Menlo Regular"/>
               </a:defRPr>
             </a:pPr>
+            <a:endParaRPr/>
           </a:p>
         </p:txBody>
       </p:sp>
@@ -12507,14 +12424,14 @@
   <p:clrMapOvr>
     <a:masterClrMapping/>
   </p:clrMapOvr>
-  <p:transition xmlns:p14="http://schemas.microsoft.com/office/powerpoint/2010/main" spd="med" advClick="1"/>
+  <p:transition spd="med"/>
   <p:timing>
     <p:tnLst>
       <p:par>
-        <p:cTn id="1" nodeType="tmRoot" restart="never" dur="indefinite" fill="hold">
+        <p:cTn id="1" dur="indefinite" restart="never" fill="hold" nodeType="tmRoot">
           <p:childTnLst>
             <p:seq concurrent="1" prevAc="none" nextAc="seek">
-              <p:cTn id="2" nodeType="mainSeq" dur="indefinite" fill="hold">
+              <p:cTn id="2" dur="indefinite" fill="hold" nodeType="mainSeq">
                 <p:childTnLst>
                   <p:par>
                     <p:cTn id="3" fill="hold">
@@ -12529,11 +12446,11 @@
                             </p:stCondLst>
                             <p:childTnLst>
                               <p:par>
-                                <p:cTn id="5" presetClass="entr" nodeType="clickEffect" presetSubtype="0" presetID="1" grpId="1" fill="hold">
+                                <p:cTn id="5" presetID="1" presetClass="entr" presetSubtype="0" fill="hold" grpId="1" nodeType="clickEffect">
                                   <p:stCondLst>
                                     <p:cond delay="0"/>
                                   </p:stCondLst>
-                                  <p:iterate type="el" backwards="0">
+                                  <p:iterate>
                                     <p:tmAbs val="0"/>
                                   </p:iterate>
                                   <p:childTnLst>
@@ -12564,11 +12481,11 @@
                             </p:stCondLst>
                             <p:childTnLst>
                               <p:par>
-                                <p:cTn id="8" presetClass="entr" nodeType="afterEffect" presetSubtype="0" presetID="1" grpId="2" fill="hold">
+                                <p:cTn id="8" presetID="1" presetClass="entr" presetSubtype="0" fill="hold" grpId="2" nodeType="afterEffect">
                                   <p:stCondLst>
                                     <p:cond delay="0"/>
                                   </p:stCondLst>
-                                  <p:iterate type="el" backwards="0">
+                                  <p:iterate>
                                     <p:tmAbs val="0"/>
                                   </p:iterate>
                                   <p:childTnLst>
@@ -12598,14 +12515,14 @@
                 </p:childTnLst>
               </p:cTn>
               <p:prevCondLst>
-                <p:cond evt="onPrev">
+                <p:cond evt="onPrev" delay="0">
                   <p:tgtEl>
                     <p:sldTgt/>
                   </p:tgtEl>
                 </p:cond>
               </p:prevCondLst>
               <p:nextCondLst>
-                <p:cond evt="onNext">
+                <p:cond evt="onNext" delay="0">
                   <p:tgtEl>
                     <p:sldTgt/>
                   </p:tgtEl>
@@ -12617,15 +12534,15 @@
       </p:par>
     </p:tnLst>
     <p:bldLst>
-      <p:bldP build="whole" bldLvl="1" animBg="1" rev="0" advAuto="0" spid="89" grpId="2"/>
-      <p:bldP build="whole" bldLvl="1" animBg="1" rev="0" advAuto="0" spid="90" grpId="1"/>
+      <p:bldP spid="89" grpId="2" animBg="1" advAuto="0"/>
+      <p:bldP spid="90" grpId="1" animBg="1" advAuto="0"/>
     </p:bldLst>
   </p:timing>
 </p:sld>
 </file>
 
 <file path=ppt/slides/slide8.xml><?xml version="1.0" encoding="utf-8"?>
-<p:sld xmlns:a="http://schemas.openxmlformats.org/drawingml/2006/main" xmlns:r="http://schemas.openxmlformats.org/officeDocument/2006/relationships" xmlns:p="http://schemas.openxmlformats.org/presentationml/2006/main" xmlns:m="http://schemas.openxmlformats.org/officeDocument/2006/math" xmlns:a14="http://schemas.microsoft.com/office/drawing/2010/main" showMasterSp="1" showMasterPhAnim="1">
+<p:sld xmlns:a="http://schemas.openxmlformats.org/drawingml/2006/main" xmlns:r="http://schemas.openxmlformats.org/officeDocument/2006/relationships" xmlns:p="http://schemas.openxmlformats.org/presentationml/2006/main">
   <p:cSld>
     <p:spTree>
       <p:nvGrpSpPr>
@@ -12644,7 +12561,9 @@
       <p:sp>
         <p:nvSpPr>
           <p:cNvPr id="94" name="제목 1"/>
-          <p:cNvSpPr txBox="1"/>
+          <p:cNvSpPr txBox="1">
+            <a:spLocks noGrp="1"/>
+          </p:cNvSpPr>
           <p:nvPr>
             <p:ph type="title"/>
           </p:nvPr>
@@ -12662,7 +12581,6 @@
           <a:bodyPr/>
           <a:lstStyle/>
           <a:p>
-            <a:pPr/>
             <a:r>
               <a:t>API Documentation (1/3)</a:t>
             </a:r>
@@ -12672,7 +12590,9 @@
       <p:sp>
         <p:nvSpPr>
           <p:cNvPr id="95" name="내용 개체 틀 2"/>
-          <p:cNvSpPr txBox="1"/>
+          <p:cNvSpPr txBox="1">
+            <a:spLocks noGrp="1"/>
+          </p:cNvSpPr>
           <p:nvPr>
             <p:ph type="body" sz="quarter" idx="1"/>
           </p:nvPr>
@@ -12706,7 +12626,7 @@
                     <a:srgbClr val="80878B"/>
                   </a:solidFill>
                 </a:uFill>
-                <a:hlinkClick r:id="rId3" invalidUrl="" action="" tgtFrame="" tooltip="" history="1" highlightClick="0" endSnd="0"/>
+                <a:hlinkClick r:id="rId3"/>
               </a:rPr>
               <a:t>https://docs.oracle.com/en/java/javase/22/docs/api/index.html</a:t>
             </a:r>
@@ -12724,7 +12644,9 @@
       <p:sp>
         <p:nvSpPr>
           <p:cNvPr id="96" name="슬라이드 번호 개체 틀 3"/>
-          <p:cNvSpPr txBox="1"/>
+          <p:cNvSpPr txBox="1">
+            <a:spLocks noGrp="1"/>
+          </p:cNvSpPr>
           <p:nvPr>
             <p:ph type="sldNum" sz="quarter" idx="2"/>
           </p:nvPr>
@@ -12739,7 +12661,7 @@
           </a:prstGeom>
           <a:extLst>
             <a:ext uri="{C572A759-6A51-4108-AA02-DFA0A04FC94B}">
-              <ma14:wrappingTextBoxFlag xmlns:ma14="http://schemas.microsoft.com/office/mac/drawingml/2011/main" val="1"/>
+              <ma14:wrappingTextBoxFlag xmlns:ma14="http://schemas.microsoft.com/office/mac/drawingml/2011/main" xmlns:a14="http://schemas.microsoft.com/office/drawing/2010/main" xmlns:m="http://schemas.openxmlformats.org/officeDocument/2006/math" xmlns="" val="1"/>
             </a:ext>
           </a:extLst>
         </p:spPr>
@@ -12747,8 +12669,10 @@
           <a:bodyPr/>
           <a:lstStyle/>
           <a:p>
-            <a:pPr/>
-            <a:fld id="{86CB4B4D-7CA3-9044-876B-883B54F8677D}" type="slidenum"/>
+            <a:fld id="{86CB4B4D-7CA3-9044-876B-883B54F8677D}" type="slidenum">
+              <a:t>8</a:t>
+            </a:fld>
+            <a:endParaRPr/>
           </a:p>
         </p:txBody>
       </p:sp>
@@ -12761,9 +12685,7 @@
           <p:nvPr/>
         </p:nvPicPr>
         <p:blipFill>
-          <a:blip r:embed="rId4">
-            <a:extLst/>
-          </a:blip>
+          <a:blip r:embed="rId4"/>
           <a:stretch>
             <a:fillRect/>
           </a:stretch>
@@ -12782,7 +12704,7 @@
             </a:solidFill>
           </a:ln>
           <a:effectLst>
-            <a:outerShdw sx="100000" sy="100000" kx="0" ky="0" algn="b" rotWithShape="0" blurRad="292100" dist="139700" dir="2700000">
+            <a:outerShdw blurRad="292100" dist="139700" dir="2700000" rotWithShape="0">
               <a:srgbClr val="333333">
                 <a:alpha val="64999"/>
               </a:srgbClr>
@@ -12831,6 +12753,7 @@
                 <a:sym typeface="Menlo Regular"/>
               </a:defRPr>
             </a:pPr>
+            <a:endParaRPr/>
           </a:p>
         </p:txBody>
       </p:sp>
@@ -12839,12 +12762,12 @@
   <p:clrMapOvr>
     <a:masterClrMapping/>
   </p:clrMapOvr>
-  <p:transition xmlns:p14="http://schemas.microsoft.com/office/powerpoint/2010/main" spd="med" advClick="1"/>
+  <p:transition spd="med"/>
 </p:sld>
 </file>
 
 <file path=ppt/slides/slide9.xml><?xml version="1.0" encoding="utf-8"?>
-<p:sld xmlns:a="http://schemas.openxmlformats.org/drawingml/2006/main" xmlns:r="http://schemas.openxmlformats.org/officeDocument/2006/relationships" xmlns:p="http://schemas.openxmlformats.org/presentationml/2006/main" xmlns:m="http://schemas.openxmlformats.org/officeDocument/2006/math" xmlns:a14="http://schemas.microsoft.com/office/drawing/2010/main" showMasterSp="1" showMasterPhAnim="1">
+<p:sld xmlns:a="http://schemas.openxmlformats.org/drawingml/2006/main" xmlns:r="http://schemas.openxmlformats.org/officeDocument/2006/relationships" xmlns:p="http://schemas.openxmlformats.org/presentationml/2006/main">
   <p:cSld>
     <p:spTree>
       <p:nvGrpSpPr>
@@ -12863,7 +12786,9 @@
       <p:sp>
         <p:nvSpPr>
           <p:cNvPr id="102" name="제목 1"/>
-          <p:cNvSpPr txBox="1"/>
+          <p:cNvSpPr txBox="1">
+            <a:spLocks noGrp="1"/>
+          </p:cNvSpPr>
           <p:nvPr>
             <p:ph type="title"/>
           </p:nvPr>
@@ -12881,7 +12806,6 @@
           <a:bodyPr/>
           <a:lstStyle/>
           <a:p>
-            <a:pPr/>
             <a:r>
               <a:t>API Documentation (2/3)</a:t>
             </a:r>
@@ -12897,9 +12821,7 @@
           <p:nvPr/>
         </p:nvPicPr>
         <p:blipFill>
-          <a:blip r:embed="rId3">
-            <a:extLst/>
-          </a:blip>
+          <a:blip r:embed="rId3"/>
           <a:stretch>
             <a:fillRect/>
           </a:stretch>
@@ -12918,7 +12840,7 @@
             </a:solidFill>
           </a:ln>
           <a:effectLst>
-            <a:outerShdw sx="100000" sy="100000" kx="0" ky="0" algn="b" rotWithShape="0" blurRad="292100" dist="139700" dir="2700000">
+            <a:outerShdw blurRad="292100" dist="139700" dir="2700000" rotWithShape="0">
               <a:srgbClr val="333333">
                 <a:alpha val="64999"/>
               </a:srgbClr>
@@ -12967,6 +12889,7 @@
                 <a:sym typeface="Menlo Regular"/>
               </a:defRPr>
             </a:pPr>
+            <a:endParaRPr/>
           </a:p>
         </p:txBody>
       </p:sp>
@@ -13007,6 +12930,7 @@
                 <a:sym typeface="Menlo Regular"/>
               </a:defRPr>
             </a:pPr>
+            <a:endParaRPr/>
           </a:p>
         </p:txBody>
       </p:sp>
@@ -13047,6 +12971,7 @@
                 <a:sym typeface="Menlo Regular"/>
               </a:defRPr>
             </a:pPr>
+            <a:endParaRPr/>
           </a:p>
         </p:txBody>
       </p:sp>
@@ -13069,7 +12994,7 @@
           </a:ln>
           <a:extLst>
             <a:ext uri="{C572A759-6A51-4108-AA02-DFA0A04FC94B}">
-              <ma14:wrappingTextBoxFlag xmlns:ma14="http://schemas.microsoft.com/office/mac/drawingml/2011/main" val="1"/>
+              <ma14:wrappingTextBoxFlag xmlns:ma14="http://schemas.microsoft.com/office/mac/drawingml/2011/main" xmlns:a14="http://schemas.microsoft.com/office/drawing/2010/main" xmlns:m="http://schemas.openxmlformats.org/officeDocument/2006/math" xmlns="" val="1"/>
             </a:ext>
           </a:extLst>
         </p:spPr>
@@ -13091,7 +13016,6 @@
             </a:lvl1pPr>
           </a:lstStyle>
           <a:p>
-            <a:pPr/>
             <a:r>
               <a:t>package including the class</a:t>
             </a:r>
@@ -13135,6 +13059,7 @@
                 <a:sym typeface="Menlo Regular"/>
               </a:defRPr>
             </a:pPr>
+            <a:endParaRPr/>
           </a:p>
         </p:txBody>
       </p:sp>
@@ -13179,6 +13104,7 @@
                 <a:sym typeface="Menlo Regular"/>
               </a:defRPr>
             </a:pPr>
+            <a:endParaRPr/>
           </a:p>
         </p:txBody>
       </p:sp>
@@ -13201,7 +13127,7 @@
           </a:ln>
           <a:extLst>
             <a:ext uri="{C572A759-6A51-4108-AA02-DFA0A04FC94B}">
-              <ma14:wrappingTextBoxFlag xmlns:ma14="http://schemas.microsoft.com/office/mac/drawingml/2011/main" val="1"/>
+              <ma14:wrappingTextBoxFlag xmlns:ma14="http://schemas.microsoft.com/office/mac/drawingml/2011/main" xmlns:a14="http://schemas.microsoft.com/office/drawing/2010/main" xmlns:m="http://schemas.openxmlformats.org/officeDocument/2006/math" xmlns="" val="1"/>
             </a:ext>
           </a:extLst>
         </p:spPr>
@@ -13223,7 +13149,6 @@
             </a:lvl1pPr>
           </a:lstStyle>
           <a:p>
-            <a:pPr/>
             <a:r>
               <a:t>Fields: variables</a:t>
             </a:r>
@@ -13233,7 +13158,9 @@
       <p:sp>
         <p:nvSpPr>
           <p:cNvPr id="111" name="슬라이드 번호 개체 틀 17"/>
-          <p:cNvSpPr txBox="1"/>
+          <p:cNvSpPr txBox="1">
+            <a:spLocks noGrp="1"/>
+          </p:cNvSpPr>
           <p:nvPr>
             <p:ph type="sldNum" sz="quarter" idx="2"/>
           </p:nvPr>
@@ -13248,7 +13175,7 @@
           </a:prstGeom>
           <a:extLst>
             <a:ext uri="{C572A759-6A51-4108-AA02-DFA0A04FC94B}">
-              <ma14:wrappingTextBoxFlag xmlns:ma14="http://schemas.microsoft.com/office/mac/drawingml/2011/main" val="1"/>
+              <ma14:wrappingTextBoxFlag xmlns:ma14="http://schemas.microsoft.com/office/mac/drawingml/2011/main" xmlns:a14="http://schemas.microsoft.com/office/drawing/2010/main" xmlns:m="http://schemas.openxmlformats.org/officeDocument/2006/math" xmlns="" val="1"/>
             </a:ext>
           </a:extLst>
         </p:spPr>
@@ -13256,8 +13183,10 @@
           <a:bodyPr/>
           <a:lstStyle/>
           <a:p>
-            <a:pPr/>
-            <a:fld id="{86CB4B4D-7CA3-9044-876B-883B54F8677D}" type="slidenum"/>
+            <a:fld id="{86CB4B4D-7CA3-9044-876B-883B54F8677D}" type="slidenum">
+              <a:t>9</a:t>
+            </a:fld>
+            <a:endParaRPr/>
           </a:p>
         </p:txBody>
       </p:sp>
@@ -13266,14 +13195,14 @@
   <p:clrMapOvr>
     <a:masterClrMapping/>
   </p:clrMapOvr>
-  <p:transition xmlns:p14="http://schemas.microsoft.com/office/powerpoint/2010/main" spd="med" advClick="1"/>
+  <p:transition spd="med"/>
   <p:timing>
     <p:tnLst>
       <p:par>
-        <p:cTn id="1" nodeType="tmRoot" restart="never" dur="indefinite" fill="hold">
+        <p:cTn id="1" dur="indefinite" restart="never" fill="hold" nodeType="tmRoot">
           <p:childTnLst>
             <p:seq concurrent="1" prevAc="none" nextAc="seek">
-              <p:cTn id="2" nodeType="mainSeq" dur="indefinite" fill="hold">
+              <p:cTn id="2" dur="indefinite" fill="hold" nodeType="mainSeq">
                 <p:childTnLst>
                   <p:par>
                     <p:cTn id="3" fill="hold">
@@ -13288,11 +13217,11 @@
                             </p:stCondLst>
                             <p:childTnLst>
                               <p:par>
-                                <p:cTn id="5" presetClass="entr" nodeType="clickEffect" presetSubtype="0" presetID="1" grpId="1" fill="hold">
+                                <p:cTn id="5" presetID="1" presetClass="entr" presetSubtype="0" fill="hold" grpId="1" nodeType="clickEffect">
                                   <p:stCondLst>
                                     <p:cond delay="0"/>
                                   </p:stCondLst>
-                                  <p:iterate type="el" backwards="0">
+                                  <p:iterate>
                                     <p:tmAbs val="0"/>
                                   </p:iterate>
                                   <p:childTnLst>
@@ -13323,11 +13252,11 @@
                             </p:stCondLst>
                             <p:childTnLst>
                               <p:par>
-                                <p:cTn id="8" presetClass="entr" nodeType="afterEffect" presetSubtype="0" presetID="1" grpId="2" fill="hold">
+                                <p:cTn id="8" presetID="1" presetClass="entr" presetSubtype="0" fill="hold" grpId="2" nodeType="afterEffect">
                                   <p:stCondLst>
                                     <p:cond delay="0"/>
                                   </p:stCondLst>
-                                  <p:iterate type="el" backwards="0">
+                                  <p:iterate>
                                     <p:tmAbs val="0"/>
                                   </p:iterate>
                                   <p:childTnLst>
@@ -13367,11 +13296,11 @@
                             </p:stCondLst>
                             <p:childTnLst>
                               <p:par>
-                                <p:cTn id="12" presetClass="entr" nodeType="clickEffect" presetSubtype="0" presetID="1" grpId="3" fill="hold">
+                                <p:cTn id="12" presetID="1" presetClass="entr" presetSubtype="0" fill="hold" grpId="3" nodeType="clickEffect">
                                   <p:stCondLst>
                                     <p:cond delay="0"/>
                                   </p:stCondLst>
-                                  <p:iterate type="el" backwards="0">
+                                  <p:iterate>
                                     <p:tmAbs val="0"/>
                                   </p:iterate>
                                   <p:childTnLst>
@@ -13402,11 +13331,11 @@
                             </p:stCondLst>
                             <p:childTnLst>
                               <p:par>
-                                <p:cTn id="15" presetClass="entr" nodeType="afterEffect" presetSubtype="0" presetID="1" grpId="4" fill="hold">
+                                <p:cTn id="15" presetID="1" presetClass="entr" presetSubtype="0" fill="hold" grpId="4" nodeType="afterEffect">
                                   <p:stCondLst>
                                     <p:cond delay="0"/>
                                   </p:stCondLst>
-                                  <p:iterate type="el" backwards="0">
+                                  <p:iterate>
                                     <p:tmAbs val="0"/>
                                   </p:iterate>
                                   <p:childTnLst>
@@ -13446,11 +13375,11 @@
                             </p:stCondLst>
                             <p:childTnLst>
                               <p:par>
-                                <p:cTn id="19" presetClass="entr" nodeType="clickEffect" presetSubtype="0" presetID="1" grpId="5" fill="hold">
+                                <p:cTn id="19" presetID="1" presetClass="entr" presetSubtype="0" fill="hold" grpId="5" nodeType="clickEffect">
                                   <p:stCondLst>
                                     <p:cond delay="0"/>
                                   </p:stCondLst>
-                                  <p:iterate type="el" backwards="0">
+                                  <p:iterate>
                                     <p:tmAbs val="0"/>
                                   </p:iterate>
                                   <p:childTnLst>
@@ -13481,11 +13410,11 @@
                             </p:stCondLst>
                             <p:childTnLst>
                               <p:par>
-                                <p:cTn id="22" presetClass="entr" nodeType="afterEffect" presetSubtype="0" presetID="1" grpId="6" fill="hold">
+                                <p:cTn id="22" presetID="1" presetClass="entr" presetSubtype="0" fill="hold" grpId="6" nodeType="afterEffect">
                                   <p:stCondLst>
                                     <p:cond delay="0"/>
                                   </p:stCondLst>
-                                  <p:iterate type="el" backwards="0">
+                                  <p:iterate>
                                     <p:tmAbs val="0"/>
                                   </p:iterate>
                                   <p:childTnLst>
@@ -13516,11 +13445,11 @@
                             </p:stCondLst>
                             <p:childTnLst>
                               <p:par>
-                                <p:cTn id="25" presetClass="entr" nodeType="afterEffect" presetSubtype="0" presetID="1" grpId="7" fill="hold">
+                                <p:cTn id="25" presetID="1" presetClass="entr" presetSubtype="0" fill="hold" grpId="7" nodeType="afterEffect">
                                   <p:stCondLst>
                                     <p:cond delay="0"/>
                                   </p:stCondLst>
-                                  <p:iterate type="el" backwards="0">
+                                  <p:iterate>
                                     <p:tmAbs val="0"/>
                                   </p:iterate>
                                   <p:childTnLst>
@@ -13550,14 +13479,14 @@
                 </p:childTnLst>
               </p:cTn>
               <p:prevCondLst>
-                <p:cond evt="onPrev">
+                <p:cond evt="onPrev" delay="0">
                   <p:tgtEl>
                     <p:sldTgt/>
                   </p:tgtEl>
                 </p:cond>
               </p:prevCondLst>
               <p:nextCondLst>
-                <p:cond evt="onNext">
+                <p:cond evt="onNext" delay="0">
                   <p:tgtEl>
                     <p:sldTgt/>
                   </p:tgtEl>
@@ -13569,20 +13498,20 @@
       </p:par>
     </p:tnLst>
     <p:bldLst>
-      <p:bldP build="whole" bldLvl="1" animBg="1" rev="0" advAuto="0" spid="110" grpId="7"/>
-      <p:bldP build="whole" bldLvl="1" animBg="1" rev="0" advAuto="0" spid="108" grpId="5"/>
-      <p:bldP build="whole" bldLvl="1" animBg="1" rev="0" advAuto="0" spid="105" grpId="1"/>
-      <p:bldP build="whole" bldLvl="1" animBg="1" rev="0" advAuto="0" spid="104" grpId="2"/>
-      <p:bldP build="whole" bldLvl="1" animBg="1" rev="0" advAuto="0" spid="106" grpId="3"/>
-      <p:bldP build="whole" bldLvl="1" animBg="1" rev="0" advAuto="0" spid="109" grpId="6"/>
-      <p:bldP build="whole" bldLvl="1" animBg="1" rev="0" advAuto="0" spid="107" grpId="4"/>
+      <p:bldP spid="104" grpId="2" animBg="1" advAuto="0"/>
+      <p:bldP spid="105" grpId="1" animBg="1" advAuto="0"/>
+      <p:bldP spid="106" grpId="3" animBg="1" advAuto="0"/>
+      <p:bldP spid="107" grpId="4" animBg="1" advAuto="0"/>
+      <p:bldP spid="108" grpId="5" animBg="1" advAuto="0"/>
+      <p:bldP spid="109" grpId="6" animBg="1" advAuto="0"/>
+      <p:bldP spid="110" grpId="7" animBg="1" advAuto="0"/>
     </p:bldLst>
   </p:timing>
 </p:sld>
 </file>
 
 <file path=ppt/theme/theme1.xml><?xml version="1.0" encoding="utf-8"?>
-<a:theme xmlns:a="http://schemas.openxmlformats.org/drawingml/2006/main" xmlns:r="http://schemas.openxmlformats.org/officeDocument/2006/relationships" name="Office 테마">
+<a:theme xmlns:a="http://schemas.openxmlformats.org/drawingml/2006/main" name="Office 테마">
   <a:themeElements>
     <a:clrScheme name="Office 테마">
       <a:dk1>
@@ -13784,7 +13713,7 @@
         <a:effectLst/>
         <a:sp3d/>
       </a:spPr>
-      <a:bodyPr rot="0" spcFirstLastPara="1" vertOverflow="overflow" horzOverflow="overflow" vert="horz" wrap="square" lIns="45718" tIns="45718" rIns="45718" bIns="45718" numCol="1" spcCol="38100" rtlCol="0" anchor="t" upright="0">
+      <a:bodyPr rot="0" spcFirstLastPara="1" vertOverflow="overflow" horzOverflow="overflow" vert="horz" wrap="square" lIns="45718" tIns="45718" rIns="45718" bIns="45718" numCol="1" spcCol="38100" rtlCol="0" anchor="t">
         <a:spAutoFit/>
       </a:bodyPr>
       <a:lstStyle>
@@ -13803,7 +13732,7 @@
           <a:buFontTx/>
           <a:buNone/>
           <a:tabLst/>
-          <a:defRPr b="0" baseline="0" cap="none" i="0" spc="0" strike="noStrike" sz="1800" u="none" kumimoji="0" normalizeH="0">
+          <a:defRPr kumimoji="0" sz="1800" b="0" i="0" u="none" strike="noStrike" cap="none" spc="0" normalizeH="0" baseline="0">
             <a:ln>
               <a:noFill/>
             </a:ln>
@@ -13833,7 +13762,7 @@
           <a:buFontTx/>
           <a:buNone/>
           <a:tabLst/>
-          <a:defRPr b="0" baseline="0" cap="none" i="0" spc="0" strike="noStrike" sz="1800" u="none" kumimoji="0" normalizeH="0">
+          <a:defRPr kumimoji="0" sz="1800" b="0" i="0" u="none" strike="noStrike" cap="none" spc="0" normalizeH="0" baseline="0">
             <a:ln>
               <a:noFill/>
             </a:ln>
@@ -13859,7 +13788,7 @@
           <a:buFontTx/>
           <a:buNone/>
           <a:tabLst/>
-          <a:defRPr b="0" baseline="0" cap="none" i="0" spc="0" strike="noStrike" sz="1800" u="none" kumimoji="0" normalizeH="0">
+          <a:defRPr kumimoji="0" sz="1800" b="0" i="0" u="none" strike="noStrike" cap="none" spc="0" normalizeH="0" baseline="0">
             <a:ln>
               <a:noFill/>
             </a:ln>
@@ -13885,7 +13814,7 @@
           <a:buFontTx/>
           <a:buNone/>
           <a:tabLst/>
-          <a:defRPr b="0" baseline="0" cap="none" i="0" spc="0" strike="noStrike" sz="1800" u="none" kumimoji="0" normalizeH="0">
+          <a:defRPr kumimoji="0" sz="1800" b="0" i="0" u="none" strike="noStrike" cap="none" spc="0" normalizeH="0" baseline="0">
             <a:ln>
               <a:noFill/>
             </a:ln>
@@ -13911,7 +13840,7 @@
           <a:buFontTx/>
           <a:buNone/>
           <a:tabLst/>
-          <a:defRPr b="0" baseline="0" cap="none" i="0" spc="0" strike="noStrike" sz="1800" u="none" kumimoji="0" normalizeH="0">
+          <a:defRPr kumimoji="0" sz="1800" b="0" i="0" u="none" strike="noStrike" cap="none" spc="0" normalizeH="0" baseline="0">
             <a:ln>
               <a:noFill/>
             </a:ln>
@@ -13937,7 +13866,7 @@
           <a:buFontTx/>
           <a:buNone/>
           <a:tabLst/>
-          <a:defRPr b="0" baseline="0" cap="none" i="0" spc="0" strike="noStrike" sz="1800" u="none" kumimoji="0" normalizeH="0">
+          <a:defRPr kumimoji="0" sz="1800" b="0" i="0" u="none" strike="noStrike" cap="none" spc="0" normalizeH="0" baseline="0">
             <a:ln>
               <a:noFill/>
             </a:ln>
@@ -13963,7 +13892,7 @@
           <a:buFontTx/>
           <a:buNone/>
           <a:tabLst/>
-          <a:defRPr b="0" baseline="0" cap="none" i="0" spc="0" strike="noStrike" sz="1800" u="none" kumimoji="0" normalizeH="0">
+          <a:defRPr kumimoji="0" sz="1800" b="0" i="0" u="none" strike="noStrike" cap="none" spc="0" normalizeH="0" baseline="0">
             <a:ln>
               <a:noFill/>
             </a:ln>
@@ -13989,7 +13918,7 @@
           <a:buFontTx/>
           <a:buNone/>
           <a:tabLst/>
-          <a:defRPr b="0" baseline="0" cap="none" i="0" spc="0" strike="noStrike" sz="1800" u="none" kumimoji="0" normalizeH="0">
+          <a:defRPr kumimoji="0" sz="1800" b="0" i="0" u="none" strike="noStrike" cap="none" spc="0" normalizeH="0" baseline="0">
             <a:ln>
               <a:noFill/>
             </a:ln>
@@ -14015,7 +13944,7 @@
           <a:buFontTx/>
           <a:buNone/>
           <a:tabLst/>
-          <a:defRPr b="0" baseline="0" cap="none" i="0" spc="0" strike="noStrike" sz="1800" u="none" kumimoji="0" normalizeH="0">
+          <a:defRPr kumimoji="0" sz="1800" b="0" i="0" u="none" strike="noStrike" cap="none" spc="0" normalizeH="0" baseline="0">
             <a:ln>
               <a:noFill/>
             </a:ln>
@@ -14041,7 +13970,7 @@
           <a:buFontTx/>
           <a:buNone/>
           <a:tabLst/>
-          <a:defRPr b="0" baseline="0" cap="none" i="0" spc="0" strike="noStrike" sz="1800" u="none" kumimoji="0" normalizeH="0">
+          <a:defRPr kumimoji="0" sz="1800" b="0" i="0" u="none" strike="noStrike" cap="none" spc="0" normalizeH="0" baseline="0">
             <a:ln>
               <a:noFill/>
             </a:ln>
@@ -14054,9 +13983,15 @@
         </a:lvl9pPr>
       </a:lstStyle>
       <a:style>
-        <a:lnRef idx="0"/>
-        <a:fillRef idx="0"/>
-        <a:effectRef idx="0"/>
+        <a:lnRef idx="0">
+          <a:scrgbClr r="0" g="0" b="0"/>
+        </a:lnRef>
+        <a:fillRef idx="0">
+          <a:scrgbClr r="0" g="0" b="0"/>
+        </a:fillRef>
+        <a:effectRef idx="0">
+          <a:scrgbClr r="0" g="0" b="0"/>
+        </a:effectRef>
         <a:fontRef idx="none"/>
       </a:style>
     </a:spDef>
@@ -14073,7 +14008,7 @@
         <a:effectLst/>
         <a:sp3d/>
       </a:spPr>
-      <a:bodyPr rot="0" spcFirstLastPara="1" vertOverflow="overflow" horzOverflow="overflow" vert="horz" wrap="square" lIns="91439" tIns="45719" rIns="91439" bIns="45719" numCol="1" spcCol="38100" rtlCol="0" anchor="t" upright="0">
+      <a:bodyPr rot="0" spcFirstLastPara="1" vertOverflow="overflow" horzOverflow="overflow" vert="horz" wrap="square" lIns="91439" tIns="45719" rIns="91439" bIns="45719" numCol="1" spcCol="38100" rtlCol="0" anchor="t">
         <a:noAutofit/>
       </a:bodyPr>
       <a:lstStyle>
@@ -14092,7 +14027,7 @@
           <a:buFontTx/>
           <a:buNone/>
           <a:tabLst/>
-          <a:defRPr b="0" baseline="0" cap="none" i="0" spc="0" strike="noStrike" sz="1800" u="none" kumimoji="0" normalizeH="0">
+          <a:defRPr kumimoji="0" sz="1800" b="0" i="0" u="none" strike="noStrike" cap="none" spc="0" normalizeH="0" baseline="0">
             <a:ln>
               <a:noFill/>
             </a:ln>
@@ -14118,7 +14053,7 @@
           <a:buFontTx/>
           <a:buNone/>
           <a:tabLst/>
-          <a:defRPr b="0" baseline="0" cap="none" i="0" spc="0" strike="noStrike" sz="1800" u="none" kumimoji="0" normalizeH="0">
+          <a:defRPr kumimoji="0" sz="1800" b="0" i="0" u="none" strike="noStrike" cap="none" spc="0" normalizeH="0" baseline="0">
             <a:ln>
               <a:noFill/>
             </a:ln>
@@ -14144,7 +14079,7 @@
           <a:buFontTx/>
           <a:buNone/>
           <a:tabLst/>
-          <a:defRPr b="0" baseline="0" cap="none" i="0" spc="0" strike="noStrike" sz="1800" u="none" kumimoji="0" normalizeH="0">
+          <a:defRPr kumimoji="0" sz="1800" b="0" i="0" u="none" strike="noStrike" cap="none" spc="0" normalizeH="0" baseline="0">
             <a:ln>
               <a:noFill/>
             </a:ln>
@@ -14170,7 +14105,7 @@
           <a:buFontTx/>
           <a:buNone/>
           <a:tabLst/>
-          <a:defRPr b="0" baseline="0" cap="none" i="0" spc="0" strike="noStrike" sz="1800" u="none" kumimoji="0" normalizeH="0">
+          <a:defRPr kumimoji="0" sz="1800" b="0" i="0" u="none" strike="noStrike" cap="none" spc="0" normalizeH="0" baseline="0">
             <a:ln>
               <a:noFill/>
             </a:ln>
@@ -14196,7 +14131,7 @@
           <a:buFontTx/>
           <a:buNone/>
           <a:tabLst/>
-          <a:defRPr b="0" baseline="0" cap="none" i="0" spc="0" strike="noStrike" sz="1800" u="none" kumimoji="0" normalizeH="0">
+          <a:defRPr kumimoji="0" sz="1800" b="0" i="0" u="none" strike="noStrike" cap="none" spc="0" normalizeH="0" baseline="0">
             <a:ln>
               <a:noFill/>
             </a:ln>
@@ -14222,7 +14157,7 @@
           <a:buFontTx/>
           <a:buNone/>
           <a:tabLst/>
-          <a:defRPr b="0" baseline="0" cap="none" i="0" spc="0" strike="noStrike" sz="1800" u="none" kumimoji="0" normalizeH="0">
+          <a:defRPr kumimoji="0" sz="1800" b="0" i="0" u="none" strike="noStrike" cap="none" spc="0" normalizeH="0" baseline="0">
             <a:ln>
               <a:noFill/>
             </a:ln>
@@ -14248,7 +14183,7 @@
           <a:buFontTx/>
           <a:buNone/>
           <a:tabLst/>
-          <a:defRPr b="0" baseline="0" cap="none" i="0" spc="0" strike="noStrike" sz="1800" u="none" kumimoji="0" normalizeH="0">
+          <a:defRPr kumimoji="0" sz="1800" b="0" i="0" u="none" strike="noStrike" cap="none" spc="0" normalizeH="0" baseline="0">
             <a:ln>
               <a:noFill/>
             </a:ln>
@@ -14274,7 +14209,7 @@
           <a:buFontTx/>
           <a:buNone/>
           <a:tabLst/>
-          <a:defRPr b="0" baseline="0" cap="none" i="0" spc="0" strike="noStrike" sz="1800" u="none" kumimoji="0" normalizeH="0">
+          <a:defRPr kumimoji="0" sz="1800" b="0" i="0" u="none" strike="noStrike" cap="none" spc="0" normalizeH="0" baseline="0">
             <a:ln>
               <a:noFill/>
             </a:ln>
@@ -14300,7 +14235,7 @@
           <a:buFontTx/>
           <a:buNone/>
           <a:tabLst/>
-          <a:defRPr b="0" baseline="0" cap="none" i="0" spc="0" strike="noStrike" sz="1800" u="none" kumimoji="0" normalizeH="0">
+          <a:defRPr kumimoji="0" sz="1800" b="0" i="0" u="none" strike="noStrike" cap="none" spc="0" normalizeH="0" baseline="0">
             <a:ln>
               <a:noFill/>
             </a:ln>
@@ -14326,7 +14261,7 @@
           <a:buFontTx/>
           <a:buNone/>
           <a:tabLst/>
-          <a:defRPr b="0" baseline="0" cap="none" i="0" spc="0" strike="noStrike" sz="1800" u="none" kumimoji="0" normalizeH="0">
+          <a:defRPr kumimoji="0" sz="1800" b="0" i="0" u="none" strike="noStrike" cap="none" spc="0" normalizeH="0" baseline="0">
             <a:ln>
               <a:noFill/>
             </a:ln>
@@ -14339,9 +14274,15 @@
         </a:lvl9pPr>
       </a:lstStyle>
       <a:style>
-        <a:lnRef idx="0"/>
-        <a:fillRef idx="0"/>
-        <a:effectRef idx="0"/>
+        <a:lnRef idx="0">
+          <a:scrgbClr r="0" g="0" b="0"/>
+        </a:lnRef>
+        <a:fillRef idx="0">
+          <a:scrgbClr r="0" g="0" b="0"/>
+        </a:fillRef>
+        <a:effectRef idx="0">
+          <a:scrgbClr r="0" g="0" b="0"/>
+        </a:effectRef>
         <a:fontRef idx="none"/>
       </a:style>
     </a:lnDef>
@@ -14355,7 +14296,7 @@
         <a:effectLst/>
         <a:sp3d/>
       </a:spPr>
-      <a:bodyPr rot="0" spcFirstLastPara="1" vertOverflow="overflow" horzOverflow="overflow" vert="horz" wrap="square" lIns="45718" tIns="45718" rIns="45718" bIns="45718" numCol="1" spcCol="38100" rtlCol="0" anchor="t" upright="0">
+      <a:bodyPr rot="0" spcFirstLastPara="1" vertOverflow="overflow" horzOverflow="overflow" vert="horz" wrap="square" lIns="45718" tIns="45718" rIns="45718" bIns="45718" numCol="1" spcCol="38100" rtlCol="0" anchor="t">
         <a:spAutoFit/>
       </a:bodyPr>
       <a:lstStyle>
@@ -14374,7 +14315,7 @@
           <a:buFontTx/>
           <a:buNone/>
           <a:tabLst/>
-          <a:defRPr b="0" baseline="0" cap="none" i="0" spc="0" strike="noStrike" sz="1800" u="none" kumimoji="0" normalizeH="0">
+          <a:defRPr kumimoji="0" sz="1800" b="0" i="0" u="none" strike="noStrike" cap="none" spc="0" normalizeH="0" baseline="0">
             <a:ln>
               <a:noFill/>
             </a:ln>
@@ -14404,7 +14345,7 @@
           <a:buFontTx/>
           <a:buNone/>
           <a:tabLst/>
-          <a:defRPr b="0" baseline="0" cap="none" i="0" spc="0" strike="noStrike" sz="1800" u="none" kumimoji="0" normalizeH="0">
+          <a:defRPr kumimoji="0" sz="1800" b="0" i="0" u="none" strike="noStrike" cap="none" spc="0" normalizeH="0" baseline="0">
             <a:ln>
               <a:noFill/>
             </a:ln>
@@ -14430,7 +14371,7 @@
           <a:buFontTx/>
           <a:buNone/>
           <a:tabLst/>
-          <a:defRPr b="0" baseline="0" cap="none" i="0" spc="0" strike="noStrike" sz="1800" u="none" kumimoji="0" normalizeH="0">
+          <a:defRPr kumimoji="0" sz="1800" b="0" i="0" u="none" strike="noStrike" cap="none" spc="0" normalizeH="0" baseline="0">
             <a:ln>
               <a:noFill/>
             </a:ln>
@@ -14456,7 +14397,7 @@
           <a:buFontTx/>
           <a:buNone/>
           <a:tabLst/>
-          <a:defRPr b="0" baseline="0" cap="none" i="0" spc="0" strike="noStrike" sz="1800" u="none" kumimoji="0" normalizeH="0">
+          <a:defRPr kumimoji="0" sz="1800" b="0" i="0" u="none" strike="noStrike" cap="none" spc="0" normalizeH="0" baseline="0">
             <a:ln>
               <a:noFill/>
             </a:ln>
@@ -14482,7 +14423,7 @@
           <a:buFontTx/>
           <a:buNone/>
           <a:tabLst/>
-          <a:defRPr b="0" baseline="0" cap="none" i="0" spc="0" strike="noStrike" sz="1800" u="none" kumimoji="0" normalizeH="0">
+          <a:defRPr kumimoji="0" sz="1800" b="0" i="0" u="none" strike="noStrike" cap="none" spc="0" normalizeH="0" baseline="0">
             <a:ln>
               <a:noFill/>
             </a:ln>
@@ -14508,7 +14449,7 @@
           <a:buFontTx/>
           <a:buNone/>
           <a:tabLst/>
-          <a:defRPr b="0" baseline="0" cap="none" i="0" spc="0" strike="noStrike" sz="1800" u="none" kumimoji="0" normalizeH="0">
+          <a:defRPr kumimoji="0" sz="1800" b="0" i="0" u="none" strike="noStrike" cap="none" spc="0" normalizeH="0" baseline="0">
             <a:ln>
               <a:noFill/>
             </a:ln>
@@ -14534,7 +14475,7 @@
           <a:buFontTx/>
           <a:buNone/>
           <a:tabLst/>
-          <a:defRPr b="0" baseline="0" cap="none" i="0" spc="0" strike="noStrike" sz="1800" u="none" kumimoji="0" normalizeH="0">
+          <a:defRPr kumimoji="0" sz="1800" b="0" i="0" u="none" strike="noStrike" cap="none" spc="0" normalizeH="0" baseline="0">
             <a:ln>
               <a:noFill/>
             </a:ln>
@@ -14560,7 +14501,7 @@
           <a:buFontTx/>
           <a:buNone/>
           <a:tabLst/>
-          <a:defRPr b="0" baseline="0" cap="none" i="0" spc="0" strike="noStrike" sz="1800" u="none" kumimoji="0" normalizeH="0">
+          <a:defRPr kumimoji="0" sz="1800" b="0" i="0" u="none" strike="noStrike" cap="none" spc="0" normalizeH="0" baseline="0">
             <a:ln>
               <a:noFill/>
             </a:ln>
@@ -14586,7 +14527,7 @@
           <a:buFontTx/>
           <a:buNone/>
           <a:tabLst/>
-          <a:defRPr b="0" baseline="0" cap="none" i="0" spc="0" strike="noStrike" sz="1800" u="none" kumimoji="0" normalizeH="0">
+          <a:defRPr kumimoji="0" sz="1800" b="0" i="0" u="none" strike="noStrike" cap="none" spc="0" normalizeH="0" baseline="0">
             <a:ln>
               <a:noFill/>
             </a:ln>
@@ -14612,7 +14553,7 @@
           <a:buFontTx/>
           <a:buNone/>
           <a:tabLst/>
-          <a:defRPr b="0" baseline="0" cap="none" i="0" spc="0" strike="noStrike" sz="1800" u="none" kumimoji="0" normalizeH="0">
+          <a:defRPr kumimoji="0" sz="1800" b="0" i="0" u="none" strike="noStrike" cap="none" spc="0" normalizeH="0" baseline="0">
             <a:ln>
               <a:noFill/>
             </a:ln>
@@ -14625,18 +14566,25 @@
         </a:lvl9pPr>
       </a:lstStyle>
       <a:style>
-        <a:lnRef idx="0"/>
-        <a:fillRef idx="0"/>
-        <a:effectRef idx="0"/>
+        <a:lnRef idx="0">
+          <a:scrgbClr r="0" g="0" b="0"/>
+        </a:lnRef>
+        <a:fillRef idx="0">
+          <a:scrgbClr r="0" g="0" b="0"/>
+        </a:fillRef>
+        <a:effectRef idx="0">
+          <a:scrgbClr r="0" g="0" b="0"/>
+        </a:effectRef>
         <a:fontRef idx="none"/>
       </a:style>
     </a:txDef>
   </a:objectDefaults>
+  <a:extraClrSchemeLst/>
 </a:theme>
 </file>
 
 <file path=ppt/theme/theme2.xml><?xml version="1.0" encoding="utf-8"?>
-<a:theme xmlns:a="http://schemas.openxmlformats.org/drawingml/2006/main" xmlns:r="http://schemas.openxmlformats.org/officeDocument/2006/relationships" name="Office 테마">
+<a:theme xmlns:a="http://schemas.openxmlformats.org/drawingml/2006/main" name="Office 테마">
   <a:themeElements>
     <a:clrScheme name="Office 테마">
       <a:dk1>
@@ -14838,7 +14786,7 @@
         <a:effectLst/>
         <a:sp3d/>
       </a:spPr>
-      <a:bodyPr rot="0" spcFirstLastPara="1" vertOverflow="overflow" horzOverflow="overflow" vert="horz" wrap="square" lIns="45718" tIns="45718" rIns="45718" bIns="45718" numCol="1" spcCol="38100" rtlCol="0" anchor="t" upright="0">
+      <a:bodyPr rot="0" spcFirstLastPara="1" vertOverflow="overflow" horzOverflow="overflow" vert="horz" wrap="square" lIns="45718" tIns="45718" rIns="45718" bIns="45718" numCol="1" spcCol="38100" rtlCol="0" anchor="t">
         <a:spAutoFit/>
       </a:bodyPr>
       <a:lstStyle>
@@ -14857,7 +14805,7 @@
           <a:buFontTx/>
           <a:buNone/>
           <a:tabLst/>
-          <a:defRPr b="0" baseline="0" cap="none" i="0" spc="0" strike="noStrike" sz="1800" u="none" kumimoji="0" normalizeH="0">
+          <a:defRPr kumimoji="0" sz="1800" b="0" i="0" u="none" strike="noStrike" cap="none" spc="0" normalizeH="0" baseline="0">
             <a:ln>
               <a:noFill/>
             </a:ln>
@@ -14887,7 +14835,7 @@
           <a:buFontTx/>
           <a:buNone/>
           <a:tabLst/>
-          <a:defRPr b="0" baseline="0" cap="none" i="0" spc="0" strike="noStrike" sz="1800" u="none" kumimoji="0" normalizeH="0">
+          <a:defRPr kumimoji="0" sz="1800" b="0" i="0" u="none" strike="noStrike" cap="none" spc="0" normalizeH="0" baseline="0">
             <a:ln>
               <a:noFill/>
             </a:ln>
@@ -14913,7 +14861,7 @@
           <a:buFontTx/>
           <a:buNone/>
           <a:tabLst/>
-          <a:defRPr b="0" baseline="0" cap="none" i="0" spc="0" strike="noStrike" sz="1800" u="none" kumimoji="0" normalizeH="0">
+          <a:defRPr kumimoji="0" sz="1800" b="0" i="0" u="none" strike="noStrike" cap="none" spc="0" normalizeH="0" baseline="0">
             <a:ln>
               <a:noFill/>
             </a:ln>
@@ -14939,7 +14887,7 @@
           <a:buFontTx/>
           <a:buNone/>
           <a:tabLst/>
-          <a:defRPr b="0" baseline="0" cap="none" i="0" spc="0" strike="noStrike" sz="1800" u="none" kumimoji="0" normalizeH="0">
+          <a:defRPr kumimoji="0" sz="1800" b="0" i="0" u="none" strike="noStrike" cap="none" spc="0" normalizeH="0" baseline="0">
             <a:ln>
               <a:noFill/>
             </a:ln>
@@ -14965,7 +14913,7 @@
           <a:buFontTx/>
           <a:buNone/>
           <a:tabLst/>
-          <a:defRPr b="0" baseline="0" cap="none" i="0" spc="0" strike="noStrike" sz="1800" u="none" kumimoji="0" normalizeH="0">
+          <a:defRPr kumimoji="0" sz="1800" b="0" i="0" u="none" strike="noStrike" cap="none" spc="0" normalizeH="0" baseline="0">
             <a:ln>
               <a:noFill/>
             </a:ln>
@@ -14991,7 +14939,7 @@
           <a:buFontTx/>
           <a:buNone/>
           <a:tabLst/>
-          <a:defRPr b="0" baseline="0" cap="none" i="0" spc="0" strike="noStrike" sz="1800" u="none" kumimoji="0" normalizeH="0">
+          <a:defRPr kumimoji="0" sz="1800" b="0" i="0" u="none" strike="noStrike" cap="none" spc="0" normalizeH="0" baseline="0">
             <a:ln>
               <a:noFill/>
             </a:ln>
@@ -15017,7 +14965,7 @@
           <a:buFontTx/>
           <a:buNone/>
           <a:tabLst/>
-          <a:defRPr b="0" baseline="0" cap="none" i="0" spc="0" strike="noStrike" sz="1800" u="none" kumimoji="0" normalizeH="0">
+          <a:defRPr kumimoji="0" sz="1800" b="0" i="0" u="none" strike="noStrike" cap="none" spc="0" normalizeH="0" baseline="0">
             <a:ln>
               <a:noFill/>
             </a:ln>
@@ -15043,7 +14991,7 @@
           <a:buFontTx/>
           <a:buNone/>
           <a:tabLst/>
-          <a:defRPr b="0" baseline="0" cap="none" i="0" spc="0" strike="noStrike" sz="1800" u="none" kumimoji="0" normalizeH="0">
+          <a:defRPr kumimoji="0" sz="1800" b="0" i="0" u="none" strike="noStrike" cap="none" spc="0" normalizeH="0" baseline="0">
             <a:ln>
               <a:noFill/>
             </a:ln>
@@ -15069,7 +15017,7 @@
           <a:buFontTx/>
           <a:buNone/>
           <a:tabLst/>
-          <a:defRPr b="0" baseline="0" cap="none" i="0" spc="0" strike="noStrike" sz="1800" u="none" kumimoji="0" normalizeH="0">
+          <a:defRPr kumimoji="0" sz="1800" b="0" i="0" u="none" strike="noStrike" cap="none" spc="0" normalizeH="0" baseline="0">
             <a:ln>
               <a:noFill/>
             </a:ln>
@@ -15095,7 +15043,7 @@
           <a:buFontTx/>
           <a:buNone/>
           <a:tabLst/>
-          <a:defRPr b="0" baseline="0" cap="none" i="0" spc="0" strike="noStrike" sz="1800" u="none" kumimoji="0" normalizeH="0">
+          <a:defRPr kumimoji="0" sz="1800" b="0" i="0" u="none" strike="noStrike" cap="none" spc="0" normalizeH="0" baseline="0">
             <a:ln>
               <a:noFill/>
             </a:ln>
@@ -15108,9 +15056,15 @@
         </a:lvl9pPr>
       </a:lstStyle>
       <a:style>
-        <a:lnRef idx="0"/>
-        <a:fillRef idx="0"/>
-        <a:effectRef idx="0"/>
+        <a:lnRef idx="0">
+          <a:scrgbClr r="0" g="0" b="0"/>
+        </a:lnRef>
+        <a:fillRef idx="0">
+          <a:scrgbClr r="0" g="0" b="0"/>
+        </a:fillRef>
+        <a:effectRef idx="0">
+          <a:scrgbClr r="0" g="0" b="0"/>
+        </a:effectRef>
         <a:fontRef idx="none"/>
       </a:style>
     </a:spDef>
@@ -15127,7 +15081,7 @@
         <a:effectLst/>
         <a:sp3d/>
       </a:spPr>
-      <a:bodyPr rot="0" spcFirstLastPara="1" vertOverflow="overflow" horzOverflow="overflow" vert="horz" wrap="square" lIns="91439" tIns="45719" rIns="91439" bIns="45719" numCol="1" spcCol="38100" rtlCol="0" anchor="t" upright="0">
+      <a:bodyPr rot="0" spcFirstLastPara="1" vertOverflow="overflow" horzOverflow="overflow" vert="horz" wrap="square" lIns="91439" tIns="45719" rIns="91439" bIns="45719" numCol="1" spcCol="38100" rtlCol="0" anchor="t">
         <a:noAutofit/>
       </a:bodyPr>
       <a:lstStyle>
@@ -15146,7 +15100,7 @@
           <a:buFontTx/>
           <a:buNone/>
           <a:tabLst/>
-          <a:defRPr b="0" baseline="0" cap="none" i="0" spc="0" strike="noStrike" sz="1800" u="none" kumimoji="0" normalizeH="0">
+          <a:defRPr kumimoji="0" sz="1800" b="0" i="0" u="none" strike="noStrike" cap="none" spc="0" normalizeH="0" baseline="0">
             <a:ln>
               <a:noFill/>
             </a:ln>
@@ -15172,7 +15126,7 @@
           <a:buFontTx/>
           <a:buNone/>
           <a:tabLst/>
-          <a:defRPr b="0" baseline="0" cap="none" i="0" spc="0" strike="noStrike" sz="1800" u="none" kumimoji="0" normalizeH="0">
+          <a:defRPr kumimoji="0" sz="1800" b="0" i="0" u="none" strike="noStrike" cap="none" spc="0" normalizeH="0" baseline="0">
             <a:ln>
               <a:noFill/>
             </a:ln>
@@ -15198,7 +15152,7 @@
           <a:buFontTx/>
           <a:buNone/>
           <a:tabLst/>
-          <a:defRPr b="0" baseline="0" cap="none" i="0" spc="0" strike="noStrike" sz="1800" u="none" kumimoji="0" normalizeH="0">
+          <a:defRPr kumimoji="0" sz="1800" b="0" i="0" u="none" strike="noStrike" cap="none" spc="0" normalizeH="0" baseline="0">
             <a:ln>
               <a:noFill/>
             </a:ln>
@@ -15224,7 +15178,7 @@
           <a:buFontTx/>
           <a:buNone/>
           <a:tabLst/>
-          <a:defRPr b="0" baseline="0" cap="none" i="0" spc="0" strike="noStrike" sz="1800" u="none" kumimoji="0" normalizeH="0">
+          <a:defRPr kumimoji="0" sz="1800" b="0" i="0" u="none" strike="noStrike" cap="none" spc="0" normalizeH="0" baseline="0">
             <a:ln>
               <a:noFill/>
             </a:ln>
@@ -15250,7 +15204,7 @@
           <a:buFontTx/>
           <a:buNone/>
           <a:tabLst/>
-          <a:defRPr b="0" baseline="0" cap="none" i="0" spc="0" strike="noStrike" sz="1800" u="none" kumimoji="0" normalizeH="0">
+          <a:defRPr kumimoji="0" sz="1800" b="0" i="0" u="none" strike="noStrike" cap="none" spc="0" normalizeH="0" baseline="0">
             <a:ln>
               <a:noFill/>
             </a:ln>
@@ -15276,7 +15230,7 @@
           <a:buFontTx/>
           <a:buNone/>
           <a:tabLst/>
-          <a:defRPr b="0" baseline="0" cap="none" i="0" spc="0" strike="noStrike" sz="1800" u="none" kumimoji="0" normalizeH="0">
+          <a:defRPr kumimoji="0" sz="1800" b="0" i="0" u="none" strike="noStrike" cap="none" spc="0" normalizeH="0" baseline="0">
             <a:ln>
               <a:noFill/>
             </a:ln>
@@ -15302,7 +15256,7 @@
           <a:buFontTx/>
           <a:buNone/>
           <a:tabLst/>
-          <a:defRPr b="0" baseline="0" cap="none" i="0" spc="0" strike="noStrike" sz="1800" u="none" kumimoji="0" normalizeH="0">
+          <a:defRPr kumimoji="0" sz="1800" b="0" i="0" u="none" strike="noStrike" cap="none" spc="0" normalizeH="0" baseline="0">
             <a:ln>
               <a:noFill/>
             </a:ln>
@@ -15328,7 +15282,7 @@
           <a:buFontTx/>
           <a:buNone/>
           <a:tabLst/>
-          <a:defRPr b="0" baseline="0" cap="none" i="0" spc="0" strike="noStrike" sz="1800" u="none" kumimoji="0" normalizeH="0">
+          <a:defRPr kumimoji="0" sz="1800" b="0" i="0" u="none" strike="noStrike" cap="none" spc="0" normalizeH="0" baseline="0">
             <a:ln>
               <a:noFill/>
             </a:ln>
@@ -15354,7 +15308,7 @@
           <a:buFontTx/>
           <a:buNone/>
           <a:tabLst/>
-          <a:defRPr b="0" baseline="0" cap="none" i="0" spc="0" strike="noStrike" sz="1800" u="none" kumimoji="0" normalizeH="0">
+          <a:defRPr kumimoji="0" sz="1800" b="0" i="0" u="none" strike="noStrike" cap="none" spc="0" normalizeH="0" baseline="0">
             <a:ln>
               <a:noFill/>
             </a:ln>
@@ -15380,7 +15334,7 @@
           <a:buFontTx/>
           <a:buNone/>
           <a:tabLst/>
-          <a:defRPr b="0" baseline="0" cap="none" i="0" spc="0" strike="noStrike" sz="1800" u="none" kumimoji="0" normalizeH="0">
+          <a:defRPr kumimoji="0" sz="1800" b="0" i="0" u="none" strike="noStrike" cap="none" spc="0" normalizeH="0" baseline="0">
             <a:ln>
               <a:noFill/>
             </a:ln>
@@ -15393,9 +15347,15 @@
         </a:lvl9pPr>
       </a:lstStyle>
       <a:style>
-        <a:lnRef idx="0"/>
-        <a:fillRef idx="0"/>
-        <a:effectRef idx="0"/>
+        <a:lnRef idx="0">
+          <a:scrgbClr r="0" g="0" b="0"/>
+        </a:lnRef>
+        <a:fillRef idx="0">
+          <a:scrgbClr r="0" g="0" b="0"/>
+        </a:fillRef>
+        <a:effectRef idx="0">
+          <a:scrgbClr r="0" g="0" b="0"/>
+        </a:effectRef>
         <a:fontRef idx="none"/>
       </a:style>
     </a:lnDef>
@@ -15409,7 +15369,7 @@
         <a:effectLst/>
         <a:sp3d/>
       </a:spPr>
-      <a:bodyPr rot="0" spcFirstLastPara="1" vertOverflow="overflow" horzOverflow="overflow" vert="horz" wrap="square" lIns="45718" tIns="45718" rIns="45718" bIns="45718" numCol="1" spcCol="38100" rtlCol="0" anchor="t" upright="0">
+      <a:bodyPr rot="0" spcFirstLastPara="1" vertOverflow="overflow" horzOverflow="overflow" vert="horz" wrap="square" lIns="45718" tIns="45718" rIns="45718" bIns="45718" numCol="1" spcCol="38100" rtlCol="0" anchor="t">
         <a:spAutoFit/>
       </a:bodyPr>
       <a:lstStyle>
@@ -15428,7 +15388,7 @@
           <a:buFontTx/>
           <a:buNone/>
           <a:tabLst/>
-          <a:defRPr b="0" baseline="0" cap="none" i="0" spc="0" strike="noStrike" sz="1800" u="none" kumimoji="0" normalizeH="0">
+          <a:defRPr kumimoji="0" sz="1800" b="0" i="0" u="none" strike="noStrike" cap="none" spc="0" normalizeH="0" baseline="0">
             <a:ln>
               <a:noFill/>
             </a:ln>
@@ -15458,7 +15418,7 @@
           <a:buFontTx/>
           <a:buNone/>
           <a:tabLst/>
-          <a:defRPr b="0" baseline="0" cap="none" i="0" spc="0" strike="noStrike" sz="1800" u="none" kumimoji="0" normalizeH="0">
+          <a:defRPr kumimoji="0" sz="1800" b="0" i="0" u="none" strike="noStrike" cap="none" spc="0" normalizeH="0" baseline="0">
             <a:ln>
               <a:noFill/>
             </a:ln>
@@ -15484,7 +15444,7 @@
           <a:buFontTx/>
           <a:buNone/>
           <a:tabLst/>
-          <a:defRPr b="0" baseline="0" cap="none" i="0" spc="0" strike="noStrike" sz="1800" u="none" kumimoji="0" normalizeH="0">
+          <a:defRPr kumimoji="0" sz="1800" b="0" i="0" u="none" strike="noStrike" cap="none" spc="0" normalizeH="0" baseline="0">
             <a:ln>
               <a:noFill/>
             </a:ln>
@@ -15510,7 +15470,7 @@
           <a:buFontTx/>
           <a:buNone/>
           <a:tabLst/>
-          <a:defRPr b="0" baseline="0" cap="none" i="0" spc="0" strike="noStrike" sz="1800" u="none" kumimoji="0" normalizeH="0">
+          <a:defRPr kumimoji="0" sz="1800" b="0" i="0" u="none" strike="noStrike" cap="none" spc="0" normalizeH="0" baseline="0">
             <a:ln>
               <a:noFill/>
             </a:ln>
@@ -15536,7 +15496,7 @@
           <a:buFontTx/>
           <a:buNone/>
           <a:tabLst/>
-          <a:defRPr b="0" baseline="0" cap="none" i="0" spc="0" strike="noStrike" sz="1800" u="none" kumimoji="0" normalizeH="0">
+          <a:defRPr kumimoji="0" sz="1800" b="0" i="0" u="none" strike="noStrike" cap="none" spc="0" normalizeH="0" baseline="0">
             <a:ln>
               <a:noFill/>
             </a:ln>
@@ -15562,7 +15522,7 @@
           <a:buFontTx/>
           <a:buNone/>
           <a:tabLst/>
-          <a:defRPr b="0" baseline="0" cap="none" i="0" spc="0" strike="noStrike" sz="1800" u="none" kumimoji="0" normalizeH="0">
+          <a:defRPr kumimoji="0" sz="1800" b="0" i="0" u="none" strike="noStrike" cap="none" spc="0" normalizeH="0" baseline="0">
             <a:ln>
               <a:noFill/>
             </a:ln>
@@ -15588,7 +15548,7 @@
           <a:buFontTx/>
           <a:buNone/>
           <a:tabLst/>
-          <a:defRPr b="0" baseline="0" cap="none" i="0" spc="0" strike="noStrike" sz="1800" u="none" kumimoji="0" normalizeH="0">
+          <a:defRPr kumimoji="0" sz="1800" b="0" i="0" u="none" strike="noStrike" cap="none" spc="0" normalizeH="0" baseline="0">
             <a:ln>
               <a:noFill/>
             </a:ln>
@@ -15614,7 +15574,7 @@
           <a:buFontTx/>
           <a:buNone/>
           <a:tabLst/>
-          <a:defRPr b="0" baseline="0" cap="none" i="0" spc="0" strike="noStrike" sz="1800" u="none" kumimoji="0" normalizeH="0">
+          <a:defRPr kumimoji="0" sz="1800" b="0" i="0" u="none" strike="noStrike" cap="none" spc="0" normalizeH="0" baseline="0">
             <a:ln>
               <a:noFill/>
             </a:ln>
@@ -15640,7 +15600,7 @@
           <a:buFontTx/>
           <a:buNone/>
           <a:tabLst/>
-          <a:defRPr b="0" baseline="0" cap="none" i="0" spc="0" strike="noStrike" sz="1800" u="none" kumimoji="0" normalizeH="0">
+          <a:defRPr kumimoji="0" sz="1800" b="0" i="0" u="none" strike="noStrike" cap="none" spc="0" normalizeH="0" baseline="0">
             <a:ln>
               <a:noFill/>
             </a:ln>
@@ -15666,7 +15626,7 @@
           <a:buFontTx/>
           <a:buNone/>
           <a:tabLst/>
-          <a:defRPr b="0" baseline="0" cap="none" i="0" spc="0" strike="noStrike" sz="1800" u="none" kumimoji="0" normalizeH="0">
+          <a:defRPr kumimoji="0" sz="1800" b="0" i="0" u="none" strike="noStrike" cap="none" spc="0" normalizeH="0" baseline="0">
             <a:ln>
               <a:noFill/>
             </a:ln>
@@ -15679,12 +15639,19 @@
         </a:lvl9pPr>
       </a:lstStyle>
       <a:style>
-        <a:lnRef idx="0"/>
-        <a:fillRef idx="0"/>
-        <a:effectRef idx="0"/>
+        <a:lnRef idx="0">
+          <a:scrgbClr r="0" g="0" b="0"/>
+        </a:lnRef>
+        <a:fillRef idx="0">
+          <a:scrgbClr r="0" g="0" b="0"/>
+        </a:fillRef>
+        <a:effectRef idx="0">
+          <a:scrgbClr r="0" g="0" b="0"/>
+        </a:effectRef>
         <a:fontRef idx="none"/>
       </a:style>
     </a:txDef>
   </a:objectDefaults>
+  <a:extraClrSchemeLst/>
 </a:theme>
 </file>